--- a/Лекции/2024/3/Пользовательские типы, структры, объединения.pptx
+++ b/Лекции/2024/3/Пользовательские типы, структры, объединения.pptx
@@ -176,7 +176,7 @@
           </a:lstStyle>
           <a:p>
             <a:r>
-              <a:rPr lang="ru-RU" smtClean="0"/>
+              <a:rPr lang="ru-RU"/>
               <a:t>Образец заголовка</a:t>
             </a:r>
             <a:endParaRPr lang="en-US" dirty="0"/>
@@ -241,7 +241,7 @@
           </a:lstStyle>
           <a:p>
             <a:r>
-              <a:rPr lang="ru-RU" smtClean="0"/>
+              <a:rPr lang="ru-RU"/>
               <a:t>Образец подзаголовка</a:t>
             </a:r>
             <a:endParaRPr lang="en-US" dirty="0"/>
@@ -265,7 +265,7 @@
           <a:p>
             <a:fld id="{3D5C11EB-D329-41AC-A27B-AABF4C979710}" type="datetimeFigureOut">
               <a:rPr lang="ru-RU" smtClean="0"/>
-              <a:t>26.09.2022</a:t>
+              <a:t>16.09.2024</a:t>
             </a:fld>
             <a:endParaRPr lang="ru-RU"/>
           </a:p>
@@ -359,7 +359,7 @@
           <a:lstStyle/>
           <a:p>
             <a:r>
-              <a:rPr lang="ru-RU" smtClean="0"/>
+              <a:rPr lang="ru-RU"/>
               <a:t>Образец заголовка</a:t>
             </a:r>
             <a:endParaRPr lang="en-US" dirty="0"/>
@@ -383,35 +383,35 @@
           <a:p>
             <a:pPr lvl="0"/>
             <a:r>
-              <a:rPr lang="ru-RU" smtClean="0"/>
+              <a:rPr lang="ru-RU"/>
               <a:t>Образец текста</a:t>
             </a:r>
           </a:p>
           <a:p>
             <a:pPr lvl="1"/>
             <a:r>
-              <a:rPr lang="ru-RU" smtClean="0"/>
+              <a:rPr lang="ru-RU"/>
               <a:t>Второй уровень</a:t>
             </a:r>
           </a:p>
           <a:p>
             <a:pPr lvl="2"/>
             <a:r>
-              <a:rPr lang="ru-RU" smtClean="0"/>
+              <a:rPr lang="ru-RU"/>
               <a:t>Третий уровень</a:t>
             </a:r>
           </a:p>
           <a:p>
             <a:pPr lvl="3"/>
             <a:r>
-              <a:rPr lang="ru-RU" smtClean="0"/>
+              <a:rPr lang="ru-RU"/>
               <a:t>Четвертый уровень</a:t>
             </a:r>
           </a:p>
           <a:p>
             <a:pPr lvl="4"/>
             <a:r>
-              <a:rPr lang="ru-RU" smtClean="0"/>
+              <a:rPr lang="ru-RU"/>
               <a:t>Пятый уровень</a:t>
             </a:r>
             <a:endParaRPr lang="en-US" dirty="0"/>
@@ -435,7 +435,7 @@
           <a:p>
             <a:fld id="{3D5C11EB-D329-41AC-A27B-AABF4C979710}" type="datetimeFigureOut">
               <a:rPr lang="ru-RU" smtClean="0"/>
-              <a:t>26.09.2022</a:t>
+              <a:t>16.09.2024</a:t>
             </a:fld>
             <a:endParaRPr lang="ru-RU"/>
           </a:p>
@@ -534,7 +534,7 @@
           <a:lstStyle/>
           <a:p>
             <a:r>
-              <a:rPr lang="ru-RU" smtClean="0"/>
+              <a:rPr lang="ru-RU"/>
               <a:t>Образец заголовка</a:t>
             </a:r>
             <a:endParaRPr lang="en-US" dirty="0"/>
@@ -563,35 +563,35 @@
           <a:p>
             <a:pPr lvl="0"/>
             <a:r>
-              <a:rPr lang="ru-RU" smtClean="0"/>
+              <a:rPr lang="ru-RU"/>
               <a:t>Образец текста</a:t>
             </a:r>
           </a:p>
           <a:p>
             <a:pPr lvl="1"/>
             <a:r>
-              <a:rPr lang="ru-RU" smtClean="0"/>
+              <a:rPr lang="ru-RU"/>
               <a:t>Второй уровень</a:t>
             </a:r>
           </a:p>
           <a:p>
             <a:pPr lvl="2"/>
             <a:r>
-              <a:rPr lang="ru-RU" smtClean="0"/>
+              <a:rPr lang="ru-RU"/>
               <a:t>Третий уровень</a:t>
             </a:r>
           </a:p>
           <a:p>
             <a:pPr lvl="3"/>
             <a:r>
-              <a:rPr lang="ru-RU" smtClean="0"/>
+              <a:rPr lang="ru-RU"/>
               <a:t>Четвертый уровень</a:t>
             </a:r>
           </a:p>
           <a:p>
             <a:pPr lvl="4"/>
             <a:r>
-              <a:rPr lang="ru-RU" smtClean="0"/>
+              <a:rPr lang="ru-RU"/>
               <a:t>Пятый уровень</a:t>
             </a:r>
             <a:endParaRPr lang="en-US" dirty="0"/>
@@ -615,7 +615,7 @@
           <a:p>
             <a:fld id="{3D5C11EB-D329-41AC-A27B-AABF4C979710}" type="datetimeFigureOut">
               <a:rPr lang="ru-RU" smtClean="0"/>
-              <a:t>26.09.2022</a:t>
+              <a:t>16.09.2024</a:t>
             </a:fld>
             <a:endParaRPr lang="ru-RU"/>
           </a:p>
@@ -709,7 +709,7 @@
           <a:lstStyle/>
           <a:p>
             <a:r>
-              <a:rPr lang="ru-RU" smtClean="0"/>
+              <a:rPr lang="ru-RU"/>
               <a:t>Образец заголовка</a:t>
             </a:r>
             <a:endParaRPr lang="en-US" dirty="0"/>
@@ -733,35 +733,35 @@
           <a:p>
             <a:pPr lvl="0"/>
             <a:r>
-              <a:rPr lang="ru-RU" smtClean="0"/>
+              <a:rPr lang="ru-RU"/>
               <a:t>Образец текста</a:t>
             </a:r>
           </a:p>
           <a:p>
             <a:pPr lvl="1"/>
             <a:r>
-              <a:rPr lang="ru-RU" smtClean="0"/>
+              <a:rPr lang="ru-RU"/>
               <a:t>Второй уровень</a:t>
             </a:r>
           </a:p>
           <a:p>
             <a:pPr lvl="2"/>
             <a:r>
-              <a:rPr lang="ru-RU" smtClean="0"/>
+              <a:rPr lang="ru-RU"/>
               <a:t>Третий уровень</a:t>
             </a:r>
           </a:p>
           <a:p>
             <a:pPr lvl="3"/>
             <a:r>
-              <a:rPr lang="ru-RU" smtClean="0"/>
+              <a:rPr lang="ru-RU"/>
               <a:t>Четвертый уровень</a:t>
             </a:r>
           </a:p>
           <a:p>
             <a:pPr lvl="4"/>
             <a:r>
-              <a:rPr lang="ru-RU" smtClean="0"/>
+              <a:rPr lang="ru-RU"/>
               <a:t>Пятый уровень</a:t>
             </a:r>
             <a:endParaRPr lang="en-US" dirty="0"/>
@@ -785,7 +785,7 @@
           <a:p>
             <a:fld id="{3D5C11EB-D329-41AC-A27B-AABF4C979710}" type="datetimeFigureOut">
               <a:rPr lang="ru-RU" smtClean="0"/>
-              <a:t>26.09.2022</a:t>
+              <a:t>16.09.2024</a:t>
             </a:fld>
             <a:endParaRPr lang="ru-RU"/>
           </a:p>
@@ -888,7 +888,7 @@
           </a:lstStyle>
           <a:p>
             <a:r>
-              <a:rPr lang="ru-RU" smtClean="0"/>
+              <a:rPr lang="ru-RU"/>
               <a:t>Образец заголовка</a:t>
             </a:r>
             <a:endParaRPr lang="en-US" dirty="0"/>
@@ -1008,7 +1008,7 @@
           <a:p>
             <a:pPr lvl="0"/>
             <a:r>
-              <a:rPr lang="ru-RU" smtClean="0"/>
+              <a:rPr lang="ru-RU"/>
               <a:t>Образец текста</a:t>
             </a:r>
           </a:p>
@@ -1031,7 +1031,7 @@
           <a:p>
             <a:fld id="{3D5C11EB-D329-41AC-A27B-AABF4C979710}" type="datetimeFigureOut">
               <a:rPr lang="ru-RU" smtClean="0"/>
-              <a:t>26.09.2022</a:t>
+              <a:t>16.09.2024</a:t>
             </a:fld>
             <a:endParaRPr lang="ru-RU"/>
           </a:p>
@@ -1125,7 +1125,7 @@
           <a:lstStyle/>
           <a:p>
             <a:r>
-              <a:rPr lang="ru-RU" smtClean="0"/>
+              <a:rPr lang="ru-RU"/>
               <a:t>Образец заголовка</a:t>
             </a:r>
             <a:endParaRPr lang="en-US" dirty="0"/>
@@ -1154,35 +1154,35 @@
           <a:p>
             <a:pPr lvl="0"/>
             <a:r>
-              <a:rPr lang="ru-RU" smtClean="0"/>
+              <a:rPr lang="ru-RU"/>
               <a:t>Образец текста</a:t>
             </a:r>
           </a:p>
           <a:p>
             <a:pPr lvl="1"/>
             <a:r>
-              <a:rPr lang="ru-RU" smtClean="0"/>
+              <a:rPr lang="ru-RU"/>
               <a:t>Второй уровень</a:t>
             </a:r>
           </a:p>
           <a:p>
             <a:pPr lvl="2"/>
             <a:r>
-              <a:rPr lang="ru-RU" smtClean="0"/>
+              <a:rPr lang="ru-RU"/>
               <a:t>Третий уровень</a:t>
             </a:r>
           </a:p>
           <a:p>
             <a:pPr lvl="3"/>
             <a:r>
-              <a:rPr lang="ru-RU" smtClean="0"/>
+              <a:rPr lang="ru-RU"/>
               <a:t>Четвертый уровень</a:t>
             </a:r>
           </a:p>
           <a:p>
             <a:pPr lvl="4"/>
             <a:r>
-              <a:rPr lang="ru-RU" smtClean="0"/>
+              <a:rPr lang="ru-RU"/>
               <a:t>Пятый уровень</a:t>
             </a:r>
             <a:endParaRPr lang="en-US" dirty="0"/>
@@ -1211,35 +1211,35 @@
           <a:p>
             <a:pPr lvl="0"/>
             <a:r>
-              <a:rPr lang="ru-RU" smtClean="0"/>
+              <a:rPr lang="ru-RU"/>
               <a:t>Образец текста</a:t>
             </a:r>
           </a:p>
           <a:p>
             <a:pPr lvl="1"/>
             <a:r>
-              <a:rPr lang="ru-RU" smtClean="0"/>
+              <a:rPr lang="ru-RU"/>
               <a:t>Второй уровень</a:t>
             </a:r>
           </a:p>
           <a:p>
             <a:pPr lvl="2"/>
             <a:r>
-              <a:rPr lang="ru-RU" smtClean="0"/>
+              <a:rPr lang="ru-RU"/>
               <a:t>Третий уровень</a:t>
             </a:r>
           </a:p>
           <a:p>
             <a:pPr lvl="3"/>
             <a:r>
-              <a:rPr lang="ru-RU" smtClean="0"/>
+              <a:rPr lang="ru-RU"/>
               <a:t>Четвертый уровень</a:t>
             </a:r>
           </a:p>
           <a:p>
             <a:pPr lvl="4"/>
             <a:r>
-              <a:rPr lang="ru-RU" smtClean="0"/>
+              <a:rPr lang="ru-RU"/>
               <a:t>Пятый уровень</a:t>
             </a:r>
             <a:endParaRPr lang="en-US" dirty="0"/>
@@ -1263,7 +1263,7 @@
           <a:p>
             <a:fld id="{3D5C11EB-D329-41AC-A27B-AABF4C979710}" type="datetimeFigureOut">
               <a:rPr lang="ru-RU" smtClean="0"/>
-              <a:t>26.09.2022</a:t>
+              <a:t>16.09.2024</a:t>
             </a:fld>
             <a:endParaRPr lang="ru-RU"/>
           </a:p>
@@ -1362,7 +1362,7 @@
           <a:lstStyle/>
           <a:p>
             <a:r>
-              <a:rPr lang="ru-RU" smtClean="0"/>
+              <a:rPr lang="ru-RU"/>
               <a:t>Образец заголовка</a:t>
             </a:r>
             <a:endParaRPr lang="en-US" dirty="0"/>
@@ -1428,7 +1428,7 @@
           <a:p>
             <a:pPr lvl="0"/>
             <a:r>
-              <a:rPr lang="ru-RU" smtClean="0"/>
+              <a:rPr lang="ru-RU"/>
               <a:t>Образец текста</a:t>
             </a:r>
           </a:p>
@@ -1456,35 +1456,35 @@
           <a:p>
             <a:pPr lvl="0"/>
             <a:r>
-              <a:rPr lang="ru-RU" smtClean="0"/>
+              <a:rPr lang="ru-RU"/>
               <a:t>Образец текста</a:t>
             </a:r>
           </a:p>
           <a:p>
             <a:pPr lvl="1"/>
             <a:r>
-              <a:rPr lang="ru-RU" smtClean="0"/>
+              <a:rPr lang="ru-RU"/>
               <a:t>Второй уровень</a:t>
             </a:r>
           </a:p>
           <a:p>
             <a:pPr lvl="2"/>
             <a:r>
-              <a:rPr lang="ru-RU" smtClean="0"/>
+              <a:rPr lang="ru-RU"/>
               <a:t>Третий уровень</a:t>
             </a:r>
           </a:p>
           <a:p>
             <a:pPr lvl="3"/>
             <a:r>
-              <a:rPr lang="ru-RU" smtClean="0"/>
+              <a:rPr lang="ru-RU"/>
               <a:t>Четвертый уровень</a:t>
             </a:r>
           </a:p>
           <a:p>
             <a:pPr lvl="4"/>
             <a:r>
-              <a:rPr lang="ru-RU" smtClean="0"/>
+              <a:rPr lang="ru-RU"/>
               <a:t>Пятый уровень</a:t>
             </a:r>
             <a:endParaRPr lang="en-US" dirty="0"/>
@@ -1550,7 +1550,7 @@
           <a:p>
             <a:pPr lvl="0"/>
             <a:r>
-              <a:rPr lang="ru-RU" smtClean="0"/>
+              <a:rPr lang="ru-RU"/>
               <a:t>Образец текста</a:t>
             </a:r>
           </a:p>
@@ -1578,35 +1578,35 @@
           <a:p>
             <a:pPr lvl="0"/>
             <a:r>
-              <a:rPr lang="ru-RU" smtClean="0"/>
+              <a:rPr lang="ru-RU"/>
               <a:t>Образец текста</a:t>
             </a:r>
           </a:p>
           <a:p>
             <a:pPr lvl="1"/>
             <a:r>
-              <a:rPr lang="ru-RU" smtClean="0"/>
+              <a:rPr lang="ru-RU"/>
               <a:t>Второй уровень</a:t>
             </a:r>
           </a:p>
           <a:p>
             <a:pPr lvl="2"/>
             <a:r>
-              <a:rPr lang="ru-RU" smtClean="0"/>
+              <a:rPr lang="ru-RU"/>
               <a:t>Третий уровень</a:t>
             </a:r>
           </a:p>
           <a:p>
             <a:pPr lvl="3"/>
             <a:r>
-              <a:rPr lang="ru-RU" smtClean="0"/>
+              <a:rPr lang="ru-RU"/>
               <a:t>Четвертый уровень</a:t>
             </a:r>
           </a:p>
           <a:p>
             <a:pPr lvl="4"/>
             <a:r>
-              <a:rPr lang="ru-RU" smtClean="0"/>
+              <a:rPr lang="ru-RU"/>
               <a:t>Пятый уровень</a:t>
             </a:r>
             <a:endParaRPr lang="en-US" dirty="0"/>
@@ -1630,7 +1630,7 @@
           <a:p>
             <a:fld id="{3D5C11EB-D329-41AC-A27B-AABF4C979710}" type="datetimeFigureOut">
               <a:rPr lang="ru-RU" smtClean="0"/>
-              <a:t>26.09.2022</a:t>
+              <a:t>16.09.2024</a:t>
             </a:fld>
             <a:endParaRPr lang="ru-RU"/>
           </a:p>
@@ -1724,7 +1724,7 @@
           <a:lstStyle/>
           <a:p>
             <a:r>
-              <a:rPr lang="ru-RU" smtClean="0"/>
+              <a:rPr lang="ru-RU"/>
               <a:t>Образец заголовка</a:t>
             </a:r>
             <a:endParaRPr lang="en-US" dirty="0"/>
@@ -1748,7 +1748,7 @@
           <a:p>
             <a:fld id="{3D5C11EB-D329-41AC-A27B-AABF4C979710}" type="datetimeFigureOut">
               <a:rPr lang="ru-RU" smtClean="0"/>
-              <a:t>26.09.2022</a:t>
+              <a:t>16.09.2024</a:t>
             </a:fld>
             <a:endParaRPr lang="ru-RU"/>
           </a:p>
@@ -1843,7 +1843,7 @@
           <a:p>
             <a:fld id="{3D5C11EB-D329-41AC-A27B-AABF4C979710}" type="datetimeFigureOut">
               <a:rPr lang="ru-RU" smtClean="0"/>
-              <a:t>26.09.2022</a:t>
+              <a:t>16.09.2024</a:t>
             </a:fld>
             <a:endParaRPr lang="ru-RU"/>
           </a:p>
@@ -1946,7 +1946,7 @@
           </a:lstStyle>
           <a:p>
             <a:r>
-              <a:rPr lang="ru-RU" smtClean="0"/>
+              <a:rPr lang="ru-RU"/>
               <a:t>Образец заголовка</a:t>
             </a:r>
             <a:endParaRPr lang="en-US" dirty="0"/>
@@ -2003,35 +2003,35 @@
           <a:p>
             <a:pPr lvl="0"/>
             <a:r>
-              <a:rPr lang="ru-RU" smtClean="0"/>
+              <a:rPr lang="ru-RU"/>
               <a:t>Образец текста</a:t>
             </a:r>
           </a:p>
           <a:p>
             <a:pPr lvl="1"/>
             <a:r>
-              <a:rPr lang="ru-RU" smtClean="0"/>
+              <a:rPr lang="ru-RU"/>
               <a:t>Второй уровень</a:t>
             </a:r>
           </a:p>
           <a:p>
             <a:pPr lvl="2"/>
             <a:r>
-              <a:rPr lang="ru-RU" smtClean="0"/>
+              <a:rPr lang="ru-RU"/>
               <a:t>Третий уровень</a:t>
             </a:r>
           </a:p>
           <a:p>
             <a:pPr lvl="3"/>
             <a:r>
-              <a:rPr lang="ru-RU" smtClean="0"/>
+              <a:rPr lang="ru-RU"/>
               <a:t>Четвертый уровень</a:t>
             </a:r>
           </a:p>
           <a:p>
             <a:pPr lvl="4"/>
             <a:r>
-              <a:rPr lang="ru-RU" smtClean="0"/>
+              <a:rPr lang="ru-RU"/>
               <a:t>Пятый уровень</a:t>
             </a:r>
             <a:endParaRPr lang="en-US" dirty="0"/>
@@ -2097,7 +2097,7 @@
           <a:p>
             <a:pPr lvl="0"/>
             <a:r>
-              <a:rPr lang="ru-RU" smtClean="0"/>
+              <a:rPr lang="ru-RU"/>
               <a:t>Образец текста</a:t>
             </a:r>
           </a:p>
@@ -2120,7 +2120,7 @@
           <a:p>
             <a:fld id="{3D5C11EB-D329-41AC-A27B-AABF4C979710}" type="datetimeFigureOut">
               <a:rPr lang="ru-RU" smtClean="0"/>
-              <a:t>26.09.2022</a:t>
+              <a:t>16.09.2024</a:t>
             </a:fld>
             <a:endParaRPr lang="ru-RU"/>
           </a:p>
@@ -2223,7 +2223,7 @@
           </a:lstStyle>
           <a:p>
             <a:r>
-              <a:rPr lang="ru-RU" smtClean="0"/>
+              <a:rPr lang="ru-RU"/>
               <a:t>Образец заголовка</a:t>
             </a:r>
             <a:endParaRPr lang="en-US" dirty="0"/>
@@ -2288,7 +2288,7 @@
           </a:lstStyle>
           <a:p>
             <a:r>
-              <a:rPr lang="ru-RU" smtClean="0"/>
+              <a:rPr lang="ru-RU"/>
               <a:t>Вставка рисунка</a:t>
             </a:r>
             <a:endParaRPr lang="en-US" dirty="0"/>
@@ -2354,7 +2354,7 @@
           <a:p>
             <a:pPr lvl="0"/>
             <a:r>
-              <a:rPr lang="ru-RU" smtClean="0"/>
+              <a:rPr lang="ru-RU"/>
               <a:t>Образец текста</a:t>
             </a:r>
           </a:p>
@@ -2377,7 +2377,7 @@
           <a:p>
             <a:fld id="{3D5C11EB-D329-41AC-A27B-AABF4C979710}" type="datetimeFigureOut">
               <a:rPr lang="ru-RU" smtClean="0"/>
-              <a:t>26.09.2022</a:t>
+              <a:t>16.09.2024</a:t>
             </a:fld>
             <a:endParaRPr lang="ru-RU"/>
           </a:p>
@@ -2486,7 +2486,7 @@
           <a:lstStyle/>
           <a:p>
             <a:r>
-              <a:rPr lang="ru-RU" smtClean="0"/>
+              <a:rPr lang="ru-RU"/>
               <a:t>Образец заголовка</a:t>
             </a:r>
             <a:endParaRPr lang="en-US" dirty="0"/>
@@ -2520,35 +2520,35 @@
           <a:p>
             <a:pPr lvl="0"/>
             <a:r>
-              <a:rPr lang="ru-RU" smtClean="0"/>
+              <a:rPr lang="ru-RU"/>
               <a:t>Образец текста</a:t>
             </a:r>
           </a:p>
           <a:p>
             <a:pPr lvl="1"/>
             <a:r>
-              <a:rPr lang="ru-RU" smtClean="0"/>
+              <a:rPr lang="ru-RU"/>
               <a:t>Второй уровень</a:t>
             </a:r>
           </a:p>
           <a:p>
             <a:pPr lvl="2"/>
             <a:r>
-              <a:rPr lang="ru-RU" smtClean="0"/>
+              <a:rPr lang="ru-RU"/>
               <a:t>Третий уровень</a:t>
             </a:r>
           </a:p>
           <a:p>
             <a:pPr lvl="3"/>
             <a:r>
-              <a:rPr lang="ru-RU" smtClean="0"/>
+              <a:rPr lang="ru-RU"/>
               <a:t>Четвертый уровень</a:t>
             </a:r>
           </a:p>
           <a:p>
             <a:pPr lvl="4"/>
             <a:r>
-              <a:rPr lang="ru-RU" smtClean="0"/>
+              <a:rPr lang="ru-RU"/>
               <a:t>Пятый уровень</a:t>
             </a:r>
             <a:endParaRPr lang="en-US" dirty="0"/>
@@ -2590,7 +2590,7 @@
           <a:p>
             <a:fld id="{3D5C11EB-D329-41AC-A27B-AABF4C979710}" type="datetimeFigureOut">
               <a:rPr lang="ru-RU" smtClean="0"/>
-              <a:t>26.09.2022</a:t>
+              <a:t>16.09.2024</a:t>
             </a:fld>
             <a:endParaRPr lang="ru-RU"/>
           </a:p>
@@ -3032,7 +3032,7 @@
           <a:lstStyle/>
           <a:p>
             <a:r>
-              <a:rPr lang="ru-RU" sz="3200" b="1" dirty="0" smtClean="0">
+              <a:rPr lang="ru-RU" sz="3200" b="1" dirty="0">
                 <a:solidFill>
                   <a:schemeClr val="bg1"/>
                 </a:solidFill>
@@ -3041,13 +3041,6 @@
               </a:rPr>
               <a:t>Язык программирования С++</a:t>
             </a:r>
-            <a:endParaRPr lang="ru-RU" sz="3200" b="1" dirty="0">
-              <a:solidFill>
-                <a:schemeClr val="bg1"/>
-              </a:solidFill>
-              <a:latin typeface="Arial" panose="020B0604020202020204" pitchFamily="34" charset="0"/>
-              <a:cs typeface="Arial" panose="020B0604020202020204" pitchFamily="34" charset="0"/>
-            </a:endParaRPr>
           </a:p>
         </p:txBody>
       </p:sp>
@@ -3060,7 +3053,7 @@
         <p:spPr>
           <a:xfrm>
             <a:off x="862724" y="4747827"/>
-            <a:ext cx="8543613" cy="1912571"/>
+            <a:ext cx="9785235" cy="1543239"/>
           </a:xfrm>
           <a:prstGeom prst="rect">
             <a:avLst/>
@@ -3086,63 +3079,50 @@
           </a:lstStyle>
           <a:p>
             <a:r>
-              <a:rPr lang="ru-RU" sz="2400" dirty="0" smtClean="0">
+              <a:rPr lang="ru-RU" sz="2400" dirty="0">
                 <a:latin typeface="Arial" panose="020B0604020202020204" pitchFamily="34" charset="0"/>
                 <a:cs typeface="Arial" panose="020B0604020202020204" pitchFamily="34" charset="0"/>
               </a:rPr>
               <a:t>Преподаватели</a:t>
             </a:r>
             <a:r>
-              <a:rPr lang="en-US" sz="2400" dirty="0" smtClean="0">
+              <a:rPr lang="en-US" sz="2400" dirty="0">
                 <a:latin typeface="Arial" panose="020B0604020202020204" pitchFamily="34" charset="0"/>
                 <a:cs typeface="Arial" panose="020B0604020202020204" pitchFamily="34" charset="0"/>
               </a:rPr>
               <a:t>:</a:t>
-            </a:r>
-            <a:endParaRPr lang="ru-RU" sz="2400" dirty="0" smtClean="0">
-              <a:latin typeface="Arial" panose="020B0604020202020204" pitchFamily="34" charset="0"/>
-              <a:cs typeface="Arial" panose="020B0604020202020204" pitchFamily="34" charset="0"/>
-            </a:endParaRPr>
-          </a:p>
-          <a:p>
-            <a:r>
-              <a:rPr lang="ru-RU" sz="2400" dirty="0" smtClean="0">
-                <a:latin typeface="Arial" panose="020B0604020202020204" pitchFamily="34" charset="0"/>
-                <a:cs typeface="Arial" panose="020B0604020202020204" pitchFamily="34" charset="0"/>
-              </a:rPr>
-              <a:t>Пысин Максим Дмитриевич, ассистент кафедры ИКТ</a:t>
-            </a:r>
-          </a:p>
-          <a:p>
-            <a:r>
-              <a:rPr lang="ru-RU" sz="2400" dirty="0" smtClean="0">
-                <a:latin typeface="Arial" panose="020B0604020202020204" pitchFamily="34" charset="0"/>
-                <a:cs typeface="Arial" panose="020B0604020202020204" pitchFamily="34" charset="0"/>
-              </a:rPr>
-              <a:t>Краснов Дмитрий Олегович, аспирант кафедры ИКТ</a:t>
-            </a:r>
-          </a:p>
-          <a:p>
-            <a:r>
-              <a:rPr lang="ru-RU" sz="2400" dirty="0" smtClean="0">
-                <a:latin typeface="Arial" panose="020B0604020202020204" pitchFamily="34" charset="0"/>
-                <a:cs typeface="Arial" panose="020B0604020202020204" pitchFamily="34" charset="0"/>
-              </a:rPr>
-              <a:t>Лобанов Алексей Владимирович, аспирант кафедры ИКТ</a:t>
-            </a:r>
-          </a:p>
-          <a:p>
-            <a:r>
-              <a:rPr lang="ru-RU" sz="2400" dirty="0" smtClean="0">
-                <a:latin typeface="Arial" panose="020B0604020202020204" pitchFamily="34" charset="0"/>
-                <a:cs typeface="Arial" panose="020B0604020202020204" pitchFamily="34" charset="0"/>
-              </a:rPr>
-              <a:t>Крашенинников Роман Сергеевич, аспирант кафедры ИКТ</a:t>
             </a:r>
             <a:endParaRPr lang="ru-RU" sz="2400" dirty="0">
               <a:latin typeface="Arial" panose="020B0604020202020204" pitchFamily="34" charset="0"/>
               <a:cs typeface="Arial" panose="020B0604020202020204" pitchFamily="34" charset="0"/>
             </a:endParaRPr>
+          </a:p>
+          <a:p>
+            <a:r>
+              <a:rPr lang="ru-RU" sz="2400" dirty="0">
+                <a:latin typeface="Arial" panose="020B0604020202020204" pitchFamily="34" charset="0"/>
+                <a:cs typeface="Arial" panose="020B0604020202020204" pitchFamily="34" charset="0"/>
+              </a:rPr>
+              <a:t>Пысин Максим Дмитриевич, старший преподаватель кафедры ИКТ</a:t>
+            </a:r>
+          </a:p>
+          <a:p>
+            <a:r>
+              <a:rPr lang="ru-RU" sz="2400" dirty="0">
+                <a:latin typeface="Arial" panose="020B0604020202020204" pitchFamily="34" charset="0"/>
+                <a:cs typeface="Arial" panose="020B0604020202020204" pitchFamily="34" charset="0"/>
+              </a:rPr>
+              <a:t>Лобанов Алексей Владимирович, ассистент кафедры ИКТ</a:t>
+            </a:r>
+          </a:p>
+          <a:p>
+            <a:r>
+              <a:rPr lang="ru-RU" sz="2400" dirty="0">
+                <a:latin typeface="Arial" panose="020B0604020202020204" pitchFamily="34" charset="0"/>
+                <a:cs typeface="Arial" panose="020B0604020202020204" pitchFamily="34" charset="0"/>
+              </a:rPr>
+              <a:t>Крашенинников Роман Сергеевич, ассистент кафедры ИКТ</a:t>
+            </a:r>
           </a:p>
         </p:txBody>
       </p:sp>
@@ -3170,32 +3150,15 @@
           <a:p>
             <a:pPr algn="ctr"/>
             <a:r>
-              <a:rPr lang="ru-RU" sz="4500" b="1" dirty="0" smtClean="0">
+              <a:rPr lang="ru-RU" sz="4500" b="1" dirty="0">
                 <a:solidFill>
                   <a:schemeClr val="bg1"/>
                 </a:solidFill>
                 <a:latin typeface="Arial" panose="020B0604020202020204" pitchFamily="34" charset="0"/>
                 <a:cs typeface="Arial" panose="020B0604020202020204" pitchFamily="34" charset="0"/>
               </a:rPr>
-              <a:t>Пользовательские типы данных</a:t>
-            </a:r>
-            <a:r>
-              <a:rPr lang="ru-RU" sz="4500" b="1" dirty="0" smtClean="0">
-                <a:solidFill>
-                  <a:schemeClr val="bg1"/>
-                </a:solidFill>
-                <a:latin typeface="Arial" panose="020B0604020202020204" pitchFamily="34" charset="0"/>
-                <a:cs typeface="Arial" panose="020B0604020202020204" pitchFamily="34" charset="0"/>
-              </a:rPr>
-              <a:t>.</a:t>
-            </a:r>
-            <a:endParaRPr lang="ru-RU" sz="4500" b="1" dirty="0" smtClean="0">
-              <a:solidFill>
-                <a:schemeClr val="bg1"/>
-              </a:solidFill>
-              <a:latin typeface="Arial" panose="020B0604020202020204" pitchFamily="34" charset="0"/>
-              <a:cs typeface="Arial" panose="020B0604020202020204" pitchFamily="34" charset="0"/>
-            </a:endParaRPr>
+              <a:t>Пользовательские типы данных.</a:t>
+            </a:r>
           </a:p>
         </p:txBody>
       </p:sp>
@@ -3209,13 +3172,6 @@
   <p:clrMapOvr>
     <a:masterClrMapping/>
   </p:clrMapOvr>
-  <p:timing>
-    <p:tnLst>
-      <p:par>
-        <p:cTn id="1" dur="indefinite" restart="never" nodeType="tmRoot"/>
-      </p:par>
-    </p:tnLst>
-  </p:timing>
 </p:sld>
 </file>
 
@@ -3485,7 +3441,7 @@
             <a:lstStyle/>
             <a:p>
               <a:r>
-                <a:rPr lang="en-US" sz="1400" dirty="0" err="1" smtClean="0">
+                <a:rPr lang="en-US" sz="1400" dirty="0" err="1">
                   <a:solidFill>
                     <a:srgbClr val="0000FF"/>
                   </a:solidFill>
@@ -3494,7 +3450,7 @@
                 <a:t>enum</a:t>
               </a:r>
               <a:r>
-                <a:rPr lang="en-US" sz="1400" dirty="0" smtClean="0">
+                <a:rPr lang="en-US" sz="1400" dirty="0">
                   <a:solidFill>
                     <a:srgbClr val="000000"/>
                   </a:solidFill>
@@ -3505,7 +3461,7 @@
             </a:p>
             <a:p>
               <a:r>
-                <a:rPr lang="en-US" sz="1400" dirty="0" smtClean="0">
+                <a:rPr lang="en-US" sz="1400" dirty="0">
                   <a:solidFill>
                     <a:srgbClr val="000000"/>
                   </a:solidFill>
@@ -3514,7 +3470,7 @@
                 <a:t>    </a:t>
               </a:r>
               <a:r>
-                <a:rPr lang="en-US" sz="1400" dirty="0" smtClean="0">
+                <a:rPr lang="en-US" sz="1400" dirty="0">
                   <a:solidFill>
                     <a:srgbClr val="098658"/>
                   </a:solidFill>
@@ -3523,7 +3479,7 @@
                 <a:t>SUCCESS</a:t>
               </a:r>
               <a:r>
-                <a:rPr lang="en-US" sz="1400" dirty="0" smtClean="0">
+                <a:rPr lang="en-US" sz="1400" dirty="0">
                   <a:solidFill>
                     <a:srgbClr val="000000"/>
                   </a:solidFill>
@@ -3534,7 +3490,7 @@
             </a:p>
             <a:p>
               <a:r>
-                <a:rPr lang="en-US" sz="1400" dirty="0" smtClean="0">
+                <a:rPr lang="en-US" sz="1400" dirty="0">
                   <a:solidFill>
                     <a:srgbClr val="000000"/>
                   </a:solidFill>
@@ -3543,7 +3499,7 @@
                 <a:t>    </a:t>
               </a:r>
               <a:r>
-                <a:rPr lang="en-US" sz="1400" dirty="0" smtClean="0">
+                <a:rPr lang="en-US" sz="1400" dirty="0">
                   <a:solidFill>
                     <a:srgbClr val="098658"/>
                   </a:solidFill>
@@ -3552,7 +3508,7 @@
                 <a:t>FAIL</a:t>
               </a:r>
               <a:r>
-                <a:rPr lang="en-US" sz="1400" dirty="0" smtClean="0">
+                <a:rPr lang="en-US" sz="1400" dirty="0">
                   <a:solidFill>
                     <a:srgbClr val="000000"/>
                   </a:solidFill>
@@ -3563,7 +3519,7 @@
             </a:p>
             <a:p>
               <a:r>
-                <a:rPr lang="en-US" sz="1400" dirty="0" smtClean="0">
+                <a:rPr lang="en-US" sz="1400" dirty="0">
                   <a:solidFill>
                     <a:srgbClr val="000000"/>
                   </a:solidFill>
@@ -3572,7 +3528,7 @@
                 <a:t>    </a:t>
               </a:r>
               <a:r>
-                <a:rPr lang="en-US" sz="1400" dirty="0" smtClean="0">
+                <a:rPr lang="en-US" sz="1400" dirty="0">
                   <a:solidFill>
                     <a:srgbClr val="098658"/>
                   </a:solidFill>
@@ -3581,7 +3537,7 @@
                 <a:t>WARNING</a:t>
               </a:r>
               <a:r>
-                <a:rPr lang="en-US" sz="1400" dirty="0" smtClean="0">
+                <a:rPr lang="en-US" sz="1400" dirty="0">
                   <a:solidFill>
                     <a:srgbClr val="000000"/>
                   </a:solidFill>
@@ -3592,7 +3548,7 @@
             </a:p>
             <a:p>
               <a:r>
-                <a:rPr lang="en-US" sz="1400" dirty="0" smtClean="0">
+                <a:rPr lang="en-US" sz="1400" dirty="0">
                   <a:solidFill>
                     <a:srgbClr val="000000"/>
                   </a:solidFill>
@@ -3601,7 +3557,7 @@
                 <a:t>    </a:t>
               </a:r>
               <a:r>
-                <a:rPr lang="en-US" sz="1400" dirty="0" smtClean="0">
+                <a:rPr lang="en-US" sz="1400" dirty="0">
                   <a:solidFill>
                     <a:srgbClr val="098658"/>
                   </a:solidFill>
@@ -3610,7 +3566,7 @@
                 <a:t>ERROR</a:t>
               </a:r>
               <a:r>
-                <a:rPr lang="en-US" sz="1400" dirty="0" smtClean="0">
+                <a:rPr lang="en-US" sz="1400" dirty="0">
                   <a:solidFill>
                     <a:srgbClr val="000000"/>
                   </a:solidFill>
@@ -3621,7 +3577,7 @@
             </a:p>
             <a:p>
               <a:r>
-                <a:rPr lang="en-US" sz="1400" dirty="0" smtClean="0">
+                <a:rPr lang="en-US" sz="1400" dirty="0">
                   <a:solidFill>
                     <a:srgbClr val="000000"/>
                   </a:solidFill>
@@ -3630,7 +3586,7 @@
                 <a:t>    </a:t>
               </a:r>
               <a:r>
-                <a:rPr lang="en-US" sz="1400" dirty="0" smtClean="0">
+                <a:rPr lang="en-US" sz="1400" dirty="0">
                   <a:solidFill>
                     <a:srgbClr val="098658"/>
                   </a:solidFill>
@@ -3639,7 +3595,7 @@
                 <a:t>INFO</a:t>
               </a:r>
               <a:r>
-                <a:rPr lang="en-US" sz="1400" dirty="0" smtClean="0">
+                <a:rPr lang="en-US" sz="1400" dirty="0">
                   <a:solidFill>
                     <a:srgbClr val="000000"/>
                   </a:solidFill>
@@ -3650,7 +3606,7 @@
             </a:p>
             <a:p>
               <a:r>
-                <a:rPr lang="en-US" sz="1400" dirty="0" smtClean="0">
+                <a:rPr lang="en-US" sz="1400" dirty="0">
                   <a:solidFill>
                     <a:srgbClr val="000000"/>
                   </a:solidFill>
@@ -4517,31 +4473,27 @@
           <a:lstStyle/>
           <a:p>
             <a:r>
-              <a:rPr lang="ru-RU" dirty="0" smtClean="0"/>
+              <a:rPr lang="ru-RU" dirty="0"/>
               <a:t>Перечисление, это специальная структура языка которая позволяет хранить только заранее предустановленный набор значений.</a:t>
             </a:r>
-            <a:endParaRPr lang="en-US" dirty="0" smtClean="0"/>
-          </a:p>
-          <a:p>
             <a:endParaRPr lang="en-US" dirty="0"/>
           </a:p>
           <a:p>
-            <a:endParaRPr lang="en-US" dirty="0" smtClean="0"/>
-          </a:p>
-          <a:p>
-            <a:endParaRPr lang="en-US" dirty="0" smtClean="0"/>
-          </a:p>
-          <a:p>
-            <a:endParaRPr lang="ru-RU" dirty="0" smtClean="0"/>
-          </a:p>
-          <a:p>
-            <a:r>
-              <a:rPr lang="ru-RU" dirty="0" smtClean="0"/>
-              <a:t>Перечисление </a:t>
-            </a:r>
+            <a:endParaRPr lang="en-US" dirty="0"/>
+          </a:p>
+          <a:p>
+            <a:endParaRPr lang="en-US" dirty="0"/>
+          </a:p>
+          <a:p>
+            <a:endParaRPr lang="en-US" dirty="0"/>
+          </a:p>
+          <a:p>
+            <a:endParaRPr lang="ru-RU" dirty="0"/>
+          </a:p>
+          <a:p>
             <a:r>
               <a:rPr lang="ru-RU" dirty="0"/>
-              <a:t>самостоятельно присвоит значения каждому названию, однако вы можете сделать это самостоятельно используя строчку вида</a:t>
+              <a:t>Перечисление самостоятельно присвоит значения каждому названию, однако вы можете сделать это самостоятельно используя строчку вида</a:t>
             </a:r>
             <a:r>
               <a:rPr lang="en-US" dirty="0"/>
@@ -4578,7 +4530,7 @@
               <a:t>Значением в данном случае может являться только число типа </a:t>
             </a:r>
             <a:r>
-              <a:rPr lang="en-US" dirty="0" err="1" smtClean="0"/>
+              <a:rPr lang="en-US" dirty="0" err="1"/>
               <a:t>int</a:t>
             </a:r>
             <a:endParaRPr lang="ru-RU" dirty="0"/>
@@ -4717,13 +4669,6 @@
   <p:clrMapOvr>
     <a:masterClrMapping/>
   </p:clrMapOvr>
-  <p:timing>
-    <p:tnLst>
-      <p:par>
-        <p:cTn id="1" dur="indefinite" restart="never" nodeType="tmRoot"/>
-      </p:par>
-    </p:tnLst>
-  </p:timing>
 </p:sld>
 </file>
 
@@ -4993,10 +4938,9 @@
             <a:lstStyle/>
             <a:p>
               <a:r>
-                <a:rPr lang="ru-RU" dirty="0" smtClean="0"/>
+                <a:rPr lang="ru-RU" dirty="0"/>
                 <a:t>Структура располагается в памяти как один единый блок, переменные располагаются в этом блоке строго друг за другом в порядке объявления структуре, а общий занимаемый структурой объем памяти равен сумме объемов памяти требуемых на хранения каждого из полей структуры по отдельности.</a:t>
               </a:r>
-              <a:endParaRPr lang="ru-RU" dirty="0"/>
             </a:p>
           </p:txBody>
         </p:sp>
@@ -5065,7 +5009,7 @@
                 <a:p>
                   <a:pPr algn="ctr"/>
                   <a:r>
-                    <a:rPr lang="en-US" dirty="0" smtClean="0"/>
+                    <a:rPr lang="en-US" dirty="0"/>
                     <a:t>0</a:t>
                   </a:r>
                   <a:endParaRPr lang="ru-RU" dirty="0"/>
@@ -5109,7 +5053,7 @@
                 <a:p>
                   <a:pPr algn="ctr"/>
                   <a:r>
-                    <a:rPr lang="en-US" dirty="0" smtClean="0"/>
+                    <a:rPr lang="en-US" dirty="0"/>
                     <a:t>1</a:t>
                   </a:r>
                   <a:endParaRPr lang="ru-RU" dirty="0"/>
@@ -5153,7 +5097,7 @@
                 <a:p>
                   <a:pPr algn="ctr"/>
                   <a:r>
-                    <a:rPr lang="en-US" dirty="0" smtClean="0"/>
+                    <a:rPr lang="en-US" dirty="0"/>
                     <a:t>2</a:t>
                   </a:r>
                   <a:endParaRPr lang="ru-RU" dirty="0"/>
@@ -5197,7 +5141,7 @@
                 <a:p>
                   <a:pPr algn="ctr"/>
                   <a:r>
-                    <a:rPr lang="en-US" dirty="0" smtClean="0"/>
+                    <a:rPr lang="en-US" dirty="0"/>
                     <a:t>3</a:t>
                   </a:r>
                   <a:endParaRPr lang="ru-RU" dirty="0"/>
@@ -5255,7 +5199,7 @@
                   <a:p>
                     <a:pPr algn="ctr"/>
                     <a:r>
-                      <a:rPr lang="ru-RU" sz="1000" spc="-150" dirty="0" smtClean="0">
+                      <a:rPr lang="ru-RU" sz="1000" spc="-150" dirty="0">
                         <a:solidFill>
                           <a:schemeClr val="tx1"/>
                         </a:solidFill>
@@ -5263,12 +5207,6 @@
                       </a:rPr>
                       <a:t>1</a:t>
                     </a:r>
-                    <a:endParaRPr lang="ru-RU" sz="1000" spc="-150" dirty="0">
-                      <a:solidFill>
-                        <a:schemeClr val="tx1"/>
-                      </a:solidFill>
-                      <a:cs typeface="Times New Roman" panose="02020603050405020304" pitchFamily="18" charset="0"/>
-                    </a:endParaRPr>
                   </a:p>
                 </p:txBody>
               </p:sp>
@@ -5357,7 +5295,7 @@
                   <a:p>
                     <a:pPr algn="ctr"/>
                     <a:r>
-                      <a:rPr lang="ru-RU" sz="1000" spc="-150" dirty="0" smtClean="0">
+                      <a:rPr lang="ru-RU" sz="1000" spc="-150" dirty="0">
                         <a:solidFill>
                           <a:schemeClr val="tx1"/>
                         </a:solidFill>
@@ -5365,12 +5303,6 @@
                       </a:rPr>
                       <a:t>3</a:t>
                     </a:r>
-                    <a:endParaRPr lang="ru-RU" sz="1000" spc="-150" dirty="0">
-                      <a:solidFill>
-                        <a:schemeClr val="tx1"/>
-                      </a:solidFill>
-                      <a:cs typeface="Times New Roman" panose="02020603050405020304" pitchFamily="18" charset="0"/>
-                    </a:endParaRPr>
                   </a:p>
                 </p:txBody>
               </p:sp>
@@ -5411,7 +5343,7 @@
                   <a:p>
                     <a:pPr algn="ctr"/>
                     <a:r>
-                      <a:rPr lang="ru-RU" sz="1000" spc="-150" dirty="0" smtClean="0">
+                      <a:rPr lang="ru-RU" sz="1000" spc="-150" dirty="0">
                         <a:solidFill>
                           <a:schemeClr val="tx1"/>
                         </a:solidFill>
@@ -5419,12 +5351,6 @@
                       </a:rPr>
                       <a:t>4</a:t>
                     </a:r>
-                    <a:endParaRPr lang="ru-RU" sz="1000" spc="-150" dirty="0">
-                      <a:solidFill>
-                        <a:schemeClr val="tx1"/>
-                      </a:solidFill>
-                      <a:cs typeface="Times New Roman" panose="02020603050405020304" pitchFamily="18" charset="0"/>
-                    </a:endParaRPr>
                   </a:p>
                 </p:txBody>
               </p:sp>
@@ -5465,7 +5391,7 @@
                   <a:p>
                     <a:pPr algn="ctr"/>
                     <a:r>
-                      <a:rPr lang="ru-RU" sz="1000" spc="-150" dirty="0" smtClean="0">
+                      <a:rPr lang="ru-RU" sz="1000" spc="-150" dirty="0">
                         <a:solidFill>
                           <a:schemeClr val="tx1"/>
                         </a:solidFill>
@@ -5473,12 +5399,6 @@
                       </a:rPr>
                       <a:t>5</a:t>
                     </a:r>
-                    <a:endParaRPr lang="ru-RU" sz="1000" spc="-150" dirty="0">
-                      <a:solidFill>
-                        <a:schemeClr val="tx1"/>
-                      </a:solidFill>
-                      <a:cs typeface="Times New Roman" panose="02020603050405020304" pitchFamily="18" charset="0"/>
-                    </a:endParaRPr>
                   </a:p>
                 </p:txBody>
               </p:sp>
@@ -5519,7 +5439,7 @@
                   <a:p>
                     <a:pPr algn="ctr"/>
                     <a:r>
-                      <a:rPr lang="ru-RU" sz="1000" spc="-150" dirty="0" smtClean="0">
+                      <a:rPr lang="ru-RU" sz="1000" spc="-150" dirty="0">
                         <a:solidFill>
                           <a:schemeClr val="tx1"/>
                         </a:solidFill>
@@ -5527,12 +5447,6 @@
                       </a:rPr>
                       <a:t>6</a:t>
                     </a:r>
-                    <a:endParaRPr lang="ru-RU" sz="1000" spc="-150" dirty="0">
-                      <a:solidFill>
-                        <a:schemeClr val="tx1"/>
-                      </a:solidFill>
-                      <a:cs typeface="Times New Roman" panose="02020603050405020304" pitchFamily="18" charset="0"/>
-                    </a:endParaRPr>
                   </a:p>
                 </p:txBody>
               </p:sp>
@@ -5573,7 +5487,7 @@
                   <a:p>
                     <a:pPr algn="ctr"/>
                     <a:r>
-                      <a:rPr lang="ru-RU" sz="1000" spc="-150" dirty="0" smtClean="0">
+                      <a:rPr lang="ru-RU" sz="1000" spc="-150" dirty="0">
                         <a:solidFill>
                           <a:schemeClr val="tx1"/>
                         </a:solidFill>
@@ -5581,12 +5495,6 @@
                       </a:rPr>
                       <a:t>7</a:t>
                     </a:r>
-                    <a:endParaRPr lang="ru-RU" sz="1000" spc="-150" dirty="0">
-                      <a:solidFill>
-                        <a:schemeClr val="tx1"/>
-                      </a:solidFill>
-                      <a:cs typeface="Times New Roman" panose="02020603050405020304" pitchFamily="18" charset="0"/>
-                    </a:endParaRPr>
                   </a:p>
                 </p:txBody>
               </p:sp>
@@ -5627,7 +5535,7 @@
                   <a:p>
                     <a:pPr algn="ctr"/>
                     <a:r>
-                      <a:rPr lang="ru-RU" sz="1000" spc="-150" dirty="0" smtClean="0">
+                      <a:rPr lang="ru-RU" sz="1000" spc="-150" dirty="0">
                         <a:solidFill>
                           <a:schemeClr val="tx1"/>
                         </a:solidFill>
@@ -5635,12 +5543,6 @@
                       </a:rPr>
                       <a:t>8</a:t>
                     </a:r>
-                    <a:endParaRPr lang="ru-RU" sz="1000" spc="-150" dirty="0">
-                      <a:solidFill>
-                        <a:schemeClr val="tx1"/>
-                      </a:solidFill>
-                      <a:cs typeface="Times New Roman" panose="02020603050405020304" pitchFamily="18" charset="0"/>
-                    </a:endParaRPr>
                   </a:p>
                 </p:txBody>
               </p:sp>
@@ -5681,7 +5583,7 @@
                   <a:p>
                     <a:pPr algn="ctr"/>
                     <a:r>
-                      <a:rPr lang="ru-RU" sz="1000" spc="-150" dirty="0" smtClean="0">
+                      <a:rPr lang="ru-RU" sz="1000" spc="-150" dirty="0">
                         <a:solidFill>
                           <a:schemeClr val="tx1"/>
                         </a:solidFill>
@@ -5689,12 +5591,6 @@
                       </a:rPr>
                       <a:t>9</a:t>
                     </a:r>
-                    <a:endParaRPr lang="ru-RU" sz="1000" spc="-150" dirty="0">
-                      <a:solidFill>
-                        <a:schemeClr val="tx1"/>
-                      </a:solidFill>
-                      <a:cs typeface="Times New Roman" panose="02020603050405020304" pitchFamily="18" charset="0"/>
-                    </a:endParaRPr>
                   </a:p>
                 </p:txBody>
               </p:sp>
@@ -5735,7 +5631,7 @@
                   <a:p>
                     <a:pPr algn="ctr"/>
                     <a:r>
-                      <a:rPr lang="ru-RU" sz="1000" spc="-150" dirty="0" smtClean="0">
+                      <a:rPr lang="ru-RU" sz="1000" spc="-150" dirty="0">
                         <a:solidFill>
                           <a:schemeClr val="tx1"/>
                         </a:solidFill>
@@ -5743,12 +5639,6 @@
                       </a:rPr>
                       <a:t>10</a:t>
                     </a:r>
-                    <a:endParaRPr lang="ru-RU" sz="1000" spc="-150" dirty="0">
-                      <a:solidFill>
-                        <a:schemeClr val="tx1"/>
-                      </a:solidFill>
-                      <a:cs typeface="Times New Roman" panose="02020603050405020304" pitchFamily="18" charset="0"/>
-                    </a:endParaRPr>
                   </a:p>
                 </p:txBody>
               </p:sp>
@@ -5789,7 +5679,7 @@
                   <a:p>
                     <a:pPr algn="ctr"/>
                     <a:r>
-                      <a:rPr lang="ru-RU" sz="1000" spc="-150" dirty="0" smtClean="0">
+                      <a:rPr lang="ru-RU" sz="1000" spc="-150" dirty="0">
                         <a:solidFill>
                           <a:schemeClr val="tx1"/>
                         </a:solidFill>
@@ -5797,12 +5687,6 @@
                       </a:rPr>
                       <a:t>11</a:t>
                     </a:r>
-                    <a:endParaRPr lang="ru-RU" sz="1000" spc="-150" dirty="0">
-                      <a:solidFill>
-                        <a:schemeClr val="tx1"/>
-                      </a:solidFill>
-                      <a:cs typeface="Times New Roman" panose="02020603050405020304" pitchFamily="18" charset="0"/>
-                    </a:endParaRPr>
                   </a:p>
                 </p:txBody>
               </p:sp>
@@ -5843,7 +5727,7 @@
                   <a:p>
                     <a:pPr algn="ctr"/>
                     <a:r>
-                      <a:rPr lang="ru-RU" sz="1000" spc="-150" dirty="0" smtClean="0">
+                      <a:rPr lang="ru-RU" sz="1000" spc="-150" dirty="0">
                         <a:solidFill>
                           <a:schemeClr val="tx1"/>
                         </a:solidFill>
@@ -5851,12 +5735,6 @@
                       </a:rPr>
                       <a:t>12</a:t>
                     </a:r>
-                    <a:endParaRPr lang="ru-RU" sz="1000" spc="-150" dirty="0">
-                      <a:solidFill>
-                        <a:schemeClr val="tx1"/>
-                      </a:solidFill>
-                      <a:cs typeface="Times New Roman" panose="02020603050405020304" pitchFamily="18" charset="0"/>
-                    </a:endParaRPr>
                   </a:p>
                 </p:txBody>
               </p:sp>
@@ -5897,7 +5775,7 @@
                   <a:p>
                     <a:pPr algn="ctr"/>
                     <a:r>
-                      <a:rPr lang="ru-RU" sz="1000" spc="-150" dirty="0" smtClean="0">
+                      <a:rPr lang="ru-RU" sz="1000" spc="-150" dirty="0">
                         <a:solidFill>
                           <a:schemeClr val="tx1"/>
                         </a:solidFill>
@@ -5906,7 +5784,7 @@
                       <a:t>1</a:t>
                     </a:r>
                     <a:r>
-                      <a:rPr lang="en-US" sz="1000" spc="-150" dirty="0" smtClean="0">
+                      <a:rPr lang="en-US" sz="1000" spc="-150" dirty="0">
                         <a:solidFill>
                           <a:schemeClr val="tx1"/>
                         </a:solidFill>
@@ -5960,7 +5838,7 @@
                   <a:p>
                     <a:pPr algn="ctr"/>
                     <a:r>
-                      <a:rPr lang="ru-RU" sz="1000" spc="-150" dirty="0" smtClean="0">
+                      <a:rPr lang="ru-RU" sz="1000" spc="-150" dirty="0">
                         <a:solidFill>
                           <a:schemeClr val="tx1"/>
                         </a:solidFill>
@@ -5968,12 +5846,6 @@
                       </a:rPr>
                       <a:t>14</a:t>
                     </a:r>
-                    <a:endParaRPr lang="ru-RU" sz="1000" spc="-150" dirty="0">
-                      <a:solidFill>
-                        <a:schemeClr val="tx1"/>
-                      </a:solidFill>
-                      <a:cs typeface="Times New Roman" panose="02020603050405020304" pitchFamily="18" charset="0"/>
-                    </a:endParaRPr>
                   </a:p>
                 </p:txBody>
               </p:sp>
@@ -6014,7 +5886,7 @@
                   <a:p>
                     <a:pPr algn="ctr"/>
                     <a:r>
-                      <a:rPr lang="ru-RU" sz="1000" spc="-150" dirty="0" smtClean="0">
+                      <a:rPr lang="ru-RU" sz="1000" spc="-150" dirty="0">
                         <a:solidFill>
                           <a:schemeClr val="tx1"/>
                         </a:solidFill>
@@ -6022,12 +5894,6 @@
                       </a:rPr>
                       <a:t>15</a:t>
                     </a:r>
-                    <a:endParaRPr lang="ru-RU" sz="1000" spc="-150" dirty="0">
-                      <a:solidFill>
-                        <a:schemeClr val="tx1"/>
-                      </a:solidFill>
-                      <a:cs typeface="Times New Roman" panose="02020603050405020304" pitchFamily="18" charset="0"/>
-                    </a:endParaRPr>
                   </a:p>
                 </p:txBody>
               </p:sp>
@@ -6068,7 +5934,7 @@
                   <a:p>
                     <a:pPr algn="ctr"/>
                     <a:r>
-                      <a:rPr lang="ru-RU" sz="1000" spc="-150" dirty="0" smtClean="0">
+                      <a:rPr lang="ru-RU" sz="1000" spc="-150" dirty="0">
                         <a:solidFill>
                           <a:schemeClr val="tx1"/>
                         </a:solidFill>
@@ -6076,12 +5942,6 @@
                       </a:rPr>
                       <a:t>16</a:t>
                     </a:r>
-                    <a:endParaRPr lang="ru-RU" sz="1000" spc="-150" dirty="0">
-                      <a:solidFill>
-                        <a:schemeClr val="tx1"/>
-                      </a:solidFill>
-                      <a:cs typeface="Times New Roman" panose="02020603050405020304" pitchFamily="18" charset="0"/>
-                    </a:endParaRPr>
                   </a:p>
                 </p:txBody>
               </p:sp>
@@ -6122,7 +5982,7 @@
                   <a:p>
                     <a:pPr algn="ctr"/>
                     <a:r>
-                      <a:rPr lang="ru-RU" sz="1000" spc="-150" dirty="0" smtClean="0">
+                      <a:rPr lang="ru-RU" sz="1000" spc="-150" dirty="0">
                         <a:solidFill>
                           <a:schemeClr val="tx1"/>
                         </a:solidFill>
@@ -6130,12 +5990,6 @@
                       </a:rPr>
                       <a:t>17</a:t>
                     </a:r>
-                    <a:endParaRPr lang="ru-RU" sz="1000" spc="-150" dirty="0">
-                      <a:solidFill>
-                        <a:schemeClr val="tx1"/>
-                      </a:solidFill>
-                      <a:cs typeface="Times New Roman" panose="02020603050405020304" pitchFamily="18" charset="0"/>
-                    </a:endParaRPr>
                   </a:p>
                 </p:txBody>
               </p:sp>
@@ -6176,7 +6030,7 @@
                   <a:p>
                     <a:pPr algn="ctr"/>
                     <a:r>
-                      <a:rPr lang="ru-RU" sz="1000" spc="-150" dirty="0" smtClean="0">
+                      <a:rPr lang="ru-RU" sz="1000" spc="-150" dirty="0">
                         <a:solidFill>
                           <a:schemeClr val="tx1"/>
                         </a:solidFill>
@@ -6184,12 +6038,6 @@
                       </a:rPr>
                       <a:t>18</a:t>
                     </a:r>
-                    <a:endParaRPr lang="ru-RU" sz="1000" spc="-150" dirty="0">
-                      <a:solidFill>
-                        <a:schemeClr val="tx1"/>
-                      </a:solidFill>
-                      <a:cs typeface="Times New Roman" panose="02020603050405020304" pitchFamily="18" charset="0"/>
-                    </a:endParaRPr>
                   </a:p>
                 </p:txBody>
               </p:sp>
@@ -6230,7 +6078,7 @@
                   <a:p>
                     <a:pPr algn="ctr"/>
                     <a:r>
-                      <a:rPr lang="ru-RU" sz="1000" spc="-150" dirty="0" smtClean="0">
+                      <a:rPr lang="ru-RU" sz="1000" spc="-150" dirty="0">
                         <a:solidFill>
                           <a:schemeClr val="tx1"/>
                         </a:solidFill>
@@ -6238,12 +6086,6 @@
                       </a:rPr>
                       <a:t>19</a:t>
                     </a:r>
-                    <a:endParaRPr lang="ru-RU" sz="1000" spc="-150" dirty="0">
-                      <a:solidFill>
-                        <a:schemeClr val="tx1"/>
-                      </a:solidFill>
-                      <a:cs typeface="Times New Roman" panose="02020603050405020304" pitchFamily="18" charset="0"/>
-                    </a:endParaRPr>
                   </a:p>
                 </p:txBody>
               </p:sp>
@@ -6284,7 +6126,7 @@
                   <a:p>
                     <a:pPr algn="ctr"/>
                     <a:r>
-                      <a:rPr lang="ru-RU" sz="1000" spc="-150" dirty="0" smtClean="0">
+                      <a:rPr lang="ru-RU" sz="1000" spc="-150" dirty="0">
                         <a:solidFill>
                           <a:schemeClr val="tx1"/>
                         </a:solidFill>
@@ -6292,12 +6134,6 @@
                       </a:rPr>
                       <a:t>20</a:t>
                     </a:r>
-                    <a:endParaRPr lang="ru-RU" sz="1000" spc="-150" dirty="0">
-                      <a:solidFill>
-                        <a:schemeClr val="tx1"/>
-                      </a:solidFill>
-                      <a:cs typeface="Times New Roman" panose="02020603050405020304" pitchFamily="18" charset="0"/>
-                    </a:endParaRPr>
                   </a:p>
                 </p:txBody>
               </p:sp>
@@ -6338,7 +6174,7 @@
                   <a:p>
                     <a:pPr algn="ctr"/>
                     <a:r>
-                      <a:rPr lang="ru-RU" sz="1000" spc="-150" dirty="0" smtClean="0">
+                      <a:rPr lang="ru-RU" sz="1000" spc="-150" dirty="0">
                         <a:solidFill>
                           <a:schemeClr val="tx1"/>
                         </a:solidFill>
@@ -6346,12 +6182,6 @@
                       </a:rPr>
                       <a:t>0</a:t>
                     </a:r>
-                    <a:endParaRPr lang="ru-RU" sz="1000" spc="-150" dirty="0">
-                      <a:solidFill>
-                        <a:schemeClr val="tx1"/>
-                      </a:solidFill>
-                      <a:cs typeface="Times New Roman" panose="02020603050405020304" pitchFamily="18" charset="0"/>
-                    </a:endParaRPr>
                   </a:p>
                 </p:txBody>
               </p:sp>
@@ -6393,7 +6223,7 @@
                 <a:p>
                   <a:pPr algn="ctr"/>
                   <a:r>
-                    <a:rPr lang="en-US" dirty="0" smtClean="0"/>
+                    <a:rPr lang="en-US" dirty="0"/>
                     <a:t>Array[4]</a:t>
                   </a:r>
                   <a:endParaRPr lang="ru-RU" dirty="0"/>
@@ -6466,7 +6296,7 @@
                   <a:p>
                     <a:pPr algn="ctr"/>
                     <a:r>
-                      <a:rPr lang="en-US" dirty="0" smtClean="0"/>
+                      <a:rPr lang="en-US" dirty="0"/>
                       <a:t>0</a:t>
                     </a:r>
                     <a:endParaRPr lang="ru-RU" dirty="0"/>
@@ -6510,7 +6340,7 @@
                   <a:p>
                     <a:pPr algn="ctr"/>
                     <a:r>
-                      <a:rPr lang="en-US" dirty="0" smtClean="0"/>
+                      <a:rPr lang="en-US" dirty="0"/>
                       <a:t>1</a:t>
                     </a:r>
                     <a:endParaRPr lang="ru-RU" dirty="0"/>
@@ -6554,7 +6384,7 @@
                   <a:p>
                     <a:pPr algn="ctr"/>
                     <a:r>
-                      <a:rPr lang="en-US" dirty="0" smtClean="0"/>
+                      <a:rPr lang="en-US" dirty="0"/>
                       <a:t>2</a:t>
                     </a:r>
                     <a:endParaRPr lang="ru-RU" dirty="0"/>
@@ -6598,7 +6428,7 @@
                   <a:p>
                     <a:pPr algn="ctr"/>
                     <a:r>
-                      <a:rPr lang="en-US" dirty="0" smtClean="0"/>
+                      <a:rPr lang="en-US" dirty="0"/>
                       <a:t>3</a:t>
                     </a:r>
                     <a:endParaRPr lang="ru-RU" dirty="0"/>
@@ -6656,7 +6486,7 @@
                     <a:p>
                       <a:pPr algn="ctr"/>
                       <a:r>
-                        <a:rPr lang="ru-RU" sz="1000" spc="-150" dirty="0" smtClean="0">
+                        <a:rPr lang="ru-RU" sz="1000" spc="-150" dirty="0">
                           <a:solidFill>
                             <a:schemeClr val="tx1"/>
                           </a:solidFill>
@@ -6664,12 +6494,6 @@
                         </a:rPr>
                         <a:t>1</a:t>
                       </a:r>
-                      <a:endParaRPr lang="ru-RU" sz="1000" spc="-150" dirty="0">
-                        <a:solidFill>
-                          <a:schemeClr val="tx1"/>
-                        </a:solidFill>
-                        <a:cs typeface="Times New Roman" panose="02020603050405020304" pitchFamily="18" charset="0"/>
-                      </a:endParaRPr>
                     </a:p>
                   </p:txBody>
                 </p:sp>
@@ -6758,7 +6582,7 @@
                     <a:p>
                       <a:pPr algn="ctr"/>
                       <a:r>
-                        <a:rPr lang="ru-RU" sz="1000" spc="-150" dirty="0" smtClean="0">
+                        <a:rPr lang="ru-RU" sz="1000" spc="-150" dirty="0">
                           <a:solidFill>
                             <a:schemeClr val="tx1"/>
                           </a:solidFill>
@@ -6766,12 +6590,6 @@
                         </a:rPr>
                         <a:t>3</a:t>
                       </a:r>
-                      <a:endParaRPr lang="ru-RU" sz="1000" spc="-150" dirty="0">
-                        <a:solidFill>
-                          <a:schemeClr val="tx1"/>
-                        </a:solidFill>
-                        <a:cs typeface="Times New Roman" panose="02020603050405020304" pitchFamily="18" charset="0"/>
-                      </a:endParaRPr>
                     </a:p>
                   </p:txBody>
                 </p:sp>
@@ -6812,7 +6630,7 @@
                     <a:p>
                       <a:pPr algn="ctr"/>
                       <a:r>
-                        <a:rPr lang="ru-RU" sz="1000" spc="-150" dirty="0" smtClean="0">
+                        <a:rPr lang="ru-RU" sz="1000" spc="-150" dirty="0">
                           <a:solidFill>
                             <a:schemeClr val="tx1"/>
                           </a:solidFill>
@@ -6820,12 +6638,6 @@
                         </a:rPr>
                         <a:t>4</a:t>
                       </a:r>
-                      <a:endParaRPr lang="ru-RU" sz="1000" spc="-150" dirty="0">
-                        <a:solidFill>
-                          <a:schemeClr val="tx1"/>
-                        </a:solidFill>
-                        <a:cs typeface="Times New Roman" panose="02020603050405020304" pitchFamily="18" charset="0"/>
-                      </a:endParaRPr>
                     </a:p>
                   </p:txBody>
                 </p:sp>
@@ -6866,7 +6678,7 @@
                     <a:p>
                       <a:pPr algn="ctr"/>
                       <a:r>
-                        <a:rPr lang="ru-RU" sz="1000" spc="-150" dirty="0" smtClean="0">
+                        <a:rPr lang="ru-RU" sz="1000" spc="-150" dirty="0">
                           <a:solidFill>
                             <a:schemeClr val="tx1"/>
                           </a:solidFill>
@@ -6874,12 +6686,6 @@
                         </a:rPr>
                         <a:t>5</a:t>
                       </a:r>
-                      <a:endParaRPr lang="ru-RU" sz="1000" spc="-150" dirty="0">
-                        <a:solidFill>
-                          <a:schemeClr val="tx1"/>
-                        </a:solidFill>
-                        <a:cs typeface="Times New Roman" panose="02020603050405020304" pitchFamily="18" charset="0"/>
-                      </a:endParaRPr>
                     </a:p>
                   </p:txBody>
                 </p:sp>
@@ -6920,7 +6726,7 @@
                     <a:p>
                       <a:pPr algn="ctr"/>
                       <a:r>
-                        <a:rPr lang="ru-RU" sz="1000" spc="-150" dirty="0" smtClean="0">
+                        <a:rPr lang="ru-RU" sz="1000" spc="-150" dirty="0">
                           <a:solidFill>
                             <a:schemeClr val="tx1"/>
                           </a:solidFill>
@@ -6928,12 +6734,6 @@
                         </a:rPr>
                         <a:t>6</a:t>
                       </a:r>
-                      <a:endParaRPr lang="ru-RU" sz="1000" spc="-150" dirty="0">
-                        <a:solidFill>
-                          <a:schemeClr val="tx1"/>
-                        </a:solidFill>
-                        <a:cs typeface="Times New Roman" panose="02020603050405020304" pitchFamily="18" charset="0"/>
-                      </a:endParaRPr>
                     </a:p>
                   </p:txBody>
                 </p:sp>
@@ -6974,7 +6774,7 @@
                     <a:p>
                       <a:pPr algn="ctr"/>
                       <a:r>
-                        <a:rPr lang="ru-RU" sz="1000" spc="-150" dirty="0" smtClean="0">
+                        <a:rPr lang="ru-RU" sz="1000" spc="-150" dirty="0">
                           <a:solidFill>
                             <a:schemeClr val="tx1"/>
                           </a:solidFill>
@@ -6982,12 +6782,6 @@
                         </a:rPr>
                         <a:t>7</a:t>
                       </a:r>
-                      <a:endParaRPr lang="ru-RU" sz="1000" spc="-150" dirty="0">
-                        <a:solidFill>
-                          <a:schemeClr val="tx1"/>
-                        </a:solidFill>
-                        <a:cs typeface="Times New Roman" panose="02020603050405020304" pitchFamily="18" charset="0"/>
-                      </a:endParaRPr>
                     </a:p>
                   </p:txBody>
                 </p:sp>
@@ -7028,7 +6822,7 @@
                     <a:p>
                       <a:pPr algn="ctr"/>
                       <a:r>
-                        <a:rPr lang="ru-RU" sz="1000" spc="-150" dirty="0" smtClean="0">
+                        <a:rPr lang="ru-RU" sz="1000" spc="-150" dirty="0">
                           <a:solidFill>
                             <a:schemeClr val="tx1"/>
                           </a:solidFill>
@@ -7036,12 +6830,6 @@
                         </a:rPr>
                         <a:t>8</a:t>
                       </a:r>
-                      <a:endParaRPr lang="ru-RU" sz="1000" spc="-150" dirty="0">
-                        <a:solidFill>
-                          <a:schemeClr val="tx1"/>
-                        </a:solidFill>
-                        <a:cs typeface="Times New Roman" panose="02020603050405020304" pitchFamily="18" charset="0"/>
-                      </a:endParaRPr>
                     </a:p>
                   </p:txBody>
                 </p:sp>
@@ -7082,7 +6870,7 @@
                     <a:p>
                       <a:pPr algn="ctr"/>
                       <a:r>
-                        <a:rPr lang="ru-RU" sz="1000" spc="-150" dirty="0" smtClean="0">
+                        <a:rPr lang="ru-RU" sz="1000" spc="-150" dirty="0">
                           <a:solidFill>
                             <a:schemeClr val="tx1"/>
                           </a:solidFill>
@@ -7090,12 +6878,6 @@
                         </a:rPr>
                         <a:t>9</a:t>
                       </a:r>
-                      <a:endParaRPr lang="ru-RU" sz="1000" spc="-150" dirty="0">
-                        <a:solidFill>
-                          <a:schemeClr val="tx1"/>
-                        </a:solidFill>
-                        <a:cs typeface="Times New Roman" panose="02020603050405020304" pitchFamily="18" charset="0"/>
-                      </a:endParaRPr>
                     </a:p>
                   </p:txBody>
                 </p:sp>
@@ -7136,7 +6918,7 @@
                     <a:p>
                       <a:pPr algn="ctr"/>
                       <a:r>
-                        <a:rPr lang="ru-RU" sz="1000" spc="-150" dirty="0" smtClean="0">
+                        <a:rPr lang="ru-RU" sz="1000" spc="-150" dirty="0">
                           <a:solidFill>
                             <a:schemeClr val="tx1"/>
                           </a:solidFill>
@@ -7144,12 +6926,6 @@
                         </a:rPr>
                         <a:t>10</a:t>
                       </a:r>
-                      <a:endParaRPr lang="ru-RU" sz="1000" spc="-150" dirty="0">
-                        <a:solidFill>
-                          <a:schemeClr val="tx1"/>
-                        </a:solidFill>
-                        <a:cs typeface="Times New Roman" panose="02020603050405020304" pitchFamily="18" charset="0"/>
-                      </a:endParaRPr>
                     </a:p>
                   </p:txBody>
                 </p:sp>
@@ -7190,7 +6966,7 @@
                     <a:p>
                       <a:pPr algn="ctr"/>
                       <a:r>
-                        <a:rPr lang="ru-RU" sz="1000" spc="-150" dirty="0" smtClean="0">
+                        <a:rPr lang="ru-RU" sz="1000" spc="-150" dirty="0">
                           <a:solidFill>
                             <a:schemeClr val="tx1"/>
                           </a:solidFill>
@@ -7198,12 +6974,6 @@
                         </a:rPr>
                         <a:t>11</a:t>
                       </a:r>
-                      <a:endParaRPr lang="ru-RU" sz="1000" spc="-150" dirty="0">
-                        <a:solidFill>
-                          <a:schemeClr val="tx1"/>
-                        </a:solidFill>
-                        <a:cs typeface="Times New Roman" panose="02020603050405020304" pitchFamily="18" charset="0"/>
-                      </a:endParaRPr>
                     </a:p>
                   </p:txBody>
                 </p:sp>
@@ -7244,7 +7014,7 @@
                     <a:p>
                       <a:pPr algn="ctr"/>
                       <a:r>
-                        <a:rPr lang="ru-RU" sz="1000" spc="-150" dirty="0" smtClean="0">
+                        <a:rPr lang="ru-RU" sz="1000" spc="-150" dirty="0">
                           <a:solidFill>
                             <a:schemeClr val="tx1"/>
                           </a:solidFill>
@@ -7252,12 +7022,6 @@
                         </a:rPr>
                         <a:t>12</a:t>
                       </a:r>
-                      <a:endParaRPr lang="ru-RU" sz="1000" spc="-150" dirty="0">
-                        <a:solidFill>
-                          <a:schemeClr val="tx1"/>
-                        </a:solidFill>
-                        <a:cs typeface="Times New Roman" panose="02020603050405020304" pitchFamily="18" charset="0"/>
-                      </a:endParaRPr>
                     </a:p>
                   </p:txBody>
                 </p:sp>
@@ -7298,7 +7062,7 @@
                     <a:p>
                       <a:pPr algn="ctr"/>
                       <a:r>
-                        <a:rPr lang="ru-RU" sz="1000" spc="-150" dirty="0" smtClean="0">
+                        <a:rPr lang="ru-RU" sz="1000" spc="-150" dirty="0">
                           <a:solidFill>
                             <a:schemeClr val="tx1"/>
                           </a:solidFill>
@@ -7307,7 +7071,7 @@
                         <a:t>1</a:t>
                       </a:r>
                       <a:r>
-                        <a:rPr lang="en-US" sz="1000" spc="-150" dirty="0" smtClean="0">
+                        <a:rPr lang="en-US" sz="1000" spc="-150" dirty="0">
                           <a:solidFill>
                             <a:schemeClr val="tx1"/>
                           </a:solidFill>
@@ -7361,7 +7125,7 @@
                     <a:p>
                       <a:pPr algn="ctr"/>
                       <a:r>
-                        <a:rPr lang="ru-RU" sz="1000" spc="-150" dirty="0" smtClean="0">
+                        <a:rPr lang="ru-RU" sz="1000" spc="-150" dirty="0">
                           <a:solidFill>
                             <a:schemeClr val="tx1"/>
                           </a:solidFill>
@@ -7369,12 +7133,6 @@
                         </a:rPr>
                         <a:t>14</a:t>
                       </a:r>
-                      <a:endParaRPr lang="ru-RU" sz="1000" spc="-150" dirty="0">
-                        <a:solidFill>
-                          <a:schemeClr val="tx1"/>
-                        </a:solidFill>
-                        <a:cs typeface="Times New Roman" panose="02020603050405020304" pitchFamily="18" charset="0"/>
-                      </a:endParaRPr>
                     </a:p>
                   </p:txBody>
                 </p:sp>
@@ -7415,7 +7173,7 @@
                     <a:p>
                       <a:pPr algn="ctr"/>
                       <a:r>
-                        <a:rPr lang="ru-RU" sz="1000" spc="-150" dirty="0" smtClean="0">
+                        <a:rPr lang="ru-RU" sz="1000" spc="-150" dirty="0">
                           <a:solidFill>
                             <a:schemeClr val="tx1"/>
                           </a:solidFill>
@@ -7423,12 +7181,6 @@
                         </a:rPr>
                         <a:t>15</a:t>
                       </a:r>
-                      <a:endParaRPr lang="ru-RU" sz="1000" spc="-150" dirty="0">
-                        <a:solidFill>
-                          <a:schemeClr val="tx1"/>
-                        </a:solidFill>
-                        <a:cs typeface="Times New Roman" panose="02020603050405020304" pitchFamily="18" charset="0"/>
-                      </a:endParaRPr>
                     </a:p>
                   </p:txBody>
                 </p:sp>
@@ -7469,7 +7221,7 @@
                     <a:p>
                       <a:pPr algn="ctr"/>
                       <a:r>
-                        <a:rPr lang="ru-RU" sz="1000" spc="-150" dirty="0" smtClean="0">
+                        <a:rPr lang="ru-RU" sz="1000" spc="-150" dirty="0">
                           <a:solidFill>
                             <a:schemeClr val="tx1"/>
                           </a:solidFill>
@@ -7477,12 +7229,6 @@
                         </a:rPr>
                         <a:t>16</a:t>
                       </a:r>
-                      <a:endParaRPr lang="ru-RU" sz="1000" spc="-150" dirty="0">
-                        <a:solidFill>
-                          <a:schemeClr val="tx1"/>
-                        </a:solidFill>
-                        <a:cs typeface="Times New Roman" panose="02020603050405020304" pitchFamily="18" charset="0"/>
-                      </a:endParaRPr>
                     </a:p>
                   </p:txBody>
                 </p:sp>
@@ -7523,7 +7269,7 @@
                     <a:p>
                       <a:pPr algn="ctr"/>
                       <a:r>
-                        <a:rPr lang="ru-RU" sz="1000" spc="-150" dirty="0" smtClean="0">
+                        <a:rPr lang="ru-RU" sz="1000" spc="-150" dirty="0">
                           <a:solidFill>
                             <a:schemeClr val="tx1"/>
                           </a:solidFill>
@@ -7531,12 +7277,6 @@
                         </a:rPr>
                         <a:t>17</a:t>
                       </a:r>
-                      <a:endParaRPr lang="ru-RU" sz="1000" spc="-150" dirty="0">
-                        <a:solidFill>
-                          <a:schemeClr val="tx1"/>
-                        </a:solidFill>
-                        <a:cs typeface="Times New Roman" panose="02020603050405020304" pitchFamily="18" charset="0"/>
-                      </a:endParaRPr>
                     </a:p>
                   </p:txBody>
                 </p:sp>
@@ -7577,7 +7317,7 @@
                     <a:p>
                       <a:pPr algn="ctr"/>
                       <a:r>
-                        <a:rPr lang="ru-RU" sz="1000" spc="-150" dirty="0" smtClean="0">
+                        <a:rPr lang="ru-RU" sz="1000" spc="-150" dirty="0">
                           <a:solidFill>
                             <a:schemeClr val="tx1"/>
                           </a:solidFill>
@@ -7585,12 +7325,6 @@
                         </a:rPr>
                         <a:t>18</a:t>
                       </a:r>
-                      <a:endParaRPr lang="ru-RU" sz="1000" spc="-150" dirty="0">
-                        <a:solidFill>
-                          <a:schemeClr val="tx1"/>
-                        </a:solidFill>
-                        <a:cs typeface="Times New Roman" panose="02020603050405020304" pitchFamily="18" charset="0"/>
-                      </a:endParaRPr>
                     </a:p>
                   </p:txBody>
                 </p:sp>
@@ -7631,7 +7365,7 @@
                     <a:p>
                       <a:pPr algn="ctr"/>
                       <a:r>
-                        <a:rPr lang="ru-RU" sz="1000" spc="-150" dirty="0" smtClean="0">
+                        <a:rPr lang="ru-RU" sz="1000" spc="-150" dirty="0">
                           <a:solidFill>
                             <a:schemeClr val="tx1"/>
                           </a:solidFill>
@@ -7639,12 +7373,6 @@
                         </a:rPr>
                         <a:t>19</a:t>
                       </a:r>
-                      <a:endParaRPr lang="ru-RU" sz="1000" spc="-150" dirty="0">
-                        <a:solidFill>
-                          <a:schemeClr val="tx1"/>
-                        </a:solidFill>
-                        <a:cs typeface="Times New Roman" panose="02020603050405020304" pitchFamily="18" charset="0"/>
-                      </a:endParaRPr>
                     </a:p>
                   </p:txBody>
                 </p:sp>
@@ -7685,7 +7413,7 @@
                     <a:p>
                       <a:pPr algn="ctr"/>
                       <a:r>
-                        <a:rPr lang="ru-RU" sz="1000" spc="-150" dirty="0" smtClean="0">
+                        <a:rPr lang="ru-RU" sz="1000" spc="-150" dirty="0">
                           <a:solidFill>
                             <a:schemeClr val="tx1"/>
                           </a:solidFill>
@@ -7693,12 +7421,6 @@
                         </a:rPr>
                         <a:t>20</a:t>
                       </a:r>
-                      <a:endParaRPr lang="ru-RU" sz="1000" spc="-150" dirty="0">
-                        <a:solidFill>
-                          <a:schemeClr val="tx1"/>
-                        </a:solidFill>
-                        <a:cs typeface="Times New Roman" panose="02020603050405020304" pitchFamily="18" charset="0"/>
-                      </a:endParaRPr>
                     </a:p>
                   </p:txBody>
                 </p:sp>
@@ -7739,7 +7461,7 @@
                     <a:p>
                       <a:pPr algn="ctr"/>
                       <a:r>
-                        <a:rPr lang="ru-RU" sz="1000" spc="-150" dirty="0" smtClean="0">
+                        <a:rPr lang="ru-RU" sz="1000" spc="-150" dirty="0">
                           <a:solidFill>
                             <a:schemeClr val="tx1"/>
                           </a:solidFill>
@@ -7747,12 +7469,6 @@
                         </a:rPr>
                         <a:t>0</a:t>
                       </a:r>
-                      <a:endParaRPr lang="ru-RU" sz="1000" spc="-150" dirty="0">
-                        <a:solidFill>
-                          <a:schemeClr val="tx1"/>
-                        </a:solidFill>
-                        <a:cs typeface="Times New Roman" panose="02020603050405020304" pitchFamily="18" charset="0"/>
-                      </a:endParaRPr>
                     </a:p>
                   </p:txBody>
                 </p:sp>
@@ -7795,27 +7511,27 @@
                 <a:p>
                   <a:pPr algn="ctr"/>
                   <a:r>
-                    <a:rPr lang="en-US" dirty="0" err="1" smtClean="0"/>
+                    <a:rPr lang="en-US" dirty="0" err="1"/>
                     <a:t>Struct</a:t>
                   </a:r>
                   <a:r>
-                    <a:rPr lang="en-US" dirty="0" smtClean="0"/>
+                    <a:rPr lang="en-US" dirty="0"/>
                     <a:t>{char, bool, </a:t>
                   </a:r>
                   <a:r>
-                    <a:rPr lang="en-US" dirty="0" err="1" smtClean="0"/>
+                    <a:rPr lang="en-US" dirty="0" err="1"/>
                     <a:t>int</a:t>
                   </a:r>
                   <a:r>
-                    <a:rPr lang="en-US" dirty="0" smtClean="0"/>
+                    <a:rPr lang="en-US" dirty="0"/>
                     <a:t>, double, short </a:t>
                   </a:r>
                   <a:r>
-                    <a:rPr lang="en-US" dirty="0" err="1" smtClean="0"/>
+                    <a:rPr lang="en-US" dirty="0" err="1"/>
                     <a:t>int</a:t>
                   </a:r>
                   <a:r>
-                    <a:rPr lang="en-US" dirty="0" smtClean="0"/>
+                    <a:rPr lang="en-US" dirty="0"/>
                     <a:t>}</a:t>
                   </a:r>
                   <a:endParaRPr lang="ru-RU" dirty="0"/>
@@ -7859,7 +7575,7 @@
                 <a:p>
                   <a:pPr algn="ctr"/>
                   <a:r>
-                    <a:rPr lang="en-US" dirty="0" smtClean="0"/>
+                    <a:rPr lang="en-US" dirty="0"/>
                     <a:t>4</a:t>
                   </a:r>
                   <a:endParaRPr lang="ru-RU" dirty="0"/>
@@ -7905,27 +7621,27 @@
             <a:lstStyle/>
             <a:p>
               <a:r>
-                <a:rPr lang="ru-RU" dirty="0" smtClean="0"/>
+                <a:rPr lang="ru-RU" dirty="0"/>
                 <a:t>Структура является объединением нескольких переменных одним общим именем, при этом каждая из переменных объединенных в структуру доступна для записи и чтения.</a:t>
               </a:r>
-              <a:endParaRPr lang="en-US" dirty="0" smtClean="0"/>
+              <a:endParaRPr lang="en-US" dirty="0"/>
             </a:p>
             <a:p>
               <a:r>
-                <a:rPr lang="ru-RU" dirty="0" smtClean="0"/>
+                <a:rPr lang="ru-RU" dirty="0"/>
                 <a:t>Переменные перечисленные в структуре называются полями структуры и доступны для обращения только с использованием структуры.</a:t>
               </a:r>
             </a:p>
             <a:p>
               <a:r>
-                <a:rPr lang="ru-RU" dirty="0" smtClean="0"/>
+                <a:rPr lang="ru-RU" dirty="0"/>
                 <a:t>Сигнатура</a:t>
               </a:r>
               <a:r>
-                <a:rPr lang="en-US" dirty="0" smtClean="0"/>
+                <a:rPr lang="en-US" dirty="0"/>
                 <a:t>:</a:t>
               </a:r>
-              <a:endParaRPr lang="ru-RU" dirty="0" smtClean="0"/>
+              <a:endParaRPr lang="ru-RU" dirty="0"/>
             </a:p>
             <a:p>
               <a:r>
@@ -8024,7 +7740,7 @@
               </a:r>
             </a:p>
             <a:p>
-              <a:endParaRPr lang="ru-RU" dirty="0" smtClean="0"/>
+              <a:endParaRPr lang="ru-RU" dirty="0"/>
             </a:p>
           </p:txBody>
         </p:sp>
@@ -8050,33 +7766,33 @@
             <a:lstStyle/>
             <a:p>
               <a:r>
-                <a:rPr lang="ru-RU" dirty="0" smtClean="0"/>
+                <a:rPr lang="ru-RU" dirty="0"/>
                 <a:t>Создание переменной с типом структуры</a:t>
               </a:r>
               <a:r>
-                <a:rPr lang="en-US" dirty="0" smtClean="0"/>
+                <a:rPr lang="en-US" dirty="0"/>
                 <a:t>:</a:t>
               </a:r>
             </a:p>
             <a:p>
               <a:r>
-                <a:rPr lang="en-US" dirty="0" smtClean="0"/>
+                <a:rPr lang="en-US" dirty="0"/>
                 <a:t>&lt;</a:t>
               </a:r>
               <a:r>
-                <a:rPr lang="ru-RU" dirty="0" smtClean="0"/>
+                <a:rPr lang="ru-RU" dirty="0"/>
                 <a:t>название структуры</a:t>
               </a:r>
               <a:r>
-                <a:rPr lang="en-US" dirty="0" smtClean="0"/>
+                <a:rPr lang="en-US" dirty="0"/>
                 <a:t>&gt; &lt;</a:t>
               </a:r>
               <a:r>
-                <a:rPr lang="ru-RU" dirty="0" smtClean="0"/>
+                <a:rPr lang="ru-RU" dirty="0"/>
                 <a:t>имя переменной</a:t>
               </a:r>
               <a:r>
-                <a:rPr lang="en-US" dirty="0" smtClean="0"/>
+                <a:rPr lang="en-US" dirty="0"/>
                 <a:t>&gt;;</a:t>
               </a:r>
             </a:p>
@@ -8098,18 +7814,18 @@
                 <a:t>имя переменной</a:t>
               </a:r>
               <a:r>
-                <a:rPr lang="en-US" dirty="0" smtClean="0"/>
+                <a:rPr lang="en-US" dirty="0"/>
                 <a:t>&gt; {&lt;</a:t>
               </a:r>
               <a:r>
-                <a:rPr lang="ru-RU" dirty="0" smtClean="0"/>
+                <a:rPr lang="ru-RU" dirty="0"/>
                 <a:t>значения полей через запятую</a:t>
               </a:r>
               <a:r>
-                <a:rPr lang="en-US" dirty="0" smtClean="0"/>
+                <a:rPr lang="en-US" dirty="0"/>
                 <a:t>&gt;};</a:t>
               </a:r>
-              <a:endParaRPr lang="ru-RU" dirty="0" smtClean="0"/>
+              <a:endParaRPr lang="ru-RU" dirty="0"/>
             </a:p>
             <a:p>
               <a:r>
@@ -8139,12 +7855,8 @@
                 <a:t>наименование поля</a:t>
               </a:r>
               <a:r>
-                <a:rPr lang="en-US" dirty="0" smtClean="0"/>
-                <a:t>&gt;</a:t>
-              </a:r>
-              <a:r>
                 <a:rPr lang="en-US" dirty="0"/>
-                <a:t>;</a:t>
+                <a:t>&gt;;</a:t>
               </a:r>
               <a:endParaRPr lang="ru-RU" dirty="0"/>
             </a:p>
@@ -8164,13 +7876,6 @@
   <p:clrMapOvr>
     <a:masterClrMapping/>
   </p:clrMapOvr>
-  <p:timing>
-    <p:tnLst>
-      <p:par>
-        <p:cTn id="1" dur="indefinite" restart="never" nodeType="tmRoot"/>
-      </p:par>
-    </p:tnLst>
-  </p:timing>
 </p:sld>
 </file>
 
@@ -8554,15 +8259,6 @@
             </a:r>
           </a:p>
           <a:p>
-            <a:r>
-              <a:rPr lang="en-US" sz="1400" dirty="0">
-                <a:solidFill>
-                  <a:srgbClr val="000000"/>
-                </a:solidFill>
-                <a:latin typeface="Consolas" panose="020B0609020204030204" pitchFamily="49" charset="0"/>
-              </a:rPr>
-              <a:t/>
-            </a:r>
             <a:br>
               <a:rPr lang="en-US" sz="1400" dirty="0">
                 <a:solidFill>
@@ -9444,13 +9140,6 @@
   <p:clrMapOvr>
     <a:masterClrMapping/>
   </p:clrMapOvr>
-  <p:timing>
-    <p:tnLst>
-      <p:par>
-        <p:cTn id="1" dur="indefinite" restart="never" nodeType="tmRoot"/>
-      </p:par>
-    </p:tnLst>
-  </p:timing>
 </p:sld>
 </file>
 
@@ -11372,13 +11061,6 @@
   <p:clrMapOvr>
     <a:masterClrMapping/>
   </p:clrMapOvr>
-  <p:timing>
-    <p:tnLst>
-      <p:par>
-        <p:cTn id="1" dur="indefinite" restart="never" nodeType="tmRoot"/>
-      </p:par>
-    </p:tnLst>
-  </p:timing>
 </p:sld>
 </file>
 
@@ -11783,15 +11465,6 @@
             </a:r>
           </a:p>
           <a:p>
-            <a:r>
-              <a:rPr lang="en-US" sz="1400" dirty="0">
-                <a:solidFill>
-                  <a:srgbClr val="000000"/>
-                </a:solidFill>
-                <a:latin typeface="Consolas" panose="020B0609020204030204" pitchFamily="49" charset="0"/>
-              </a:rPr>
-              <a:t/>
-            </a:r>
             <a:br>
               <a:rPr lang="en-US" sz="1400" dirty="0">
                 <a:solidFill>
@@ -12114,15 +11787,6 @@
             </a:r>
           </a:p>
           <a:p>
-            <a:r>
-              <a:rPr lang="en-US" sz="1400" dirty="0">
-                <a:solidFill>
-                  <a:srgbClr val="000000"/>
-                </a:solidFill>
-                <a:latin typeface="Consolas" panose="020B0609020204030204" pitchFamily="49" charset="0"/>
-              </a:rPr>
-              <a:t/>
-            </a:r>
             <a:br>
               <a:rPr lang="en-US" sz="1400" dirty="0">
                 <a:solidFill>
@@ -12284,7 +11948,7 @@
           <a:lstStyle/>
           <a:p>
             <a:r>
-              <a:rPr lang="en-US" sz="1400" dirty="0" err="1" smtClean="0">
+              <a:rPr lang="en-US" sz="1400" dirty="0" err="1">
                 <a:solidFill>
                   <a:srgbClr val="0000FF"/>
                 </a:solidFill>
@@ -12826,7 +12490,7 @@
           </a:p>
           <a:p>
             <a:r>
-              <a:rPr lang="en-US" sz="1400" dirty="0" smtClean="0">
+              <a:rPr lang="en-US" sz="1400" dirty="0">
                 <a:solidFill>
                   <a:srgbClr val="000000"/>
                 </a:solidFill>
@@ -12834,12 +12498,6 @@
               </a:rPr>
               <a:t>}</a:t>
             </a:r>
-            <a:endParaRPr lang="en-US" sz="1400" dirty="0">
-              <a:solidFill>
-                <a:srgbClr val="000000"/>
-              </a:solidFill>
-              <a:latin typeface="Consolas" panose="020B0609020204030204" pitchFamily="49" charset="0"/>
-            </a:endParaRPr>
           </a:p>
         </p:txBody>
       </p:sp>
@@ -12865,11 +12523,11 @@
           <a:lstStyle/>
           <a:p>
             <a:r>
-              <a:rPr lang="ru-RU" dirty="0" smtClean="0"/>
+              <a:rPr lang="ru-RU" dirty="0"/>
               <a:t>При обращении к полям структуры через указатель нужно использовать оператор </a:t>
             </a:r>
             <a:r>
-              <a:rPr lang="en-US" b="1" dirty="0" smtClean="0">
+              <a:rPr lang="en-US" b="1" dirty="0">
                 <a:solidFill>
                   <a:srgbClr val="92D050"/>
                 </a:solidFill>
@@ -12877,29 +12535,25 @@
               <a:t>-&gt;</a:t>
             </a:r>
             <a:r>
-              <a:rPr lang="en-US" dirty="0" smtClean="0"/>
+              <a:rPr lang="en-US" dirty="0"/>
               <a:t>:</a:t>
             </a:r>
           </a:p>
           <a:p>
             <a:r>
-              <a:rPr lang="en-US" dirty="0" smtClean="0"/>
+              <a:rPr lang="en-US" dirty="0"/>
               <a:t>&lt;</a:t>
             </a:r>
             <a:r>
-              <a:rPr lang="ru-RU" dirty="0" smtClean="0"/>
-              <a:t>указатель на переменную </a:t>
-            </a:r>
-            <a:r>
               <a:rPr lang="ru-RU" dirty="0"/>
-              <a:t>структуры</a:t>
-            </a:r>
-            <a:r>
-              <a:rPr lang="en-US" dirty="0" smtClean="0"/>
+              <a:t>указатель на переменную структуры</a:t>
+            </a:r>
+            <a:r>
+              <a:rPr lang="en-US" dirty="0"/>
               <a:t>&gt;</a:t>
             </a:r>
             <a:r>
-              <a:rPr lang="en-US" b="1" dirty="0" smtClean="0">
+              <a:rPr lang="en-US" b="1" dirty="0">
                 <a:solidFill>
                   <a:srgbClr val="92D050"/>
                 </a:solidFill>
@@ -12907,7 +12561,7 @@
               <a:t>-&gt;</a:t>
             </a:r>
             <a:r>
-              <a:rPr lang="en-US" dirty="0" smtClean="0"/>
+              <a:rPr lang="en-US" dirty="0"/>
               <a:t>&lt;</a:t>
             </a:r>
             <a:r>
@@ -12915,31 +12569,27 @@
               <a:t>наименование поля</a:t>
             </a:r>
             <a:r>
-              <a:rPr lang="en-US" dirty="0" smtClean="0"/>
-              <a:t>&gt;</a:t>
-            </a:r>
-            <a:r>
               <a:rPr lang="en-US" dirty="0"/>
-              <a:t>;</a:t>
+              <a:t>&gt;;</a:t>
             </a:r>
             <a:endParaRPr lang="ru-RU" dirty="0"/>
           </a:p>
           <a:p>
-            <a:endParaRPr lang="en-US" dirty="0" smtClean="0"/>
-          </a:p>
-          <a:p>
-            <a:r>
-              <a:rPr lang="ru-RU" dirty="0" smtClean="0"/>
+            <a:endParaRPr lang="en-US" dirty="0"/>
+          </a:p>
+          <a:p>
+            <a:r>
+              <a:rPr lang="ru-RU" dirty="0"/>
               <a:t>Этот оператор разыменовывает указатель и обращается к полю, эту операцию можно использовать повторить самостоятельно для обращения через точку</a:t>
             </a:r>
             <a:r>
-              <a:rPr lang="en-US" dirty="0" smtClean="0"/>
+              <a:rPr lang="en-US" dirty="0"/>
               <a:t>:</a:t>
             </a:r>
           </a:p>
           <a:p>
             <a:r>
-              <a:rPr lang="en-US" dirty="0" smtClean="0">
+              <a:rPr lang="en-US" dirty="0">
                 <a:solidFill>
                   <a:srgbClr val="92D050"/>
                 </a:solidFill>
@@ -12947,7 +12597,7 @@
               <a:t>(*</a:t>
             </a:r>
             <a:r>
-              <a:rPr lang="en-US" dirty="0" smtClean="0"/>
+              <a:rPr lang="en-US" dirty="0"/>
               <a:t>&lt;</a:t>
             </a:r>
             <a:r>
@@ -12955,11 +12605,11 @@
               <a:t>указатель на переменную структуры</a:t>
             </a:r>
             <a:r>
-              <a:rPr lang="en-US" dirty="0" smtClean="0"/>
+              <a:rPr lang="en-US" dirty="0"/>
               <a:t>&gt;</a:t>
             </a:r>
             <a:r>
-              <a:rPr lang="en-US" dirty="0" smtClean="0">
+              <a:rPr lang="en-US" dirty="0">
                 <a:solidFill>
                   <a:srgbClr val="92D050"/>
                 </a:solidFill>
@@ -12975,7 +12625,7 @@
               <a:t>.</a:t>
             </a:r>
             <a:r>
-              <a:rPr lang="en-US" dirty="0" smtClean="0"/>
+              <a:rPr lang="en-US" dirty="0"/>
               <a:t>&lt;</a:t>
             </a:r>
             <a:r>
@@ -12989,7 +12639,7 @@
             <a:endParaRPr lang="ru-RU" dirty="0"/>
           </a:p>
           <a:p>
-            <a:endParaRPr lang="ru-RU" dirty="0" smtClean="0"/>
+            <a:endParaRPr lang="ru-RU" dirty="0"/>
           </a:p>
         </p:txBody>
       </p:sp>
@@ -13003,13 +12653,6 @@
   <p:clrMapOvr>
     <a:masterClrMapping/>
   </p:clrMapOvr>
-  <p:timing>
-    <p:tnLst>
-      <p:par>
-        <p:cTn id="1" dur="indefinite" restart="never" nodeType="tmRoot"/>
-      </p:par>
-    </p:tnLst>
-  </p:timing>
 </p:sld>
 </file>
 
@@ -13269,7 +12912,7 @@
               <a:buChar char="•"/>
             </a:pPr>
             <a:r>
-              <a:rPr lang="ru-RU" dirty="0" smtClean="0"/>
+              <a:rPr lang="ru-RU" dirty="0"/>
               <a:t>Все объединение занимает памяти как самый большой тип входящий в него</a:t>
             </a:r>
           </a:p>
@@ -13279,7 +12922,7 @@
               <a:buChar char="•"/>
             </a:pPr>
             <a:r>
-              <a:rPr lang="ru-RU" dirty="0" smtClean="0"/>
+              <a:rPr lang="ru-RU" dirty="0"/>
               <a:t>Обращение к полю объединения происходит так же как к полю структуры.</a:t>
             </a:r>
           </a:p>
@@ -13289,10 +12932,9 @@
               <a:buChar char="•"/>
             </a:pPr>
             <a:r>
-              <a:rPr lang="ru-RU" dirty="0" smtClean="0"/>
+              <a:rPr lang="ru-RU" dirty="0"/>
               <a:t>На объединения так же как на структуры могут указывать указатели и ссылки.</a:t>
             </a:r>
-            <a:endParaRPr lang="ru-RU" dirty="0"/>
           </a:p>
           <a:p>
             <a:pPr marL="285750" indent="-285750">
@@ -13300,10 +12942,9 @@
               <a:buChar char="•"/>
             </a:pPr>
             <a:r>
-              <a:rPr lang="ru-RU" dirty="0" smtClean="0"/>
+              <a:rPr lang="ru-RU" dirty="0"/>
               <a:t>Обратиться к значению объединения можно только через поле.</a:t>
             </a:r>
-            <a:endParaRPr lang="ru-RU" dirty="0"/>
           </a:p>
         </p:txBody>
       </p:sp>
@@ -13330,16 +12971,12 @@
           <a:p>
             <a:r>
               <a:rPr lang="ru-RU" dirty="0"/>
-              <a:t>Объединения это специальный пользовательский тип который позволяет хранить данные разного типа по одному и тому же адресу</a:t>
-            </a:r>
-            <a:r>
-              <a:rPr lang="ru-RU" dirty="0" smtClean="0"/>
-              <a:t>. </a:t>
-            </a:r>
-          </a:p>
-          <a:p>
-            <a:r>
-              <a:rPr lang="ru-RU" dirty="0" smtClean="0"/>
+              <a:t>Объединения это специальный пользовательский тип который позволяет хранить данные разного типа по одному и тому же адресу. </a:t>
+            </a:r>
+          </a:p>
+          <a:p>
+            <a:r>
+              <a:rPr lang="ru-RU" dirty="0"/>
               <a:t>Сигнатура</a:t>
             </a:r>
             <a:r>
@@ -13615,7 +13252,7 @@
             <a:p>
               <a:pPr algn="ctr"/>
               <a:r>
-                <a:rPr lang="en-US" dirty="0" smtClean="0"/>
+                <a:rPr lang="en-US" dirty="0"/>
                 <a:t>0</a:t>
               </a:r>
               <a:endParaRPr lang="ru-RU" dirty="0"/>
@@ -13659,7 +13296,7 @@
             <a:p>
               <a:pPr algn="ctr"/>
               <a:r>
-                <a:rPr lang="en-US" dirty="0" smtClean="0"/>
+                <a:rPr lang="en-US" dirty="0"/>
                 <a:t>1</a:t>
               </a:r>
               <a:endParaRPr lang="ru-RU" dirty="0"/>
@@ -13703,7 +13340,7 @@
             <a:p>
               <a:pPr algn="ctr"/>
               <a:r>
-                <a:rPr lang="en-US" dirty="0" smtClean="0"/>
+                <a:rPr lang="en-US" dirty="0"/>
                 <a:t>2</a:t>
               </a:r>
               <a:endParaRPr lang="ru-RU" dirty="0"/>
@@ -13747,7 +13384,7 @@
             <a:p>
               <a:pPr algn="ctr"/>
               <a:r>
-                <a:rPr lang="en-US" dirty="0" smtClean="0"/>
+                <a:rPr lang="en-US" dirty="0"/>
                 <a:t>3</a:t>
               </a:r>
               <a:endParaRPr lang="ru-RU" dirty="0"/>
@@ -13791,7 +13428,7 @@
             <a:p>
               <a:pPr algn="ctr"/>
               <a:r>
-                <a:rPr lang="ru-RU" sz="1000" spc="-150" dirty="0" smtClean="0">
+                <a:rPr lang="ru-RU" sz="1000" spc="-150" dirty="0">
                   <a:solidFill>
                     <a:schemeClr val="tx1"/>
                   </a:solidFill>
@@ -13799,12 +13436,6 @@
                 </a:rPr>
                 <a:t>1</a:t>
               </a:r>
-              <a:endParaRPr lang="ru-RU" sz="1000" spc="-150" dirty="0">
-                <a:solidFill>
-                  <a:schemeClr val="tx1"/>
-                </a:solidFill>
-                <a:cs typeface="Times New Roman" panose="02020603050405020304" pitchFamily="18" charset="0"/>
-              </a:endParaRPr>
             </a:p>
           </p:txBody>
         </p:sp>
@@ -13893,7 +13524,7 @@
             <a:p>
               <a:pPr algn="ctr"/>
               <a:r>
-                <a:rPr lang="ru-RU" sz="1000" spc="-150" dirty="0" smtClean="0">
+                <a:rPr lang="ru-RU" sz="1000" spc="-150" dirty="0">
                   <a:solidFill>
                     <a:schemeClr val="tx1"/>
                   </a:solidFill>
@@ -13901,12 +13532,6 @@
                 </a:rPr>
                 <a:t>3</a:t>
               </a:r>
-              <a:endParaRPr lang="ru-RU" sz="1000" spc="-150" dirty="0">
-                <a:solidFill>
-                  <a:schemeClr val="tx1"/>
-                </a:solidFill>
-                <a:cs typeface="Times New Roman" panose="02020603050405020304" pitchFamily="18" charset="0"/>
-              </a:endParaRPr>
             </a:p>
           </p:txBody>
         </p:sp>
@@ -13947,7 +13572,7 @@
             <a:p>
               <a:pPr algn="ctr"/>
               <a:r>
-                <a:rPr lang="ru-RU" sz="1000" spc="-150" dirty="0" smtClean="0">
+                <a:rPr lang="ru-RU" sz="1000" spc="-150" dirty="0">
                   <a:solidFill>
                     <a:schemeClr val="tx1"/>
                   </a:solidFill>
@@ -13955,12 +13580,6 @@
                 </a:rPr>
                 <a:t>4</a:t>
               </a:r>
-              <a:endParaRPr lang="ru-RU" sz="1000" spc="-150" dirty="0">
-                <a:solidFill>
-                  <a:schemeClr val="tx1"/>
-                </a:solidFill>
-                <a:cs typeface="Times New Roman" panose="02020603050405020304" pitchFamily="18" charset="0"/>
-              </a:endParaRPr>
             </a:p>
           </p:txBody>
         </p:sp>
@@ -14001,7 +13620,7 @@
             <a:p>
               <a:pPr algn="ctr"/>
               <a:r>
-                <a:rPr lang="ru-RU" sz="1000" spc="-150" dirty="0" smtClean="0">
+                <a:rPr lang="ru-RU" sz="1000" spc="-150" dirty="0">
                   <a:solidFill>
                     <a:schemeClr val="tx1"/>
                   </a:solidFill>
@@ -14009,12 +13628,6 @@
                 </a:rPr>
                 <a:t>5</a:t>
               </a:r>
-              <a:endParaRPr lang="ru-RU" sz="1000" spc="-150" dirty="0">
-                <a:solidFill>
-                  <a:schemeClr val="tx1"/>
-                </a:solidFill>
-                <a:cs typeface="Times New Roman" panose="02020603050405020304" pitchFamily="18" charset="0"/>
-              </a:endParaRPr>
             </a:p>
           </p:txBody>
         </p:sp>
@@ -14055,7 +13668,7 @@
             <a:p>
               <a:pPr algn="ctr"/>
               <a:r>
-                <a:rPr lang="ru-RU" sz="1000" spc="-150" dirty="0" smtClean="0">
+                <a:rPr lang="ru-RU" sz="1000" spc="-150" dirty="0">
                   <a:solidFill>
                     <a:schemeClr val="tx1"/>
                   </a:solidFill>
@@ -14063,12 +13676,6 @@
                 </a:rPr>
                 <a:t>6</a:t>
               </a:r>
-              <a:endParaRPr lang="ru-RU" sz="1000" spc="-150" dirty="0">
-                <a:solidFill>
-                  <a:schemeClr val="tx1"/>
-                </a:solidFill>
-                <a:cs typeface="Times New Roman" panose="02020603050405020304" pitchFamily="18" charset="0"/>
-              </a:endParaRPr>
             </a:p>
           </p:txBody>
         </p:sp>
@@ -14109,7 +13716,7 @@
             <a:p>
               <a:pPr algn="ctr"/>
               <a:r>
-                <a:rPr lang="ru-RU" sz="1000" spc="-150" dirty="0" smtClean="0">
+                <a:rPr lang="ru-RU" sz="1000" spc="-150" dirty="0">
                   <a:solidFill>
                     <a:schemeClr val="tx1"/>
                   </a:solidFill>
@@ -14117,12 +13724,6 @@
                 </a:rPr>
                 <a:t>7</a:t>
               </a:r>
-              <a:endParaRPr lang="ru-RU" sz="1000" spc="-150" dirty="0">
-                <a:solidFill>
-                  <a:schemeClr val="tx1"/>
-                </a:solidFill>
-                <a:cs typeface="Times New Roman" panose="02020603050405020304" pitchFamily="18" charset="0"/>
-              </a:endParaRPr>
             </a:p>
           </p:txBody>
         </p:sp>
@@ -14163,7 +13764,7 @@
             <a:p>
               <a:pPr algn="ctr"/>
               <a:r>
-                <a:rPr lang="ru-RU" sz="1000" spc="-150" dirty="0" smtClean="0">
+                <a:rPr lang="ru-RU" sz="1000" spc="-150" dirty="0">
                   <a:solidFill>
                     <a:schemeClr val="tx1"/>
                   </a:solidFill>
@@ -14171,12 +13772,6 @@
                 </a:rPr>
                 <a:t>8</a:t>
               </a:r>
-              <a:endParaRPr lang="ru-RU" sz="1000" spc="-150" dirty="0">
-                <a:solidFill>
-                  <a:schemeClr val="tx1"/>
-                </a:solidFill>
-                <a:cs typeface="Times New Roman" panose="02020603050405020304" pitchFamily="18" charset="0"/>
-              </a:endParaRPr>
             </a:p>
           </p:txBody>
         </p:sp>
@@ -14217,7 +13812,7 @@
             <a:p>
               <a:pPr algn="ctr"/>
               <a:r>
-                <a:rPr lang="ru-RU" sz="1000" spc="-150" dirty="0" smtClean="0">
+                <a:rPr lang="ru-RU" sz="1000" spc="-150" dirty="0">
                   <a:solidFill>
                     <a:schemeClr val="tx1"/>
                   </a:solidFill>
@@ -14225,12 +13820,6 @@
                 </a:rPr>
                 <a:t>9</a:t>
               </a:r>
-              <a:endParaRPr lang="ru-RU" sz="1000" spc="-150" dirty="0">
-                <a:solidFill>
-                  <a:schemeClr val="tx1"/>
-                </a:solidFill>
-                <a:cs typeface="Times New Roman" panose="02020603050405020304" pitchFamily="18" charset="0"/>
-              </a:endParaRPr>
             </a:p>
           </p:txBody>
         </p:sp>
@@ -14271,7 +13860,7 @@
             <a:p>
               <a:pPr algn="ctr"/>
               <a:r>
-                <a:rPr lang="ru-RU" sz="1000" spc="-150" dirty="0" smtClean="0">
+                <a:rPr lang="ru-RU" sz="1000" spc="-150" dirty="0">
                   <a:solidFill>
                     <a:schemeClr val="tx1"/>
                   </a:solidFill>
@@ -14279,12 +13868,6 @@
                 </a:rPr>
                 <a:t>10</a:t>
               </a:r>
-              <a:endParaRPr lang="ru-RU" sz="1000" spc="-150" dirty="0">
-                <a:solidFill>
-                  <a:schemeClr val="tx1"/>
-                </a:solidFill>
-                <a:cs typeface="Times New Roman" panose="02020603050405020304" pitchFamily="18" charset="0"/>
-              </a:endParaRPr>
             </a:p>
           </p:txBody>
         </p:sp>
@@ -14325,7 +13908,7 @@
             <a:p>
               <a:pPr algn="ctr"/>
               <a:r>
-                <a:rPr lang="ru-RU" sz="1000" spc="-150" dirty="0" smtClean="0">
+                <a:rPr lang="ru-RU" sz="1000" spc="-150" dirty="0">
                   <a:solidFill>
                     <a:schemeClr val="tx1"/>
                   </a:solidFill>
@@ -14333,12 +13916,6 @@
                 </a:rPr>
                 <a:t>11</a:t>
               </a:r>
-              <a:endParaRPr lang="ru-RU" sz="1000" spc="-150" dirty="0">
-                <a:solidFill>
-                  <a:schemeClr val="tx1"/>
-                </a:solidFill>
-                <a:cs typeface="Times New Roman" panose="02020603050405020304" pitchFamily="18" charset="0"/>
-              </a:endParaRPr>
             </a:p>
           </p:txBody>
         </p:sp>
@@ -14379,7 +13956,7 @@
             <a:p>
               <a:pPr algn="ctr"/>
               <a:r>
-                <a:rPr lang="ru-RU" sz="1000" spc="-150" dirty="0" smtClean="0">
+                <a:rPr lang="ru-RU" sz="1000" spc="-150" dirty="0">
                   <a:solidFill>
                     <a:schemeClr val="tx1"/>
                   </a:solidFill>
@@ -14387,12 +13964,6 @@
                 </a:rPr>
                 <a:t>0</a:t>
               </a:r>
-              <a:endParaRPr lang="ru-RU" sz="1000" spc="-150" dirty="0">
-                <a:solidFill>
-                  <a:schemeClr val="tx1"/>
-                </a:solidFill>
-                <a:cs typeface="Times New Roman" panose="02020603050405020304" pitchFamily="18" charset="0"/>
-              </a:endParaRPr>
             </a:p>
           </p:txBody>
         </p:sp>
@@ -14433,15 +14004,15 @@
             <a:p>
               <a:pPr algn="ctr"/>
               <a:r>
-                <a:rPr lang="en-US" dirty="0" smtClean="0"/>
+                <a:rPr lang="en-US" dirty="0"/>
                 <a:t>Union{char, bool, </a:t>
               </a:r>
               <a:r>
-                <a:rPr lang="en-US" dirty="0" err="1" smtClean="0"/>
+                <a:rPr lang="en-US" dirty="0" err="1"/>
                 <a:t>int</a:t>
               </a:r>
               <a:r>
-                <a:rPr lang="en-US" dirty="0" smtClean="0"/>
+                <a:rPr lang="en-US" dirty="0"/>
                 <a:t>, double}</a:t>
               </a:r>
               <a:endParaRPr lang="ru-RU" dirty="0"/>
@@ -14459,13 +14030,6 @@
   <p:clrMapOvr>
     <a:masterClrMapping/>
   </p:clrMapOvr>
-  <p:timing>
-    <p:tnLst>
-      <p:par>
-        <p:cTn id="1" dur="indefinite" restart="never" nodeType="tmRoot"/>
-      </p:par>
-    </p:tnLst>
-  </p:timing>
 </p:sld>
 </file>
 
@@ -14874,15 +14438,6 @@
             </a:r>
           </a:p>
           <a:p>
-            <a:r>
-              <a:rPr lang="en-US" sz="1600" dirty="0">
-                <a:solidFill>
-                  <a:srgbClr val="000000"/>
-                </a:solidFill>
-                <a:latin typeface="Consolas" panose="020B0609020204030204" pitchFamily="49" charset="0"/>
-              </a:rPr>
-              <a:t/>
-            </a:r>
             <a:br>
               <a:rPr lang="en-US" sz="1600" dirty="0">
                 <a:solidFill>
@@ -15131,15 +14686,6 @@
             </a:r>
           </a:p>
           <a:p>
-            <a:r>
-              <a:rPr lang="en-US" sz="1600" dirty="0">
-                <a:solidFill>
-                  <a:srgbClr val="000000"/>
-                </a:solidFill>
-                <a:latin typeface="Consolas" panose="020B0609020204030204" pitchFamily="49" charset="0"/>
-              </a:rPr>
-              <a:t/>
-            </a:r>
             <a:br>
               <a:rPr lang="en-US" sz="1600" dirty="0">
                 <a:solidFill>
@@ -15169,7 +14715,7 @@
           </a:p>
           <a:p>
             <a:r>
-              <a:rPr lang="en-US" sz="1600" dirty="0" smtClean="0">
+              <a:rPr lang="en-US" sz="1600" dirty="0">
                 <a:solidFill>
                   <a:srgbClr val="000000"/>
                 </a:solidFill>
@@ -15178,7 +14724,7 @@
               <a:t>    Value </a:t>
             </a:r>
             <a:r>
-              <a:rPr lang="en-US" sz="1600" dirty="0" err="1" smtClean="0">
+              <a:rPr lang="en-US" sz="1600" dirty="0" err="1">
                 <a:solidFill>
                   <a:srgbClr val="000000"/>
                 </a:solidFill>
@@ -15187,7 +14733,7 @@
               <a:t>value</a:t>
             </a:r>
             <a:r>
-              <a:rPr lang="en-US" sz="1600" dirty="0" smtClean="0">
+              <a:rPr lang="en-US" sz="1600" dirty="0">
                 <a:solidFill>
                   <a:srgbClr val="000000"/>
                 </a:solidFill>
@@ -15648,7 +15194,7 @@
           </a:p>
           <a:p>
             <a:r>
-              <a:rPr lang="en-US" sz="1600" dirty="0" smtClean="0">
+              <a:rPr lang="en-US" sz="1600" dirty="0">
                 <a:solidFill>
                   <a:srgbClr val="000000"/>
                 </a:solidFill>
@@ -15657,7 +15203,7 @@
               <a:t>    </a:t>
             </a:r>
             <a:r>
-              <a:rPr lang="en-US" sz="1600" dirty="0" smtClean="0">
+              <a:rPr lang="en-US" sz="1600" dirty="0">
                 <a:solidFill>
                   <a:srgbClr val="0000FF"/>
                 </a:solidFill>
@@ -15666,7 +15212,7 @@
               <a:t>return</a:t>
             </a:r>
             <a:r>
-              <a:rPr lang="en-US" sz="1600" dirty="0" smtClean="0">
+              <a:rPr lang="en-US" sz="1600" dirty="0">
                 <a:solidFill>
                   <a:srgbClr val="000000"/>
                 </a:solidFill>
@@ -15675,7 +15221,7 @@
               <a:t> </a:t>
             </a:r>
             <a:r>
-              <a:rPr lang="en-US" sz="1600" dirty="0" smtClean="0">
+              <a:rPr lang="en-US" sz="1600" dirty="0">
                 <a:solidFill>
                   <a:srgbClr val="098658"/>
                 </a:solidFill>
@@ -15684,7 +15230,7 @@
               <a:t>0</a:t>
             </a:r>
             <a:r>
-              <a:rPr lang="en-US" sz="1600" dirty="0" smtClean="0">
+              <a:rPr lang="en-US" sz="1600" dirty="0">
                 <a:solidFill>
                   <a:srgbClr val="000000"/>
                 </a:solidFill>
@@ -15695,7 +15241,7 @@
           </a:p>
           <a:p>
             <a:r>
-              <a:rPr lang="en-US" sz="1600" dirty="0" smtClean="0">
+              <a:rPr lang="en-US" sz="1600" dirty="0">
                 <a:solidFill>
                   <a:srgbClr val="000000"/>
                 </a:solidFill>
@@ -15703,12 +15249,6 @@
               </a:rPr>
               <a:t>}</a:t>
             </a:r>
-            <a:endParaRPr lang="en-US" sz="1600" dirty="0">
-              <a:solidFill>
-                <a:srgbClr val="000000"/>
-              </a:solidFill>
-              <a:latin typeface="Consolas" panose="020B0609020204030204" pitchFamily="49" charset="0"/>
-            </a:endParaRPr>
           </a:p>
         </p:txBody>
       </p:sp>
@@ -15722,13 +15262,6 @@
   <p:clrMapOvr>
     <a:masterClrMapping/>
   </p:clrMapOvr>
-  <p:timing>
-    <p:tnLst>
-      <p:par>
-        <p:cTn id="1" dur="indefinite" restart="never" nodeType="tmRoot"/>
-      </p:par>
-    </p:tnLst>
-  </p:timing>
 </p:sld>
 </file>
 
@@ -15985,17 +15518,17 @@
           <a:lstStyle/>
           <a:p>
             <a:r>
-              <a:rPr lang="ru-RU" dirty="0" smtClean="0"/>
+              <a:rPr lang="ru-RU" dirty="0"/>
               <a:t>Псевдонимом называется тип который можно использовать для объявления переменных но он не является самостоятельным и за ним скрывается какой то другой тип.</a:t>
             </a:r>
           </a:p>
           <a:p>
             <a:r>
-              <a:rPr lang="ru-RU" dirty="0" smtClean="0"/>
+              <a:rPr lang="ru-RU" dirty="0"/>
               <a:t>Сигнатура</a:t>
             </a:r>
             <a:r>
-              <a:rPr lang="en-US" dirty="0" smtClean="0"/>
+              <a:rPr lang="en-US" dirty="0"/>
               <a:t>:</a:t>
             </a:r>
           </a:p>
@@ -16014,18 +15547,10 @@
                   <a:srgbClr val="000000"/>
                 </a:solidFill>
               </a:rPr>
-              <a:t> </a:t>
-            </a:r>
-            <a:r>
-              <a:rPr lang="en-US" dirty="0" smtClean="0">
-                <a:solidFill>
-                  <a:srgbClr val="000000"/>
-                </a:solidFill>
-              </a:rPr>
-              <a:t>&lt;</a:t>
-            </a:r>
-            <a:r>
-              <a:rPr lang="ru-RU" dirty="0" smtClean="0">
+              <a:t> &lt;</a:t>
+            </a:r>
+            <a:r>
+              <a:rPr lang="ru-RU" dirty="0">
                 <a:solidFill>
                   <a:srgbClr val="000000"/>
                 </a:solidFill>
@@ -16033,31 +15558,15 @@
               <a:t>для кого является синонимом</a:t>
             </a:r>
             <a:r>
-              <a:rPr lang="en-US" dirty="0" smtClean="0">
-                <a:solidFill>
-                  <a:srgbClr val="000000"/>
-                </a:solidFill>
-              </a:rPr>
-              <a:t>&gt;</a:t>
-            </a:r>
-            <a:r>
               <a:rPr lang="en-US" dirty="0">
                 <a:solidFill>
                   <a:srgbClr val="000000"/>
                 </a:solidFill>
               </a:rPr>
-              <a:t> </a:t>
-            </a:r>
-            <a:r>
-              <a:rPr lang="en-US" dirty="0" smtClean="0">
-                <a:solidFill>
-                  <a:srgbClr val="000000"/>
-                </a:solidFill>
-              </a:rPr>
-              <a:t>&lt;</a:t>
-            </a:r>
-            <a:r>
-              <a:rPr lang="ru-RU" dirty="0" smtClean="0">
+              <a:t>&gt; &lt;</a:t>
+            </a:r>
+            <a:r>
+              <a:rPr lang="ru-RU" dirty="0">
                 <a:solidFill>
                   <a:srgbClr val="000000"/>
                 </a:solidFill>
@@ -16065,14 +15574,14 @@
               <a:t>название синонима</a:t>
             </a:r>
             <a:r>
-              <a:rPr lang="en-US" dirty="0" smtClean="0">
+              <a:rPr lang="en-US" dirty="0">
                 <a:solidFill>
                   <a:srgbClr val="000000"/>
                 </a:solidFill>
               </a:rPr>
               <a:t>&gt;;</a:t>
             </a:r>
-            <a:endParaRPr lang="en-US" dirty="0" smtClean="0"/>
+            <a:endParaRPr lang="en-US" dirty="0"/>
           </a:p>
         </p:txBody>
       </p:sp>
@@ -16112,7 +15621,7 @@
             <a:lstStyle/>
             <a:p>
               <a:r>
-                <a:rPr lang="en-US" sz="1400" dirty="0" err="1" smtClean="0">
+                <a:rPr lang="en-US" sz="1400" dirty="0" err="1">
                   <a:solidFill>
                     <a:srgbClr val="0000FF"/>
                   </a:solidFill>
@@ -17100,15 +16609,6 @@
               </a:r>
             </a:p>
             <a:p>
-              <a:r>
-                <a:rPr lang="en-US" sz="1400" dirty="0">
-                  <a:solidFill>
-                    <a:srgbClr val="000000"/>
-                  </a:solidFill>
-                  <a:latin typeface="Consolas" panose="020B0609020204030204" pitchFamily="49" charset="0"/>
-                </a:rPr>
-                <a:t/>
-              </a:r>
               <a:br>
                 <a:rPr lang="en-US" sz="1400" dirty="0">
                   <a:solidFill>
@@ -17235,15 +16735,6 @@
               </a:r>
             </a:p>
             <a:p>
-              <a:r>
-                <a:rPr lang="en-US" sz="1400" dirty="0">
-                  <a:solidFill>
-                    <a:srgbClr val="000000"/>
-                  </a:solidFill>
-                  <a:latin typeface="Consolas" panose="020B0609020204030204" pitchFamily="49" charset="0"/>
-                </a:rPr>
-                <a:t/>
-              </a:r>
               <a:br>
                 <a:rPr lang="en-US" sz="1400" dirty="0">
                   <a:solidFill>
@@ -17488,13 +16979,6 @@
   <p:clrMapOvr>
     <a:masterClrMapping/>
   </p:clrMapOvr>
-  <p:timing>
-    <p:tnLst>
-      <p:par>
-        <p:cTn id="1" dur="indefinite" restart="never" nodeType="tmRoot"/>
-      </p:par>
-    </p:tnLst>
-  </p:timing>
 </p:sld>
 </file>
 
@@ -17866,15 +17350,6 @@
             </a:r>
           </a:p>
           <a:p>
-            <a:r>
-              <a:rPr lang="en-US" dirty="0">
-                <a:solidFill>
-                  <a:srgbClr val="000000"/>
-                </a:solidFill>
-                <a:latin typeface="Consolas" panose="020B0609020204030204" pitchFamily="49" charset="0"/>
-              </a:rPr>
-              <a:t/>
-            </a:r>
             <a:br>
               <a:rPr lang="en-US" dirty="0">
                 <a:solidFill>
@@ -17979,15 +17454,6 @@
             </a:r>
           </a:p>
           <a:p>
-            <a:r>
-              <a:rPr lang="en-US" dirty="0">
-                <a:solidFill>
-                  <a:srgbClr val="000000"/>
-                </a:solidFill>
-                <a:latin typeface="Consolas" panose="020B0609020204030204" pitchFamily="49" charset="0"/>
-              </a:rPr>
-              <a:t/>
-            </a:r>
             <a:br>
               <a:rPr lang="en-US" dirty="0">
                 <a:solidFill>
@@ -18206,25 +17672,25 @@
           <a:lstStyle/>
           <a:p>
             <a:r>
-              <a:rPr lang="ru-RU" dirty="0" smtClean="0"/>
+              <a:rPr lang="ru-RU" dirty="0"/>
               <a:t>Встраиваемые(они же </a:t>
             </a:r>
             <a:r>
-              <a:rPr lang="en-US" dirty="0" smtClean="0"/>
+              <a:rPr lang="en-US" dirty="0"/>
               <a:t>inline) </a:t>
             </a:r>
             <a:r>
-              <a:rPr lang="ru-RU" dirty="0" smtClean="0"/>
+              <a:rPr lang="ru-RU" dirty="0"/>
               <a:t>функции это функция которую компилятор попытается вставить прямо в место ее вызова, таким образом сократив время вызова функции.</a:t>
             </a:r>
           </a:p>
           <a:p>
             <a:r>
-              <a:rPr lang="ru-RU" dirty="0" smtClean="0"/>
+              <a:rPr lang="ru-RU" dirty="0"/>
               <a:t>Сигнатура</a:t>
             </a:r>
             <a:r>
-              <a:rPr lang="en-US" dirty="0" smtClean="0"/>
+              <a:rPr lang="en-US" dirty="0"/>
               <a:t>:</a:t>
             </a:r>
           </a:p>
@@ -18243,18 +17709,10 @@
                   <a:srgbClr val="000000"/>
                 </a:solidFill>
               </a:rPr>
-              <a:t> </a:t>
-            </a:r>
-            <a:r>
-              <a:rPr lang="en-US" dirty="0" smtClean="0">
-                <a:solidFill>
-                  <a:srgbClr val="000000"/>
-                </a:solidFill>
-              </a:rPr>
-              <a:t>&lt;</a:t>
-            </a:r>
-            <a:r>
-              <a:rPr lang="ru-RU" dirty="0" smtClean="0">
+              <a:t> &lt;</a:t>
+            </a:r>
+            <a:r>
+              <a:rPr lang="ru-RU" dirty="0">
                 <a:solidFill>
                   <a:srgbClr val="000000"/>
                 </a:solidFill>
@@ -18262,14 +17720,14 @@
               <a:t>сигнатура функции</a:t>
             </a:r>
             <a:r>
-              <a:rPr lang="en-US" dirty="0" smtClean="0">
+              <a:rPr lang="en-US" dirty="0">
                 <a:solidFill>
                   <a:srgbClr val="000000"/>
                 </a:solidFill>
               </a:rPr>
               <a:t>&gt;;</a:t>
             </a:r>
-            <a:endParaRPr lang="en-US" dirty="0" smtClean="0"/>
+            <a:endParaRPr lang="en-US" dirty="0"/>
           </a:p>
         </p:txBody>
       </p:sp>
@@ -18296,36 +17754,36 @@
           <a:lstStyle/>
           <a:p>
             <a:r>
-              <a:rPr lang="en-US" dirty="0" smtClean="0"/>
+              <a:rPr lang="en-US" dirty="0"/>
               <a:t>Inline </a:t>
             </a:r>
             <a:r>
-              <a:rPr lang="ru-RU" dirty="0" smtClean="0"/>
+              <a:rPr lang="ru-RU" dirty="0"/>
               <a:t>функция не дает гарантии, что компилятор в обязательно порядке ее объявление перенес в место ее вызова, но она говорит компилятору, что бы он выполнял ее вызов как можно быстрее любым способом.</a:t>
             </a:r>
           </a:p>
           <a:p>
             <a:r>
-              <a:rPr lang="ru-RU" dirty="0" smtClean="0"/>
+              <a:rPr lang="ru-RU" dirty="0"/>
               <a:t>Функция объявленная как </a:t>
             </a:r>
             <a:r>
-              <a:rPr lang="en-US" dirty="0" smtClean="0"/>
+              <a:rPr lang="en-US" dirty="0"/>
               <a:t>inline </a:t>
             </a:r>
             <a:r>
-              <a:rPr lang="ru-RU" dirty="0" smtClean="0"/>
+              <a:rPr lang="ru-RU" dirty="0"/>
               <a:t>навсегда останется </a:t>
             </a:r>
             <a:r>
-              <a:rPr lang="en-US" dirty="0" smtClean="0"/>
+              <a:rPr lang="en-US" dirty="0"/>
               <a:t>inline</a:t>
             </a:r>
             <a:r>
-              <a:rPr lang="ru-RU" dirty="0" smtClean="0"/>
+              <a:rPr lang="ru-RU" dirty="0"/>
               <a:t>.</a:t>
             </a:r>
-            <a:endParaRPr lang="en-US" dirty="0" smtClean="0"/>
+            <a:endParaRPr lang="en-US" dirty="0"/>
           </a:p>
         </p:txBody>
       </p:sp>
@@ -18339,13 +17797,6 @@
   <p:clrMapOvr>
     <a:masterClrMapping/>
   </p:clrMapOvr>
-  <p:timing>
-    <p:tnLst>
-      <p:par>
-        <p:cTn id="1" dur="indefinite" restart="never" nodeType="tmRoot"/>
-      </p:par>
-    </p:tnLst>
-  </p:timing>
 </p:sld>
 </file>
 
@@ -18602,24 +18053,24 @@
           <a:lstStyle/>
           <a:p>
             <a:r>
-              <a:rPr lang="ru-RU" dirty="0" smtClean="0"/>
+              <a:rPr lang="ru-RU" dirty="0"/>
               <a:t>Параметры передаваемые в функцию могут иметь значение по умолчанию, и не требовать в обязательном порядке своей передачи.</a:t>
             </a:r>
           </a:p>
           <a:p>
             <a:r>
-              <a:rPr lang="ru-RU" dirty="0" smtClean="0"/>
+              <a:rPr lang="ru-RU" dirty="0"/>
               <a:t>Сигнатура</a:t>
             </a:r>
             <a:r>
-              <a:rPr lang="en-US" dirty="0" smtClean="0"/>
+              <a:rPr lang="en-US" dirty="0"/>
               <a:t>:</a:t>
             </a:r>
-            <a:endParaRPr lang="ru-RU" dirty="0" smtClean="0"/>
-          </a:p>
-          <a:p>
-            <a:r>
-              <a:rPr lang="en-US" dirty="0" smtClean="0">
+            <a:endParaRPr lang="ru-RU" dirty="0"/>
+          </a:p>
+          <a:p>
+            <a:r>
+              <a:rPr lang="en-US" dirty="0">
                 <a:solidFill>
                   <a:srgbClr val="000000"/>
                 </a:solidFill>
@@ -18627,7 +18078,7 @@
               <a:t>&lt;</a:t>
             </a:r>
             <a:r>
-              <a:rPr lang="ru-RU" dirty="0" smtClean="0">
+              <a:rPr lang="ru-RU" dirty="0">
                 <a:solidFill>
                   <a:srgbClr val="000000"/>
                 </a:solidFill>
@@ -18635,7 +18086,7 @@
               <a:t>тип возвращаемого </a:t>
             </a:r>
             <a:r>
-              <a:rPr lang="ru-RU" dirty="0" err="1" smtClean="0">
+              <a:rPr lang="ru-RU" dirty="0" err="1">
                 <a:solidFill>
                   <a:srgbClr val="000000"/>
                 </a:solidFill>
@@ -18643,7 +18094,7 @@
               <a:t>значниея</a:t>
             </a:r>
             <a:r>
-              <a:rPr lang="en-US" dirty="0" smtClean="0">
+              <a:rPr lang="en-US" dirty="0">
                 <a:solidFill>
                   <a:srgbClr val="000000"/>
                 </a:solidFill>
@@ -18651,7 +18102,7 @@
               <a:t>&gt;</a:t>
             </a:r>
             <a:r>
-              <a:rPr lang="ru-RU" dirty="0" smtClean="0">
+              <a:rPr lang="ru-RU" dirty="0">
                 <a:solidFill>
                   <a:srgbClr val="000000"/>
                 </a:solidFill>
@@ -18659,7 +18110,7 @@
               <a:t> </a:t>
             </a:r>
             <a:r>
-              <a:rPr lang="en-US" dirty="0" smtClean="0">
+              <a:rPr lang="en-US" dirty="0">
                 <a:solidFill>
                   <a:srgbClr val="000000"/>
                 </a:solidFill>
@@ -18667,7 +18118,7 @@
               <a:t>&lt;</a:t>
             </a:r>
             <a:r>
-              <a:rPr lang="ru-RU" dirty="0" smtClean="0">
+              <a:rPr lang="ru-RU" dirty="0">
                 <a:solidFill>
                   <a:srgbClr val="000000"/>
                 </a:solidFill>
@@ -18675,7 +18126,7 @@
               <a:t>название функции</a:t>
             </a:r>
             <a:r>
-              <a:rPr lang="en-US" dirty="0" smtClean="0">
+              <a:rPr lang="en-US" dirty="0">
                 <a:solidFill>
                   <a:srgbClr val="000000"/>
                 </a:solidFill>
@@ -18683,7 +18134,7 @@
               <a:t>&gt;</a:t>
             </a:r>
             <a:r>
-              <a:rPr lang="ru-RU" dirty="0" smtClean="0">
+              <a:rPr lang="ru-RU" dirty="0">
                 <a:solidFill>
                   <a:srgbClr val="000000"/>
                 </a:solidFill>
@@ -18694,7 +18145,7 @@
           <a:p>
             <a:pPr lvl="1"/>
             <a:r>
-              <a:rPr lang="en-US" dirty="0" smtClean="0">
+              <a:rPr lang="en-US" dirty="0">
                 <a:solidFill>
                   <a:srgbClr val="000000"/>
                 </a:solidFill>
@@ -18702,7 +18153,7 @@
               <a:t>&lt;</a:t>
             </a:r>
             <a:r>
-              <a:rPr lang="ru-RU" dirty="0" smtClean="0">
+              <a:rPr lang="ru-RU" dirty="0">
                 <a:solidFill>
                   <a:srgbClr val="000000"/>
                 </a:solidFill>
@@ -18710,14 +18161,14 @@
               <a:t>параметры не имеющие значения по умолчанию</a:t>
             </a:r>
             <a:r>
-              <a:rPr lang="en-US" dirty="0" smtClean="0">
+              <a:rPr lang="en-US" dirty="0">
                 <a:solidFill>
                   <a:srgbClr val="000000"/>
                 </a:solidFill>
               </a:rPr>
               <a:t>&gt;…,</a:t>
             </a:r>
-            <a:endParaRPr lang="ru-RU" dirty="0" smtClean="0">
+            <a:endParaRPr lang="ru-RU" dirty="0">
               <a:solidFill>
                 <a:srgbClr val="000000"/>
               </a:solidFill>
@@ -18726,7 +18177,7 @@
           <a:p>
             <a:pPr lvl="1"/>
             <a:r>
-              <a:rPr lang="en-US" dirty="0" smtClean="0">
+              <a:rPr lang="en-US" dirty="0">
                 <a:solidFill>
                   <a:srgbClr val="000000"/>
                 </a:solidFill>
@@ -18734,7 +18185,7 @@
               <a:t>&lt;</a:t>
             </a:r>
             <a:r>
-              <a:rPr lang="ru-RU" dirty="0" smtClean="0">
+              <a:rPr lang="ru-RU" dirty="0">
                 <a:solidFill>
                   <a:srgbClr val="000000"/>
                 </a:solidFill>
@@ -18742,7 +18193,7 @@
               <a:t>тип параметра со значением по умолчанию</a:t>
             </a:r>
             <a:r>
-              <a:rPr lang="en-US" dirty="0" smtClean="0">
+              <a:rPr lang="en-US" dirty="0">
                 <a:solidFill>
                   <a:srgbClr val="000000"/>
                 </a:solidFill>
@@ -18758,7 +18209,7 @@
               <a:t> </a:t>
             </a:r>
             <a:r>
-              <a:rPr lang="en-US" dirty="0" smtClean="0">
+              <a:rPr lang="en-US" dirty="0">
                 <a:solidFill>
                   <a:srgbClr val="000000"/>
                 </a:solidFill>
@@ -18766,7 +18217,7 @@
               <a:t>&lt;</a:t>
             </a:r>
             <a:r>
-              <a:rPr lang="ru-RU" dirty="0" smtClean="0">
+              <a:rPr lang="ru-RU" dirty="0">
                 <a:solidFill>
                   <a:srgbClr val="000000"/>
                 </a:solidFill>
@@ -18774,7 +18225,7 @@
               <a:t>название</a:t>
             </a:r>
             <a:r>
-              <a:rPr lang="en-US" dirty="0" smtClean="0">
+              <a:rPr lang="en-US" dirty="0">
                 <a:solidFill>
                   <a:srgbClr val="000000"/>
                 </a:solidFill>
@@ -18782,7 +18233,7 @@
               <a:t>&gt;</a:t>
             </a:r>
             <a:r>
-              <a:rPr lang="ru-RU" dirty="0" smtClean="0">
+              <a:rPr lang="ru-RU" dirty="0">
                 <a:solidFill>
                   <a:srgbClr val="000000"/>
                 </a:solidFill>
@@ -18790,7 +18241,7 @@
               <a:t> </a:t>
             </a:r>
             <a:r>
-              <a:rPr lang="en-US" dirty="0" smtClean="0">
+              <a:rPr lang="en-US" dirty="0">
                 <a:solidFill>
                   <a:srgbClr val="000000"/>
                 </a:solidFill>
@@ -18798,7 +18249,7 @@
               <a:t>=</a:t>
             </a:r>
             <a:r>
-              <a:rPr lang="ru-RU" dirty="0" smtClean="0">
+              <a:rPr lang="ru-RU" dirty="0">
                 <a:solidFill>
                   <a:srgbClr val="000000"/>
                 </a:solidFill>
@@ -18806,7 +18257,7 @@
               <a:t> </a:t>
             </a:r>
             <a:r>
-              <a:rPr lang="en-US" dirty="0" smtClean="0">
+              <a:rPr lang="en-US" dirty="0">
                 <a:solidFill>
                   <a:srgbClr val="000000"/>
                 </a:solidFill>
@@ -18814,7 +18265,7 @@
               <a:t>&lt;</a:t>
             </a:r>
             <a:r>
-              <a:rPr lang="ru-RU" dirty="0" smtClean="0">
+              <a:rPr lang="ru-RU" dirty="0">
                 <a:solidFill>
                   <a:srgbClr val="000000"/>
                 </a:solidFill>
@@ -18822,14 +18273,14 @@
               <a:t>значение</a:t>
             </a:r>
             <a:r>
-              <a:rPr lang="en-US" dirty="0" smtClean="0">
+              <a:rPr lang="en-US" dirty="0">
                 <a:solidFill>
                   <a:srgbClr val="000000"/>
                 </a:solidFill>
               </a:rPr>
               <a:t>&gt;, </a:t>
             </a:r>
-            <a:endParaRPr lang="ru-RU" dirty="0" smtClean="0">
+            <a:endParaRPr lang="ru-RU" dirty="0">
               <a:solidFill>
                 <a:srgbClr val="000000"/>
               </a:solidFill>
@@ -18838,7 +18289,7 @@
           <a:p>
             <a:pPr lvl="1"/>
             <a:r>
-              <a:rPr lang="en-US" dirty="0" smtClean="0">
+              <a:rPr lang="en-US" dirty="0">
                 <a:solidFill>
                   <a:srgbClr val="000000"/>
                 </a:solidFill>
@@ -18846,7 +18297,7 @@
               <a:t>…&lt;</a:t>
             </a:r>
             <a:r>
-              <a:rPr lang="ru-RU" dirty="0" smtClean="0">
+              <a:rPr lang="ru-RU" dirty="0">
                 <a:solidFill>
                   <a:srgbClr val="000000"/>
                 </a:solidFill>
@@ -18854,14 +18305,14 @@
               <a:t>только параметры имеющие значение по умолчанию</a:t>
             </a:r>
             <a:r>
-              <a:rPr lang="en-US" dirty="0" smtClean="0">
+              <a:rPr lang="en-US" dirty="0">
                 <a:solidFill>
                   <a:srgbClr val="000000"/>
                 </a:solidFill>
               </a:rPr>
               <a:t>&gt;</a:t>
             </a:r>
-            <a:endParaRPr lang="ru-RU" dirty="0" smtClean="0">
+            <a:endParaRPr lang="ru-RU" dirty="0">
               <a:solidFill>
                 <a:srgbClr val="000000"/>
               </a:solidFill>
@@ -18869,7 +18320,7 @@
           </a:p>
           <a:p>
             <a:r>
-              <a:rPr lang="ru-RU" dirty="0" smtClean="0">
+              <a:rPr lang="ru-RU" dirty="0">
                 <a:solidFill>
                   <a:srgbClr val="000000"/>
                 </a:solidFill>
@@ -18877,14 +18328,14 @@
               <a:t>)</a:t>
             </a:r>
             <a:r>
-              <a:rPr lang="en-US" dirty="0" smtClean="0">
+              <a:rPr lang="en-US" dirty="0">
                 <a:solidFill>
                   <a:srgbClr val="000000"/>
                 </a:solidFill>
               </a:rPr>
               <a:t>;</a:t>
             </a:r>
-            <a:endParaRPr lang="en-US" dirty="0" smtClean="0"/>
+            <a:endParaRPr lang="en-US" dirty="0"/>
           </a:p>
         </p:txBody>
       </p:sp>
@@ -18987,15 +18438,6 @@
             </a:r>
           </a:p>
           <a:p>
-            <a:r>
-              <a:rPr lang="en-US" dirty="0">
-                <a:solidFill>
-                  <a:srgbClr val="000000"/>
-                </a:solidFill>
-                <a:latin typeface="Consolas" panose="020B0609020204030204" pitchFamily="49" charset="0"/>
-              </a:rPr>
-              <a:t/>
-            </a:r>
             <a:br>
               <a:rPr lang="en-US" dirty="0">
                 <a:solidFill>
@@ -19246,13 +18688,6 @@
   <p:clrMapOvr>
     <a:masterClrMapping/>
   </p:clrMapOvr>
-  <p:timing>
-    <p:tnLst>
-      <p:par>
-        <p:cTn id="1" dur="indefinite" restart="never" nodeType="tmRoot"/>
-      </p:par>
-    </p:tnLst>
-  </p:timing>
 </p:sld>
 </file>
 
@@ -19448,13 +18883,6 @@
   <p:clrMapOvr>
     <a:masterClrMapping/>
   </p:clrMapOvr>
-  <p:timing>
-    <p:tnLst>
-      <p:par>
-        <p:cTn id="1" dur="indefinite" restart="never" nodeType="tmRoot"/>
-      </p:par>
-    </p:tnLst>
-  </p:timing>
 </p:sld>
 </file>
 
@@ -20074,7 +19502,7 @@
           </a:p>
           <a:p>
             <a:r>
-              <a:rPr lang="en-US" sz="1600" dirty="0" smtClean="0">
+              <a:rPr lang="en-US" sz="1600" dirty="0">
                 <a:solidFill>
                   <a:srgbClr val="000000"/>
                 </a:solidFill>
@@ -20114,7 +19542,7 @@
           <a:lstStyle/>
           <a:p>
             <a:r>
-              <a:rPr lang="en-US" sz="1600" dirty="0" err="1" smtClean="0">
+              <a:rPr lang="en-US" sz="1600" dirty="0" err="1">
                 <a:solidFill>
                   <a:srgbClr val="0000FF"/>
                 </a:solidFill>
@@ -20694,7 +20122,7 @@
           </a:p>
           <a:p>
             <a:r>
-              <a:rPr lang="en-US" sz="1600" dirty="0" smtClean="0">
+              <a:rPr lang="en-US" sz="1600" dirty="0">
                 <a:solidFill>
                   <a:srgbClr val="000000"/>
                 </a:solidFill>
@@ -20702,12 +20130,6 @@
               </a:rPr>
               <a:t>}</a:t>
             </a:r>
-            <a:endParaRPr lang="en-US" sz="1600" dirty="0">
-              <a:solidFill>
-                <a:srgbClr val="000000"/>
-              </a:solidFill>
-              <a:latin typeface="Consolas" panose="020B0609020204030204" pitchFamily="49" charset="0"/>
-            </a:endParaRPr>
           </a:p>
         </p:txBody>
       </p:sp>
@@ -20734,87 +20156,82 @@
           <a:lstStyle/>
           <a:p>
             <a:r>
-              <a:rPr lang="ru-RU" dirty="0" smtClean="0"/>
+              <a:rPr lang="ru-RU" dirty="0"/>
               <a:t>Помимо аргумента по умолчанию у функции можно указать неопределенное количество аргументов одного типа.</a:t>
             </a:r>
           </a:p>
           <a:p>
             <a:r>
-              <a:rPr lang="ru-RU" dirty="0" smtClean="0"/>
+              <a:rPr lang="ru-RU" dirty="0"/>
               <a:t>Сигнатура</a:t>
             </a:r>
             <a:r>
-              <a:rPr lang="en-US" dirty="0" smtClean="0"/>
+              <a:rPr lang="en-US" dirty="0"/>
               <a:t>:</a:t>
             </a:r>
           </a:p>
           <a:p>
             <a:r>
-              <a:rPr lang="en-US" dirty="0" smtClean="0"/>
+              <a:rPr lang="en-US" dirty="0"/>
               <a:t>&lt;</a:t>
             </a:r>
             <a:r>
-              <a:rPr lang="ru-RU" dirty="0" smtClean="0"/>
+              <a:rPr lang="ru-RU" dirty="0"/>
               <a:t>тип возвращаемого значения</a:t>
             </a:r>
             <a:r>
-              <a:rPr lang="en-US" dirty="0" smtClean="0"/>
+              <a:rPr lang="en-US" dirty="0"/>
               <a:t>&gt;</a:t>
             </a:r>
             <a:r>
-              <a:rPr lang="ru-RU" dirty="0" smtClean="0"/>
+              <a:rPr lang="ru-RU" dirty="0"/>
               <a:t> </a:t>
             </a:r>
             <a:r>
-              <a:rPr lang="en-US" dirty="0" smtClean="0"/>
+              <a:rPr lang="en-US" dirty="0"/>
               <a:t>&lt;</a:t>
             </a:r>
             <a:r>
-              <a:rPr lang="ru-RU" dirty="0" smtClean="0"/>
+              <a:rPr lang="ru-RU" dirty="0"/>
               <a:t>название функции</a:t>
             </a:r>
             <a:r>
-              <a:rPr lang="en-US" dirty="0" smtClean="0"/>
+              <a:rPr lang="en-US" dirty="0"/>
               <a:t>&gt;(&lt;</a:t>
             </a:r>
             <a:r>
-              <a:rPr lang="ru-RU" dirty="0" smtClean="0"/>
+              <a:rPr lang="ru-RU" dirty="0"/>
               <a:t>тип аргументов</a:t>
             </a:r>
             <a:r>
-              <a:rPr lang="en-US" dirty="0" smtClean="0"/>
+              <a:rPr lang="en-US" dirty="0"/>
               <a:t>&gt; &lt;</a:t>
             </a:r>
             <a:r>
-              <a:rPr lang="ru-RU" dirty="0" smtClean="0"/>
+              <a:rPr lang="ru-RU" dirty="0"/>
               <a:t>название первого аргумента</a:t>
             </a:r>
             <a:r>
-              <a:rPr lang="en-US" dirty="0" smtClean="0"/>
+              <a:rPr lang="en-US" dirty="0"/>
               <a:t>&gt;, …){</a:t>
             </a:r>
           </a:p>
           <a:p>
             <a:r>
               <a:rPr lang="en-US" dirty="0"/>
-              <a:t>	</a:t>
-            </a:r>
-            <a:r>
-              <a:rPr lang="en-US" dirty="0" smtClean="0"/>
-              <a:t>// </a:t>
-            </a:r>
-            <a:r>
-              <a:rPr lang="ru-RU" dirty="0" smtClean="0"/>
+              <a:t>	// </a:t>
+            </a:r>
+            <a:r>
+              <a:rPr lang="ru-RU" dirty="0"/>
               <a:t>тело функции</a:t>
             </a:r>
-            <a:endParaRPr lang="en-US" dirty="0" smtClean="0"/>
+            <a:endParaRPr lang="en-US" dirty="0"/>
           </a:p>
           <a:p>
             <a:r>
               <a:rPr lang="en-US" dirty="0"/>
               <a:t>}</a:t>
             </a:r>
-            <a:endParaRPr lang="en-US" dirty="0" smtClean="0"/>
           </a:p>
         </p:txBody>
       </p:sp>
@@ -20828,13 +20245,6 @@
   <p:clrMapOvr>
     <a:masterClrMapping/>
   </p:clrMapOvr>
-  <p:timing>
-    <p:tnLst>
-      <p:par>
-        <p:cTn id="1" dur="indefinite" restart="never" nodeType="tmRoot"/>
-      </p:par>
-    </p:tnLst>
-  </p:timing>
 </p:sld>
 </file>
 
@@ -21091,26 +20501,26 @@
           <a:lstStyle/>
           <a:p>
             <a:r>
-              <a:rPr lang="ru-RU" dirty="0" smtClean="0"/>
+              <a:rPr lang="ru-RU" dirty="0"/>
               <a:t>Работа с функциями часто требует использования одной и той же функции для разных типов.</a:t>
             </a:r>
             <a:r>
-              <a:rPr lang="en-US" dirty="0" smtClean="0"/>
+              <a:rPr lang="en-US" dirty="0"/>
               <a:t> </a:t>
             </a:r>
             <a:r>
-              <a:rPr lang="ru-RU" dirty="0" smtClean="0"/>
+              <a:rPr lang="ru-RU" dirty="0"/>
               <a:t>Глупо для таких функций иметь разные названия, поэтому в с++ есть механизм перегрузки функции(</a:t>
             </a:r>
             <a:r>
-              <a:rPr lang="en-US" dirty="0" smtClean="0"/>
+              <a:rPr lang="en-US" dirty="0"/>
               <a:t>override) – </a:t>
             </a:r>
             <a:r>
-              <a:rPr lang="ru-RU" dirty="0" smtClean="0"/>
+              <a:rPr lang="ru-RU" dirty="0"/>
               <a:t>при котором множество функций имеют одно название но разный список параметров. Тип возвращаемого значения роли не играет.</a:t>
             </a:r>
-            <a:endParaRPr lang="en-US" dirty="0" smtClean="0"/>
+            <a:endParaRPr lang="en-US" dirty="0"/>
           </a:p>
         </p:txBody>
       </p:sp>
@@ -21203,7 +20613,7 @@
           </a:p>
           <a:p>
             <a:r>
-              <a:rPr lang="en-US" sz="1400" dirty="0" smtClean="0">
+              <a:rPr lang="en-US" sz="1400" dirty="0">
                 <a:solidFill>
                   <a:srgbClr val="000000"/>
                 </a:solidFill>
@@ -21211,15 +20621,6 @@
               </a:rPr>
               <a:t>}</a:t>
             </a:r>
-            <a:r>
-              <a:rPr lang="en-US" sz="1400" dirty="0">
-                <a:solidFill>
-                  <a:srgbClr val="000000"/>
-                </a:solidFill>
-                <a:latin typeface="Consolas" panose="020B0609020204030204" pitchFamily="49" charset="0"/>
-              </a:rPr>
-              <a:t/>
-            </a:r>
             <a:br>
               <a:rPr lang="en-US" sz="1400" dirty="0">
                 <a:solidFill>
@@ -21314,7 +20715,7 @@
           </a:p>
           <a:p>
             <a:r>
-              <a:rPr lang="en-US" sz="1400" dirty="0" smtClean="0">
+              <a:rPr lang="en-US" sz="1400" dirty="0">
                 <a:solidFill>
                   <a:srgbClr val="000000"/>
                 </a:solidFill>
@@ -21322,15 +20723,6 @@
               </a:rPr>
               <a:t>}</a:t>
             </a:r>
-            <a:r>
-              <a:rPr lang="en-US" sz="1400" dirty="0">
-                <a:solidFill>
-                  <a:srgbClr val="000000"/>
-                </a:solidFill>
-                <a:latin typeface="Consolas" panose="020B0609020204030204" pitchFamily="49" charset="0"/>
-              </a:rPr>
-              <a:t/>
-            </a:r>
             <a:br>
               <a:rPr lang="en-US" sz="1400" dirty="0">
                 <a:solidFill>
@@ -21435,15 +20827,6 @@
             </a:r>
           </a:p>
           <a:p>
-            <a:r>
-              <a:rPr lang="en-US" sz="1400" dirty="0">
-                <a:solidFill>
-                  <a:srgbClr val="000000"/>
-                </a:solidFill>
-                <a:latin typeface="Consolas" panose="020B0609020204030204" pitchFamily="49" charset="0"/>
-              </a:rPr>
-              <a:t/>
-            </a:r>
             <a:br>
               <a:rPr lang="en-US" sz="1400" dirty="0">
                 <a:solidFill>
@@ -21632,7 +21015,7 @@
           </a:p>
           <a:p>
             <a:r>
-              <a:rPr lang="en-US" sz="1400" dirty="0" smtClean="0">
+              <a:rPr lang="en-US" sz="1400" dirty="0">
                 <a:solidFill>
                   <a:srgbClr val="000000"/>
                 </a:solidFill>
@@ -21641,7 +21024,7 @@
               <a:t>    </a:t>
             </a:r>
             <a:r>
-              <a:rPr lang="en-US" sz="1400" dirty="0" err="1" smtClean="0">
+              <a:rPr lang="en-US" sz="1400" dirty="0" err="1">
                 <a:solidFill>
                   <a:srgbClr val="000000"/>
                 </a:solidFill>
@@ -21650,7 +21033,7 @@
               <a:t>cout</a:t>
             </a:r>
             <a:r>
-              <a:rPr lang="en-US" sz="1400" dirty="0" smtClean="0">
+              <a:rPr lang="en-US" sz="1400" dirty="0">
                 <a:solidFill>
                   <a:srgbClr val="000000"/>
                 </a:solidFill>
@@ -21683,28 +21066,120 @@
                 </a:solidFill>
                 <a:latin typeface="Consolas" panose="020B0609020204030204" pitchFamily="49" charset="0"/>
               </a:rPr>
-              <a:t>: </a:t>
-            </a:r>
-            <a:r>
-              <a:rPr lang="en-US" sz="1400" dirty="0" smtClean="0">
+              <a:t>: "</a:t>
+            </a:r>
+            <a:r>
+              <a:rPr lang="en-US" sz="1400" dirty="0">
+                <a:solidFill>
+                  <a:srgbClr val="000000"/>
+                </a:solidFill>
+                <a:latin typeface="Consolas" panose="020B0609020204030204" pitchFamily="49" charset="0"/>
+              </a:rPr>
+              <a:t> &lt;&lt; square(n) &lt;&lt; </a:t>
+            </a:r>
+            <a:r>
+              <a:rPr lang="en-US" sz="1400" dirty="0" err="1">
+                <a:solidFill>
+                  <a:srgbClr val="000000"/>
+                </a:solidFill>
+                <a:latin typeface="Consolas" panose="020B0609020204030204" pitchFamily="49" charset="0"/>
+              </a:rPr>
+              <a:t>endl</a:t>
+            </a:r>
+            <a:r>
+              <a:rPr lang="en-US" sz="1400" dirty="0">
+                <a:solidFill>
+                  <a:srgbClr val="000000"/>
+                </a:solidFill>
+                <a:latin typeface="Consolas" panose="020B0609020204030204" pitchFamily="49" charset="0"/>
+              </a:rPr>
+              <a:t>;</a:t>
+            </a:r>
+          </a:p>
+          <a:p>
+            <a:r>
+              <a:rPr lang="en-US" sz="1400" dirty="0">
+                <a:solidFill>
+                  <a:srgbClr val="000000"/>
+                </a:solidFill>
+                <a:latin typeface="Consolas" panose="020B0609020204030204" pitchFamily="49" charset="0"/>
+              </a:rPr>
+              <a:t>    </a:t>
+            </a:r>
+            <a:r>
+              <a:rPr lang="en-US" sz="1400" dirty="0" err="1">
+                <a:solidFill>
+                  <a:srgbClr val="000000"/>
+                </a:solidFill>
+                <a:latin typeface="Consolas" panose="020B0609020204030204" pitchFamily="49" charset="0"/>
+              </a:rPr>
+              <a:t>cout</a:t>
+            </a:r>
+            <a:r>
+              <a:rPr lang="en-US" sz="1400" dirty="0">
+                <a:solidFill>
+                  <a:srgbClr val="000000"/>
+                </a:solidFill>
+                <a:latin typeface="Consolas" panose="020B0609020204030204" pitchFamily="49" charset="0"/>
+              </a:rPr>
+              <a:t> &lt;&lt; </a:t>
+            </a:r>
+            <a:r>
+              <a:rPr lang="en-US" sz="1400" dirty="0">
                 <a:solidFill>
                   <a:srgbClr val="A31515"/>
                 </a:solidFill>
                 <a:latin typeface="Consolas" panose="020B0609020204030204" pitchFamily="49" charset="0"/>
               </a:rPr>
-              <a:t>"</a:t>
-            </a:r>
-            <a:r>
-              <a:rPr lang="en-US" sz="1400" dirty="0" smtClean="0">
-                <a:solidFill>
-                  <a:srgbClr val="000000"/>
-                </a:solidFill>
-                <a:latin typeface="Consolas" panose="020B0609020204030204" pitchFamily="49" charset="0"/>
-              </a:rPr>
-              <a:t> &lt;&lt; square(n) &lt;&lt; </a:t>
-            </a:r>
-            <a:r>
-              <a:rPr lang="en-US" sz="1400" dirty="0" err="1" smtClean="0">
+              <a:t>“double: “</a:t>
+            </a:r>
+            <a:r>
+              <a:rPr lang="en-US" sz="1400" dirty="0">
+                <a:solidFill>
+                  <a:srgbClr val="000000"/>
+                </a:solidFill>
+                <a:latin typeface="Consolas" panose="020B0609020204030204" pitchFamily="49" charset="0"/>
+              </a:rPr>
+              <a:t> &lt;&lt; </a:t>
+            </a:r>
+            <a:r>
+              <a:rPr lang="en-US" sz="1400" dirty="0" err="1">
+                <a:solidFill>
+                  <a:srgbClr val="000000"/>
+                </a:solidFill>
+                <a:latin typeface="Consolas" panose="020B0609020204030204" pitchFamily="49" charset="0"/>
+              </a:rPr>
+              <a:t>square_d</a:t>
+            </a:r>
+            <a:r>
+              <a:rPr lang="en-US" sz="1400" dirty="0">
+                <a:solidFill>
+                  <a:srgbClr val="000000"/>
+                </a:solidFill>
+                <a:latin typeface="Consolas" panose="020B0609020204030204" pitchFamily="49" charset="0"/>
+              </a:rPr>
+              <a:t>(</a:t>
+            </a:r>
+            <a:r>
+              <a:rPr lang="en-US" sz="1400" dirty="0" err="1">
+                <a:solidFill>
+                  <a:srgbClr val="000000"/>
+                </a:solidFill>
+                <a:latin typeface="Consolas" panose="020B0609020204030204" pitchFamily="49" charset="0"/>
+              </a:rPr>
+              <a:t>dn</a:t>
+            </a:r>
+            <a:r>
+              <a:rPr lang="en-US" sz="1400" dirty="0">
+                <a:solidFill>
+                  <a:srgbClr val="000000"/>
+                </a:solidFill>
+                <a:latin typeface="Consolas" panose="020B0609020204030204" pitchFamily="49" charset="0"/>
+              </a:rPr>
+              <a:t>) &lt;&lt; </a:t>
+            </a:r>
+            <a:r>
+              <a:rPr lang="en-US" sz="1400" dirty="0" err="1">
                 <a:solidFill>
                   <a:srgbClr val="000000"/>
                 </a:solidFill>
@@ -21713,7 +21188,7 @@
               <a:t>endl</a:t>
             </a:r>
             <a:r>
-              <a:rPr lang="en-US" sz="1400" dirty="0" smtClean="0">
+              <a:rPr lang="en-US" sz="1400" dirty="0">
                 <a:solidFill>
                   <a:srgbClr val="000000"/>
                 </a:solidFill>
@@ -21748,61 +21223,25 @@
                 </a:solidFill>
                 <a:latin typeface="Consolas" panose="020B0609020204030204" pitchFamily="49" charset="0"/>
               </a:rPr>
-              <a:t> </a:t>
-            </a:r>
-            <a:r>
-              <a:rPr lang="en-US" sz="1400" dirty="0" smtClean="0">
-                <a:solidFill>
-                  <a:srgbClr val="000000"/>
-                </a:solidFill>
-                <a:latin typeface="Consolas" panose="020B0609020204030204" pitchFamily="49" charset="0"/>
-              </a:rPr>
-              <a:t>&lt;&lt; </a:t>
-            </a:r>
-            <a:r>
-              <a:rPr lang="en-US" sz="1400" dirty="0" smtClean="0">
+              <a:t> &lt;&lt; </a:t>
+            </a:r>
+            <a:r>
+              <a:rPr lang="en-US" sz="1400" dirty="0">
                 <a:solidFill>
                   <a:srgbClr val="A31515"/>
                 </a:solidFill>
                 <a:latin typeface="Consolas" panose="020B0609020204030204" pitchFamily="49" charset="0"/>
               </a:rPr>
-              <a:t>“double:</a:t>
-            </a:r>
-            <a:r>
-              <a:rPr lang="en-US" sz="1400" dirty="0">
-                <a:solidFill>
-                  <a:srgbClr val="A31515"/>
-                </a:solidFill>
-                <a:latin typeface="Consolas" panose="020B0609020204030204" pitchFamily="49" charset="0"/>
-              </a:rPr>
-              <a:t> </a:t>
-            </a:r>
-            <a:r>
-              <a:rPr lang="en-US" sz="1400" dirty="0" smtClean="0">
-                <a:solidFill>
-                  <a:srgbClr val="A31515"/>
-                </a:solidFill>
-                <a:latin typeface="Consolas" panose="020B0609020204030204" pitchFamily="49" charset="0"/>
-              </a:rPr>
-              <a:t>“</a:t>
-            </a:r>
-            <a:r>
-              <a:rPr lang="en-US" sz="1400" dirty="0" smtClean="0">
-                <a:solidFill>
-                  <a:srgbClr val="000000"/>
-                </a:solidFill>
-                <a:latin typeface="Consolas" panose="020B0609020204030204" pitchFamily="49" charset="0"/>
-              </a:rPr>
-              <a:t> &lt;&lt;</a:t>
-            </a:r>
-            <a:r>
-              <a:rPr lang="en-US" sz="1400" dirty="0">
-                <a:solidFill>
-                  <a:srgbClr val="000000"/>
-                </a:solidFill>
-                <a:latin typeface="Consolas" panose="020B0609020204030204" pitchFamily="49" charset="0"/>
-              </a:rPr>
-              <a:t> </a:t>
+              <a:t>“long: “</a:t>
+            </a:r>
+            <a:r>
+              <a:rPr lang="en-US" sz="1400" dirty="0">
+                <a:solidFill>
+                  <a:srgbClr val="000000"/>
+                </a:solidFill>
+                <a:latin typeface="Consolas" panose="020B0609020204030204" pitchFamily="49" charset="0"/>
+              </a:rPr>
+              <a:t> &lt;&lt; </a:t>
             </a:r>
             <a:r>
               <a:rPr lang="en-US" sz="1400" dirty="0" err="1">
@@ -21811,153 +21250,16 @@
                 </a:solidFill>
                 <a:latin typeface="Consolas" panose="020B0609020204030204" pitchFamily="49" charset="0"/>
               </a:rPr>
-              <a:t>square_d</a:t>
-            </a:r>
-            <a:r>
-              <a:rPr lang="en-US" sz="1400" dirty="0">
-                <a:solidFill>
-                  <a:srgbClr val="000000"/>
-                </a:solidFill>
-                <a:latin typeface="Consolas" panose="020B0609020204030204" pitchFamily="49" charset="0"/>
-              </a:rPr>
-              <a:t>(</a:t>
-            </a:r>
-            <a:r>
-              <a:rPr lang="en-US" sz="1400" dirty="0" err="1">
-                <a:solidFill>
-                  <a:srgbClr val="000000"/>
-                </a:solidFill>
-                <a:latin typeface="Consolas" panose="020B0609020204030204" pitchFamily="49" charset="0"/>
-              </a:rPr>
-              <a:t>dn</a:t>
-            </a:r>
-            <a:r>
-              <a:rPr lang="en-US" sz="1400" dirty="0">
-                <a:solidFill>
-                  <a:srgbClr val="000000"/>
-                </a:solidFill>
-                <a:latin typeface="Consolas" panose="020B0609020204030204" pitchFamily="49" charset="0"/>
-              </a:rPr>
-              <a:t>) &lt;&lt; </a:t>
-            </a:r>
-            <a:r>
-              <a:rPr lang="en-US" sz="1400" dirty="0" err="1">
-                <a:solidFill>
-                  <a:srgbClr val="000000"/>
-                </a:solidFill>
-                <a:latin typeface="Consolas" panose="020B0609020204030204" pitchFamily="49" charset="0"/>
-              </a:rPr>
-              <a:t>endl</a:t>
-            </a:r>
-            <a:r>
-              <a:rPr lang="en-US" sz="1400" dirty="0">
-                <a:solidFill>
-                  <a:srgbClr val="000000"/>
-                </a:solidFill>
-                <a:latin typeface="Consolas" panose="020B0609020204030204" pitchFamily="49" charset="0"/>
-              </a:rPr>
-              <a:t>;</a:t>
-            </a:r>
-          </a:p>
-          <a:p>
-            <a:r>
-              <a:rPr lang="en-US" sz="1400" dirty="0">
-                <a:solidFill>
-                  <a:srgbClr val="000000"/>
-                </a:solidFill>
-                <a:latin typeface="Consolas" panose="020B0609020204030204" pitchFamily="49" charset="0"/>
-              </a:rPr>
-              <a:t>    </a:t>
-            </a:r>
-            <a:r>
-              <a:rPr lang="en-US" sz="1400" dirty="0" err="1">
-                <a:solidFill>
-                  <a:srgbClr val="000000"/>
-                </a:solidFill>
-                <a:latin typeface="Consolas" panose="020B0609020204030204" pitchFamily="49" charset="0"/>
-              </a:rPr>
-              <a:t>cout</a:t>
-            </a:r>
-            <a:r>
-              <a:rPr lang="en-US" sz="1400" dirty="0">
-                <a:solidFill>
-                  <a:srgbClr val="000000"/>
-                </a:solidFill>
-                <a:latin typeface="Consolas" panose="020B0609020204030204" pitchFamily="49" charset="0"/>
-              </a:rPr>
-              <a:t> </a:t>
-            </a:r>
-            <a:r>
-              <a:rPr lang="en-US" sz="1400" dirty="0" smtClean="0">
-                <a:solidFill>
-                  <a:srgbClr val="000000"/>
-                </a:solidFill>
-                <a:latin typeface="Consolas" panose="020B0609020204030204" pitchFamily="49" charset="0"/>
-              </a:rPr>
-              <a:t>&lt;&lt; </a:t>
-            </a:r>
-            <a:r>
-              <a:rPr lang="en-US" sz="1400" dirty="0" smtClean="0">
-                <a:solidFill>
-                  <a:srgbClr val="A31515"/>
-                </a:solidFill>
-                <a:latin typeface="Consolas" panose="020B0609020204030204" pitchFamily="49" charset="0"/>
-              </a:rPr>
-              <a:t>“long:</a:t>
-            </a:r>
-            <a:r>
-              <a:rPr lang="en-US" sz="1400" dirty="0">
-                <a:solidFill>
-                  <a:srgbClr val="A31515"/>
-                </a:solidFill>
-                <a:latin typeface="Consolas" panose="020B0609020204030204" pitchFamily="49" charset="0"/>
-              </a:rPr>
-              <a:t> </a:t>
-            </a:r>
-            <a:r>
-              <a:rPr lang="en-US" sz="1400" dirty="0" smtClean="0">
-                <a:solidFill>
-                  <a:srgbClr val="A31515"/>
-                </a:solidFill>
-                <a:latin typeface="Consolas" panose="020B0609020204030204" pitchFamily="49" charset="0"/>
-              </a:rPr>
-              <a:t>“</a:t>
-            </a:r>
-            <a:r>
-              <a:rPr lang="en-US" sz="1400" dirty="0" smtClean="0">
-                <a:solidFill>
-                  <a:srgbClr val="000000"/>
-                </a:solidFill>
-                <a:latin typeface="Consolas" panose="020B0609020204030204" pitchFamily="49" charset="0"/>
-              </a:rPr>
-              <a:t> &lt;&lt; </a:t>
-            </a:r>
-            <a:r>
-              <a:rPr lang="en-US" sz="1400" dirty="0" err="1" smtClean="0">
-                <a:solidFill>
-                  <a:srgbClr val="000000"/>
-                </a:solidFill>
-                <a:latin typeface="Consolas" panose="020B0609020204030204" pitchFamily="49" charset="0"/>
-              </a:rPr>
               <a:t>square_l</a:t>
             </a:r>
             <a:r>
-              <a:rPr lang="en-US" sz="1400" dirty="0" smtClean="0">
-                <a:solidFill>
-                  <a:srgbClr val="000000"/>
-                </a:solidFill>
-                <a:latin typeface="Consolas" panose="020B0609020204030204" pitchFamily="49" charset="0"/>
-              </a:rPr>
-              <a:t>(ln</a:t>
-            </a:r>
-            <a:r>
-              <a:rPr lang="en-US" sz="1400" dirty="0">
-                <a:solidFill>
-                  <a:srgbClr val="000000"/>
-                </a:solidFill>
-                <a:latin typeface="Consolas" panose="020B0609020204030204" pitchFamily="49" charset="0"/>
-              </a:rPr>
-              <a:t>) &lt;&lt; </a:t>
+              <a:rPr lang="en-US" sz="1400" dirty="0">
+                <a:solidFill>
+                  <a:srgbClr val="000000"/>
+                </a:solidFill>
+                <a:latin typeface="Consolas" panose="020B0609020204030204" pitchFamily="49" charset="0"/>
+              </a:rPr>
+              <a:t>(ln) &lt;&lt; </a:t>
             </a:r>
             <a:r>
               <a:rPr lang="en-US" sz="1400" dirty="0" err="1">
@@ -22240,7 +21542,7 @@
           </a:p>
           <a:p>
             <a:r>
-              <a:rPr lang="en-US" sz="1400" dirty="0" smtClean="0">
+              <a:rPr lang="en-US" sz="1400" dirty="0">
                 <a:solidFill>
                   <a:srgbClr val="000000"/>
                 </a:solidFill>
@@ -22248,15 +21550,6 @@
               </a:rPr>
               <a:t>}</a:t>
             </a:r>
-            <a:r>
-              <a:rPr lang="en-US" sz="1400" dirty="0">
-                <a:solidFill>
-                  <a:srgbClr val="000000"/>
-                </a:solidFill>
-                <a:latin typeface="Consolas" panose="020B0609020204030204" pitchFamily="49" charset="0"/>
-              </a:rPr>
-              <a:t/>
-            </a:r>
             <a:br>
               <a:rPr lang="en-US" sz="1400" dirty="0">
                 <a:solidFill>
@@ -22369,7 +21662,7 @@
           </a:p>
           <a:p>
             <a:r>
-              <a:rPr lang="en-US" sz="1400" dirty="0" smtClean="0">
+              <a:rPr lang="en-US" sz="1400" dirty="0">
                 <a:solidFill>
                   <a:srgbClr val="000000"/>
                 </a:solidFill>
@@ -22377,15 +21670,6 @@
               </a:rPr>
               <a:t>}</a:t>
             </a:r>
-            <a:r>
-              <a:rPr lang="en-US" sz="1400" dirty="0">
-                <a:solidFill>
-                  <a:srgbClr val="000000"/>
-                </a:solidFill>
-                <a:latin typeface="Consolas" panose="020B0609020204030204" pitchFamily="49" charset="0"/>
-              </a:rPr>
-              <a:t/>
-            </a:r>
             <a:br>
               <a:rPr lang="en-US" sz="1400" dirty="0">
                 <a:solidFill>
@@ -22498,7 +21782,7 @@
           </a:p>
           <a:p>
             <a:r>
-              <a:rPr lang="en-US" sz="1400" dirty="0" smtClean="0">
+              <a:rPr lang="en-US" sz="1400" dirty="0">
                 <a:solidFill>
                   <a:srgbClr val="000000"/>
                 </a:solidFill>
@@ -22508,15 +21792,6 @@
             </a:r>
           </a:p>
           <a:p>
-            <a:r>
-              <a:rPr lang="en-US" sz="1400" dirty="0">
-                <a:solidFill>
-                  <a:srgbClr val="000000"/>
-                </a:solidFill>
-                <a:latin typeface="Consolas" panose="020B0609020204030204" pitchFamily="49" charset="0"/>
-              </a:rPr>
-              <a:t/>
-            </a:r>
             <a:br>
               <a:rPr lang="en-US" sz="1400" dirty="0">
                 <a:solidFill>
@@ -22831,13 +22106,6 @@
   <p:clrMapOvr>
     <a:masterClrMapping/>
   </p:clrMapOvr>
-  <p:timing>
-    <p:tnLst>
-      <p:par>
-        <p:cTn id="1" dur="indefinite" restart="never" nodeType="tmRoot"/>
-      </p:par>
-    </p:tnLst>
-  </p:timing>
 </p:sld>
 </file>
 
@@ -23094,55 +22362,55 @@
           <a:lstStyle/>
           <a:p>
             <a:r>
-              <a:rPr lang="ru-RU" dirty="0" smtClean="0"/>
+              <a:rPr lang="ru-RU" dirty="0"/>
               <a:t>В С++ существуют указатели на функции.</a:t>
             </a:r>
           </a:p>
           <a:p>
             <a:r>
-              <a:rPr lang="ru-RU" dirty="0" smtClean="0"/>
+              <a:rPr lang="ru-RU" dirty="0"/>
               <a:t>Сигнатура объявления указателя на функцию</a:t>
             </a:r>
             <a:r>
-              <a:rPr lang="en-US" dirty="0" smtClean="0"/>
+              <a:rPr lang="en-US" dirty="0"/>
               <a:t>:</a:t>
             </a:r>
           </a:p>
           <a:p>
             <a:r>
-              <a:rPr lang="en-US" dirty="0" smtClean="0"/>
+              <a:rPr lang="en-US" dirty="0"/>
               <a:t>&lt;</a:t>
             </a:r>
             <a:r>
-              <a:rPr lang="ru-RU" dirty="0" smtClean="0"/>
+              <a:rPr lang="ru-RU" dirty="0"/>
               <a:t>тип возвращаемого значения</a:t>
             </a:r>
             <a:r>
-              <a:rPr lang="en-US" dirty="0" smtClean="0"/>
+              <a:rPr lang="en-US" dirty="0"/>
               <a:t>&gt; (*&lt;</a:t>
             </a:r>
             <a:r>
-              <a:rPr lang="ru-RU" dirty="0" smtClean="0"/>
+              <a:rPr lang="ru-RU" dirty="0"/>
               <a:t>название указателя</a:t>
             </a:r>
             <a:r>
-              <a:rPr lang="en-US" dirty="0" smtClean="0"/>
+              <a:rPr lang="en-US" dirty="0"/>
               <a:t>&gt;)(&lt;</a:t>
             </a:r>
             <a:r>
-              <a:rPr lang="ru-RU" dirty="0" smtClean="0"/>
+              <a:rPr lang="ru-RU" dirty="0"/>
               <a:t>аргументы функции</a:t>
             </a:r>
             <a:r>
-              <a:rPr lang="en-US" dirty="0" smtClean="0"/>
+              <a:rPr lang="en-US" dirty="0"/>
               <a:t>&gt;) = &lt;</a:t>
             </a:r>
             <a:r>
-              <a:rPr lang="ru-RU" dirty="0" smtClean="0"/>
+              <a:rPr lang="ru-RU" dirty="0"/>
               <a:t>название функции</a:t>
             </a:r>
             <a:r>
-              <a:rPr lang="en-US" dirty="0" smtClean="0"/>
+              <a:rPr lang="en-US" dirty="0"/>
               <a:t>&gt;;</a:t>
             </a:r>
           </a:p>
@@ -23237,7 +22505,7 @@
           </a:p>
           <a:p>
             <a:r>
-              <a:rPr lang="en-US" sz="1400" dirty="0" smtClean="0">
+              <a:rPr lang="en-US" sz="1400" dirty="0">
                 <a:solidFill>
                   <a:srgbClr val="000000"/>
                 </a:solidFill>
@@ -23245,15 +22513,6 @@
               </a:rPr>
               <a:t>}</a:t>
             </a:r>
-            <a:r>
-              <a:rPr lang="en-US" sz="1400" dirty="0">
-                <a:solidFill>
-                  <a:srgbClr val="000000"/>
-                </a:solidFill>
-                <a:latin typeface="Consolas" panose="020B0609020204030204" pitchFamily="49" charset="0"/>
-              </a:rPr>
-              <a:t/>
-            </a:r>
             <a:br>
               <a:rPr lang="en-US" sz="1400" dirty="0">
                 <a:solidFill>
@@ -23568,7 +22827,7 @@
           </a:p>
           <a:p>
             <a:r>
-              <a:rPr lang="en-US" sz="1400" dirty="0" smtClean="0">
+              <a:rPr lang="en-US" sz="1400" dirty="0">
                 <a:solidFill>
                   <a:srgbClr val="000000"/>
                 </a:solidFill>
@@ -23576,15 +22835,6 @@
               </a:rPr>
               <a:t>}</a:t>
             </a:r>
-            <a:r>
-              <a:rPr lang="en-US" sz="1400" dirty="0">
-                <a:solidFill>
-                  <a:srgbClr val="000000"/>
-                </a:solidFill>
-                <a:latin typeface="Consolas" panose="020B0609020204030204" pitchFamily="49" charset="0"/>
-              </a:rPr>
-              <a:t/>
-            </a:r>
             <a:br>
               <a:rPr lang="en-US" sz="1400" dirty="0">
                 <a:solidFill>
@@ -23910,22 +23160,13 @@
           </a:p>
           <a:p>
             <a:r>
-              <a:rPr lang="en-US" sz="1400" dirty="0" smtClean="0">
+              <a:rPr lang="en-US" sz="1400" dirty="0">
                 <a:solidFill>
                   <a:srgbClr val="000000"/>
                 </a:solidFill>
                 <a:latin typeface="Consolas" panose="020B0609020204030204" pitchFamily="49" charset="0"/>
               </a:rPr>
               <a:t>}</a:t>
-            </a:r>
-            <a:r>
-              <a:rPr lang="en-US" sz="1400" dirty="0">
-                <a:solidFill>
-                  <a:srgbClr val="000000"/>
-                </a:solidFill>
-                <a:latin typeface="Consolas" panose="020B0609020204030204" pitchFamily="49" charset="0"/>
-              </a:rPr>
-              <a:t/>
             </a:r>
             <a:br>
               <a:rPr lang="en-US" sz="1400" dirty="0">
@@ -24369,22 +23610,22 @@
           <a:lstStyle/>
           <a:p>
             <a:r>
-              <a:rPr lang="ru-RU" dirty="0" smtClean="0"/>
+              <a:rPr lang="ru-RU" dirty="0"/>
               <a:t>Указатели на функцию можно передавать как аргументы в функцию.</a:t>
             </a:r>
           </a:p>
           <a:p>
             <a:r>
-              <a:rPr lang="ru-RU" dirty="0" smtClean="0"/>
+              <a:rPr lang="ru-RU" dirty="0"/>
               <a:t>Указатели на функцию могут иметь синонимы.</a:t>
             </a:r>
           </a:p>
           <a:p>
             <a:r>
-              <a:rPr lang="ru-RU" dirty="0" smtClean="0"/>
+              <a:rPr lang="ru-RU" dirty="0"/>
               <a:t>Могут существовать массивы указателей на функции.</a:t>
             </a:r>
-            <a:endParaRPr lang="en-US" dirty="0" smtClean="0"/>
+            <a:endParaRPr lang="en-US" dirty="0"/>
           </a:p>
         </p:txBody>
       </p:sp>
@@ -24398,13 +23639,6 @@
   <p:clrMapOvr>
     <a:masterClrMapping/>
   </p:clrMapOvr>
-  <p:timing>
-    <p:tnLst>
-      <p:par>
-        <p:cTn id="1" dur="indefinite" restart="never" nodeType="tmRoot"/>
-      </p:par>
-    </p:tnLst>
-  </p:timing>
 </p:sld>
 </file>
 
@@ -24484,13 +23718,6 @@
   <p:clrMapOvr>
     <a:masterClrMapping/>
   </p:clrMapOvr>
-  <p:timing>
-    <p:tnLst>
-      <p:par>
-        <p:cTn id="1" dur="indefinite" restart="never" nodeType="tmRoot"/>
-      </p:par>
-    </p:tnLst>
-  </p:timing>
 </p:sld>
 </file>
 
@@ -24771,11 +23998,11 @@
           <a:lstStyle/>
           <a:p>
             <a:r>
-              <a:rPr lang="ru-RU" dirty="0" smtClean="0"/>
+              <a:rPr lang="ru-RU" dirty="0"/>
               <a:t>Файлы</a:t>
             </a:r>
             <a:r>
-              <a:rPr lang="en-US" dirty="0" smtClean="0"/>
+              <a:rPr lang="en-US" dirty="0"/>
               <a:t>:</a:t>
             </a:r>
             <a:endParaRPr lang="ru-RU" dirty="0"/>
@@ -24889,15 +24116,6 @@
                 </a:endParaRPr>
               </a:p>
               <a:p>
-                <a:r>
-                  <a:rPr lang="en-US" sz="1400" dirty="0">
-                    <a:solidFill>
-                      <a:srgbClr val="000000"/>
-                    </a:solidFill>
-                    <a:latin typeface="Consolas" panose="020B0609020204030204" pitchFamily="49" charset="0"/>
-                  </a:rPr>
-                  <a:t/>
-                </a:r>
                 <a:br>
                   <a:rPr lang="en-US" sz="1400" dirty="0">
                     <a:solidFill>
@@ -25020,15 +24238,6 @@
                 </a:r>
               </a:p>
               <a:p>
-                <a:r>
-                  <a:rPr lang="en-US" sz="1400" dirty="0">
-                    <a:solidFill>
-                      <a:srgbClr val="000000"/>
-                    </a:solidFill>
-                    <a:latin typeface="Consolas" panose="020B0609020204030204" pitchFamily="49" charset="0"/>
-                  </a:rPr>
-                  <a:t/>
-                </a:r>
                 <a:br>
                   <a:rPr lang="en-US" sz="1400" dirty="0">
                     <a:solidFill>
@@ -25146,7 +24355,7 @@
               <a:lstStyle/>
               <a:p>
                 <a:r>
-                  <a:rPr lang="en-US" dirty="0" smtClean="0"/>
+                  <a:rPr lang="en-US" dirty="0"/>
                   <a:t>utils.cpp:</a:t>
                 </a:r>
                 <a:endParaRPr lang="ru-RU" dirty="0"/>
@@ -25245,16 +24454,7 @@
                     </a:solidFill>
                     <a:latin typeface="Consolas" panose="020B0609020204030204" pitchFamily="49" charset="0"/>
                   </a:rPr>
-                  <a:t>#define </a:t>
-                </a:r>
-                <a:r>
-                  <a:rPr lang="en-US" sz="1400" dirty="0" smtClean="0">
-                    <a:solidFill>
-                      <a:srgbClr val="0000FF"/>
-                    </a:solidFill>
-                    <a:latin typeface="Consolas" panose="020B0609020204030204" pitchFamily="49" charset="0"/>
-                  </a:rPr>
-                  <a:t>UTILS_H_EXAMPLES</a:t>
+                  <a:t>#define UTILS_H_EXAMPLES</a:t>
                 </a:r>
               </a:p>
               <a:p>
@@ -25292,15 +24492,6 @@
                 </a:endParaRPr>
               </a:p>
               <a:p>
-                <a:r>
-                  <a:rPr lang="en-US" sz="1400" dirty="0">
-                    <a:solidFill>
-                      <a:srgbClr val="000000"/>
-                    </a:solidFill>
-                    <a:latin typeface="Consolas" panose="020B0609020204030204" pitchFamily="49" charset="0"/>
-                  </a:rPr>
-                  <a:t/>
-                </a:r>
                 <a:br>
                   <a:rPr lang="en-US" sz="1400" dirty="0">
                     <a:solidFill>
@@ -25367,15 +24558,6 @@
                 </a:r>
               </a:p>
               <a:p>
-                <a:r>
-                  <a:rPr lang="en-US" sz="1400" dirty="0">
-                    <a:solidFill>
-                      <a:srgbClr val="000000"/>
-                    </a:solidFill>
-                    <a:latin typeface="Consolas" panose="020B0609020204030204" pitchFamily="49" charset="0"/>
-                  </a:rPr>
-                  <a:t/>
-                </a:r>
                 <a:br>
                   <a:rPr lang="en-US" sz="1400" dirty="0">
                     <a:solidFill>
@@ -25435,11 +24617,11 @@
               <a:lstStyle/>
               <a:p>
                 <a:r>
-                  <a:rPr lang="en-US" dirty="0" err="1" smtClean="0"/>
+                  <a:rPr lang="en-US" dirty="0" err="1"/>
                   <a:t>utils.h</a:t>
                 </a:r>
                 <a:r>
-                  <a:rPr lang="en-US" dirty="0" smtClean="0"/>
+                  <a:rPr lang="en-US" dirty="0"/>
                   <a:t>:</a:t>
                 </a:r>
                 <a:endParaRPr lang="ru-RU" dirty="0"/>
@@ -25506,24 +24688,23 @@
           <a:lstStyle/>
           <a:p>
             <a:r>
-              <a:rPr lang="ru-RU" sz="1600" dirty="0" smtClean="0"/>
+              <a:rPr lang="ru-RU" sz="1600" dirty="0"/>
               <a:t>Флаги защиты компиляции</a:t>
             </a:r>
           </a:p>
           <a:p>
             <a:r>
-              <a:rPr lang="ru-RU" sz="1600" dirty="0" smtClean="0"/>
+              <a:rPr lang="ru-RU" sz="1600" dirty="0"/>
               <a:t>На самом деле условное выражение препроцессора проверяющий был ли выполнен </a:t>
             </a:r>
             <a:r>
-              <a:rPr lang="en-US" sz="1600" dirty="0" smtClean="0"/>
+              <a:rPr lang="en-US" sz="1600" dirty="0"/>
               <a:t>define </a:t>
             </a:r>
             <a:r>
-              <a:rPr lang="ru-RU" sz="1600" dirty="0" smtClean="0"/>
+              <a:rPr lang="ru-RU" sz="1600" dirty="0"/>
               <a:t>макроса с именем, и если нет, то делает код, который находиться внутри него доступным компилятору.</a:t>
             </a:r>
-            <a:endParaRPr lang="ru-RU" sz="1600" dirty="0"/>
           </a:p>
         </p:txBody>
       </p:sp>
@@ -25639,7 +24820,7 @@
                 <a:t>"</a:t>
               </a:r>
               <a:r>
-                <a:rPr lang="en-US" sz="1400" dirty="0" err="1" smtClean="0">
+                <a:rPr lang="en-US" sz="1400" dirty="0" err="1">
                   <a:solidFill>
                     <a:srgbClr val="A31515"/>
                   </a:solidFill>
@@ -25648,7 +24829,7 @@
                 <a:t>utils.h</a:t>
               </a:r>
               <a:r>
-                <a:rPr lang="en-US" sz="1400" dirty="0" smtClean="0">
+                <a:rPr lang="en-US" sz="1400" dirty="0">
                   <a:solidFill>
                     <a:srgbClr val="A31515"/>
                   </a:solidFill>
@@ -25684,15 +24865,6 @@
               </a:endParaRPr>
             </a:p>
             <a:p>
-              <a:r>
-                <a:rPr lang="en-US" sz="1400" dirty="0">
-                  <a:solidFill>
-                    <a:srgbClr val="000000"/>
-                  </a:solidFill>
-                  <a:latin typeface="Consolas" panose="020B0609020204030204" pitchFamily="49" charset="0"/>
-                </a:rPr>
-                <a:t/>
-              </a:r>
               <a:br>
                 <a:rPr lang="en-US" sz="1400" dirty="0">
                   <a:solidFill>
@@ -25757,15 +24929,6 @@
               </a:r>
             </a:p>
             <a:p>
-              <a:r>
-                <a:rPr lang="en-US" sz="1400" dirty="0">
-                  <a:solidFill>
-                    <a:srgbClr val="000000"/>
-                  </a:solidFill>
-                  <a:latin typeface="Consolas" panose="020B0609020204030204" pitchFamily="49" charset="0"/>
-                </a:rPr>
-                <a:t/>
-              </a:r>
               <a:br>
                 <a:rPr lang="en-US" sz="1400" dirty="0">
                   <a:solidFill>
@@ -25966,7 +25129,7 @@
             <a:lstStyle/>
             <a:p>
               <a:r>
-                <a:rPr lang="en-US" dirty="0" smtClean="0"/>
+                <a:rPr lang="en-US" dirty="0"/>
                 <a:t>main.cpp:</a:t>
               </a:r>
               <a:endParaRPr lang="ru-RU" dirty="0"/>
@@ -25984,13 +25147,6 @@
   <p:clrMapOvr>
     <a:masterClrMapping/>
   </p:clrMapOvr>
-  <p:timing>
-    <p:tnLst>
-      <p:par>
-        <p:cTn id="1" dur="indefinite" restart="never" nodeType="tmRoot"/>
-      </p:par>
-    </p:tnLst>
-  </p:timing>
 </p:sld>
 </file>
 
@@ -26307,10 +25463,9 @@
           <a:lstStyle/>
           <a:p>
             <a:r>
-              <a:rPr lang="ru-RU" dirty="0" smtClean="0"/>
+              <a:rPr lang="ru-RU" dirty="0"/>
               <a:t>Библиотеки компилятора</a:t>
             </a:r>
-            <a:endParaRPr lang="ru-RU" dirty="0"/>
           </a:p>
         </p:txBody>
       </p:sp>
@@ -26337,10 +25492,9 @@
           <a:lstStyle/>
           <a:p>
             <a:r>
-              <a:rPr lang="ru-RU" dirty="0" smtClean="0"/>
+              <a:rPr lang="ru-RU" dirty="0"/>
               <a:t>Исходный код</a:t>
             </a:r>
-            <a:endParaRPr lang="ru-RU" dirty="0"/>
           </a:p>
         </p:txBody>
       </p:sp>
@@ -26367,10 +25521,9 @@
           <a:lstStyle/>
           <a:p>
             <a:r>
-              <a:rPr lang="ru-RU" dirty="0" smtClean="0"/>
+              <a:rPr lang="ru-RU" dirty="0"/>
               <a:t>Библиотеки других разработчиков</a:t>
             </a:r>
-            <a:endParaRPr lang="ru-RU" dirty="0"/>
           </a:p>
         </p:txBody>
       </p:sp>
@@ -26397,10 +25550,9 @@
           <a:lstStyle/>
           <a:p>
             <a:r>
-              <a:rPr lang="ru-RU" dirty="0" smtClean="0"/>
+              <a:rPr lang="ru-RU" dirty="0"/>
               <a:t>Тесты</a:t>
             </a:r>
-            <a:endParaRPr lang="ru-RU" dirty="0"/>
           </a:p>
         </p:txBody>
       </p:sp>
@@ -26427,10 +25579,9 @@
           <a:lstStyle/>
           <a:p>
             <a:r>
-              <a:rPr lang="ru-RU" dirty="0" smtClean="0"/>
+              <a:rPr lang="ru-RU" dirty="0"/>
               <a:t>Документация</a:t>
             </a:r>
-            <a:endParaRPr lang="ru-RU" dirty="0"/>
           </a:p>
         </p:txBody>
       </p:sp>
@@ -26444,13 +25595,6 @@
   <p:clrMapOvr>
     <a:masterClrMapping/>
   </p:clrMapOvr>
-  <p:timing>
-    <p:tnLst>
-      <p:par>
-        <p:cTn id="1" dur="indefinite" restart="never" nodeType="tmRoot"/>
-      </p:par>
-    </p:tnLst>
-  </p:timing>
 </p:sld>
 </file>
 
@@ -26581,7 +25725,7 @@
           </a:lstStyle>
           <a:p>
             <a:r>
-              <a:rPr lang="ru-RU" sz="3200" dirty="0" smtClean="0">
+              <a:rPr lang="ru-RU" sz="3200" dirty="0">
                 <a:solidFill>
                   <a:schemeClr val="accent1">
                     <a:lumMod val="75000"/>
@@ -26590,17 +25734,8 @@
                 <a:latin typeface="Arial" panose="020B0604020202020204" pitchFamily="34" charset="0"/>
                 <a:cs typeface="Arial" panose="020B0604020202020204" pitchFamily="34" charset="0"/>
               </a:rPr>
-              <a:t>Статические переменные</a:t>
-            </a:r>
-            <a:endParaRPr lang="ru-RU" sz="3200" dirty="0">
-              <a:solidFill>
-                <a:schemeClr val="accent1">
-                  <a:lumMod val="75000"/>
-                </a:schemeClr>
-              </a:solidFill>
-              <a:latin typeface="Arial" panose="020B0604020202020204" pitchFamily="34" charset="0"/>
-              <a:cs typeface="Arial" panose="020B0604020202020204" pitchFamily="34" charset="0"/>
-            </a:endParaRPr>
+              <a:t>Команда компиляции</a:t>
+            </a:r>
           </a:p>
         </p:txBody>
       </p:sp>
@@ -26730,10 +25865,9 @@
           <a:p>
             <a:pPr algn="ctr"/>
             <a:r>
-              <a:rPr lang="ru-RU" dirty="0" smtClean="0"/>
+              <a:rPr lang="ru-RU" dirty="0"/>
               <a:t>Линковщик</a:t>
             </a:r>
-            <a:endParaRPr lang="ru-RU" dirty="0"/>
           </a:p>
         </p:txBody>
       </p:sp>
@@ -26760,44 +25894,43 @@
           <a:lstStyle/>
           <a:p>
             <a:r>
-              <a:rPr lang="ru-RU" dirty="0" smtClean="0"/>
+              <a:rPr lang="ru-RU" dirty="0"/>
               <a:t>Команда компиляции</a:t>
             </a:r>
             <a:r>
-              <a:rPr lang="en-US" dirty="0" smtClean="0"/>
+              <a:rPr lang="en-US" dirty="0"/>
               <a:t>:</a:t>
             </a:r>
           </a:p>
           <a:p>
             <a:r>
-              <a:rPr lang="en-US" dirty="0" smtClean="0"/>
+              <a:rPr lang="en-US" dirty="0"/>
               <a:t>g++</a:t>
             </a:r>
             <a:r>
-              <a:rPr lang="ru-RU" dirty="0" smtClean="0"/>
+              <a:rPr lang="ru-RU" dirty="0"/>
               <a:t>  </a:t>
             </a:r>
             <a:r>
-              <a:rPr lang="en-US" dirty="0" smtClean="0"/>
+              <a:rPr lang="en-US" dirty="0"/>
               <a:t>main.cpp utils.cpp</a:t>
             </a:r>
             <a:r>
-              <a:rPr lang="ru-RU" dirty="0" smtClean="0"/>
+              <a:rPr lang="ru-RU" dirty="0"/>
               <a:t> </a:t>
             </a:r>
             <a:r>
-              <a:rPr lang="en-US" dirty="0" smtClean="0"/>
+              <a:rPr lang="en-US" dirty="0"/>
               <a:t>–o</a:t>
             </a:r>
             <a:r>
-              <a:rPr lang="ru-RU" dirty="0" smtClean="0"/>
+              <a:rPr lang="ru-RU" dirty="0"/>
               <a:t> </a:t>
             </a:r>
             <a:r>
-              <a:rPr lang="en-US" dirty="0" smtClean="0"/>
+              <a:rPr lang="en-US" dirty="0"/>
               <a:t>main.exe</a:t>
             </a:r>
-            <a:endParaRPr lang="en-US" dirty="0"/>
           </a:p>
         </p:txBody>
       </p:sp>
@@ -26924,11 +26057,11 @@
             <a:p>
               <a:pPr algn="ctr"/>
               <a:r>
-                <a:rPr lang="ru-RU" dirty="0" smtClean="0"/>
+                <a:rPr lang="ru-RU" dirty="0"/>
                 <a:t>Компиляция </a:t>
               </a:r>
               <a:r>
-                <a:rPr lang="en-US" dirty="0" smtClean="0"/>
+                <a:rPr lang="en-US" dirty="0"/>
                 <a:t>main.cpp</a:t>
               </a:r>
               <a:endParaRPr lang="ru-RU" dirty="0"/>
@@ -27026,11 +26159,11 @@
               <a:p>
                 <a:pPr algn="ctr"/>
                 <a:r>
-                  <a:rPr lang="ru-RU" dirty="0" smtClean="0"/>
+                  <a:rPr lang="ru-RU" dirty="0"/>
                   <a:t>Компиляция </a:t>
                 </a:r>
                 <a:r>
-                  <a:rPr lang="en-US" dirty="0" smtClean="0"/>
+                  <a:rPr lang="en-US" dirty="0"/>
                   <a:t>utils.cpp</a:t>
                 </a:r>
                 <a:endParaRPr lang="ru-RU" dirty="0"/>
@@ -27074,11 +26207,11 @@
               <a:p>
                 <a:pPr algn="ctr"/>
                 <a:r>
-                  <a:rPr lang="ru-RU" dirty="0" smtClean="0"/>
+                  <a:rPr lang="ru-RU" dirty="0"/>
                   <a:t>Компиляция </a:t>
                 </a:r>
                 <a:r>
-                  <a:rPr lang="en-US" dirty="0" err="1" smtClean="0"/>
+                  <a:rPr lang="en-US" dirty="0" err="1"/>
                   <a:t>utils.h</a:t>
                 </a:r>
                 <a:endParaRPr lang="ru-RU" dirty="0"/>
@@ -27123,10 +26256,9 @@
             <a:p>
               <a:pPr algn="ctr"/>
               <a:r>
-                <a:rPr lang="ru-RU" dirty="0" smtClean="0"/>
+                <a:rPr lang="ru-RU" dirty="0"/>
                 <a:t>Препроцессор</a:t>
               </a:r>
-              <a:endParaRPr lang="ru-RU" dirty="0"/>
             </a:p>
           </p:txBody>
         </p:sp>
@@ -27167,10 +26299,9 @@
             <a:p>
               <a:pPr algn="ctr"/>
               <a:r>
-                <a:rPr lang="ru-RU" dirty="0" smtClean="0"/>
+                <a:rPr lang="ru-RU" dirty="0"/>
                 <a:t>Препроцессор</a:t>
               </a:r>
-              <a:endParaRPr lang="ru-RU" dirty="0"/>
             </a:p>
           </p:txBody>
         </p:sp>
@@ -27284,7 +26415,7 @@
           <a:p>
             <a:pPr algn="ctr"/>
             <a:r>
-              <a:rPr lang="ru-RU" dirty="0" smtClean="0"/>
+              <a:rPr lang="ru-RU" dirty="0"/>
               <a:t>Флаги защиты компиляции не позволяют импортировать и компилировать один и тот же код несколько раз</a:t>
             </a:r>
           </a:p>
@@ -27346,10 +26477,9 @@
           <a:lstStyle/>
           <a:p>
             <a:r>
-              <a:rPr lang="ru-RU" sz="1600" dirty="0" smtClean="0"/>
+              <a:rPr lang="ru-RU" sz="1600" dirty="0"/>
               <a:t>Что компилируем?</a:t>
             </a:r>
-            <a:endParaRPr lang="ru-RU" sz="1600" dirty="0"/>
           </a:p>
         </p:txBody>
       </p:sp>
@@ -27376,10 +26506,9 @@
           <a:lstStyle/>
           <a:p>
             <a:r>
-              <a:rPr lang="ru-RU" sz="1600" dirty="0" smtClean="0"/>
+              <a:rPr lang="ru-RU" sz="1600" dirty="0"/>
               <a:t>Куда собираем?</a:t>
             </a:r>
-            <a:endParaRPr lang="ru-RU" sz="1600" dirty="0"/>
           </a:p>
         </p:txBody>
       </p:sp>
@@ -27453,11 +26582,11 @@
           <a:p>
             <a:pPr algn="ctr"/>
             <a:r>
-              <a:rPr lang="ru-RU" dirty="0" smtClean="0"/>
+              <a:rPr lang="ru-RU" dirty="0"/>
               <a:t>Библиотека </a:t>
             </a:r>
             <a:r>
-              <a:rPr lang="en-US" dirty="0" smtClean="0"/>
+              <a:rPr lang="en-US" dirty="0"/>
               <a:t>string</a:t>
             </a:r>
             <a:endParaRPr lang="ru-RU" dirty="0"/>
@@ -27561,10 +26690,9 @@
           <a:lstStyle/>
           <a:p>
             <a:r>
-              <a:rPr lang="ru-RU" dirty="0" smtClean="0"/>
+              <a:rPr lang="ru-RU" dirty="0"/>
               <a:t>Импортированы</a:t>
             </a:r>
-            <a:endParaRPr lang="ru-RU" dirty="0"/>
           </a:p>
         </p:txBody>
       </p:sp>
@@ -27605,7 +26733,7 @@
           <a:p>
             <a:pPr algn="ctr"/>
             <a:r>
-              <a:rPr lang="ru-RU" dirty="0" smtClean="0"/>
+              <a:rPr lang="ru-RU" dirty="0"/>
               <a:t>Библиотека </a:t>
             </a:r>
             <a:r>
@@ -27662,13 +26790,6 @@
   <p:clrMapOvr>
     <a:masterClrMapping/>
   </p:clrMapOvr>
-  <p:timing>
-    <p:tnLst>
-      <p:par>
-        <p:cTn id="1" dur="indefinite" restart="never" nodeType="tmRoot"/>
-      </p:par>
-    </p:tnLst>
-  </p:timing>
 </p:sld>
 </file>
 
@@ -28035,7 +27156,7 @@
                 <a:t>"</a:t>
               </a:r>
               <a:r>
-                <a:rPr lang="en-US" sz="1400" dirty="0" err="1" smtClean="0">
+                <a:rPr lang="en-US" sz="1400" dirty="0" err="1">
                   <a:solidFill>
                     <a:srgbClr val="A31515"/>
                   </a:solidFill>
@@ -28044,7 +27165,7 @@
                 <a:t>utils.h</a:t>
               </a:r>
               <a:r>
-                <a:rPr lang="en-US" sz="1400" dirty="0" smtClean="0">
+                <a:rPr lang="en-US" sz="1400" dirty="0">
                   <a:solidFill>
                     <a:srgbClr val="A31515"/>
                   </a:solidFill>
@@ -28080,15 +27201,6 @@
               </a:endParaRPr>
             </a:p>
             <a:p>
-              <a:r>
-                <a:rPr lang="en-US" sz="1400" dirty="0">
-                  <a:solidFill>
-                    <a:srgbClr val="000000"/>
-                  </a:solidFill>
-                  <a:latin typeface="Consolas" panose="020B0609020204030204" pitchFamily="49" charset="0"/>
-                </a:rPr>
-                <a:t/>
-              </a:r>
               <a:br>
                 <a:rPr lang="en-US" sz="1400" dirty="0">
                   <a:solidFill>
@@ -28153,15 +27265,6 @@
               </a:r>
             </a:p>
             <a:p>
-              <a:r>
-                <a:rPr lang="en-US" sz="1400" dirty="0">
-                  <a:solidFill>
-                    <a:srgbClr val="000000"/>
-                  </a:solidFill>
-                  <a:latin typeface="Consolas" panose="020B0609020204030204" pitchFamily="49" charset="0"/>
-                </a:rPr>
-                <a:t/>
-              </a:r>
               <a:br>
                 <a:rPr lang="en-US" sz="1400" dirty="0">
                   <a:solidFill>
@@ -28362,7 +27465,7 @@
             <a:lstStyle/>
             <a:p>
               <a:r>
-                <a:rPr lang="en-US" dirty="0" smtClean="0"/>
+                <a:rPr lang="en-US" dirty="0"/>
                 <a:t>main.cpp:</a:t>
               </a:r>
               <a:endParaRPr lang="ru-RU" dirty="0"/>
@@ -28477,15 +27580,6 @@
                 </a:endParaRPr>
               </a:p>
               <a:p>
-                <a:r>
-                  <a:rPr lang="en-US" sz="1400" dirty="0">
-                    <a:solidFill>
-                      <a:srgbClr val="000000"/>
-                    </a:solidFill>
-                    <a:latin typeface="Consolas" panose="020B0609020204030204" pitchFamily="49" charset="0"/>
-                  </a:rPr>
-                  <a:t/>
-                </a:r>
                 <a:br>
                   <a:rPr lang="en-US" sz="1400" dirty="0">
                     <a:solidFill>
@@ -28626,15 +27720,6 @@
                 </a:r>
               </a:p>
               <a:p>
-                <a:r>
-                  <a:rPr lang="en-US" sz="1400" dirty="0">
-                    <a:solidFill>
-                      <a:srgbClr val="000000"/>
-                    </a:solidFill>
-                    <a:latin typeface="Consolas" panose="020B0609020204030204" pitchFamily="49" charset="0"/>
-                  </a:rPr>
-                  <a:t/>
-                </a:r>
                 <a:br>
                   <a:rPr lang="en-US" sz="1400" dirty="0">
                     <a:solidFill>
@@ -28729,7 +27814,7 @@
               </a:p>
               <a:p>
                 <a:r>
-                  <a:rPr lang="en-US" sz="1400" dirty="0" smtClean="0">
+                  <a:rPr lang="en-US" sz="1400" dirty="0">
                     <a:solidFill>
                       <a:srgbClr val="000000"/>
                     </a:solidFill>
@@ -28779,7 +27864,7 @@
               <a:lstStyle/>
               <a:p>
                 <a:r>
-                  <a:rPr lang="en-US" dirty="0" smtClean="0"/>
+                  <a:rPr lang="en-US" dirty="0"/>
                   <a:t>utils.cpp:</a:t>
                 </a:r>
                 <a:endParaRPr lang="ru-RU" dirty="0"/>
@@ -28878,16 +27963,7 @@
                     </a:solidFill>
                     <a:latin typeface="Consolas" panose="020B0609020204030204" pitchFamily="49" charset="0"/>
                   </a:rPr>
-                  <a:t>#define </a:t>
-                </a:r>
-                <a:r>
-                  <a:rPr lang="en-US" sz="1400" dirty="0" smtClean="0">
-                    <a:solidFill>
-                      <a:srgbClr val="0000FF"/>
-                    </a:solidFill>
-                    <a:latin typeface="Consolas" panose="020B0609020204030204" pitchFamily="49" charset="0"/>
-                  </a:rPr>
-                  <a:t>UTILS_H_EXAMPLES</a:t>
+                  <a:t>#define UTILS_H_EXAMPLES</a:t>
                 </a:r>
               </a:p>
               <a:p>
@@ -28925,17 +28001,8 @@
                 </a:endParaRPr>
               </a:p>
               <a:p>
-                <a:r>
-                  <a:rPr lang="en-US" sz="1400" dirty="0" smtClean="0">
-                    <a:solidFill>
-                      <a:srgbClr val="000000"/>
-                    </a:solidFill>
-                    <a:latin typeface="Consolas" panose="020B0609020204030204" pitchFamily="49" charset="0"/>
-                  </a:rPr>
-                  <a:t/>
-                </a:r>
                 <a:br>
-                  <a:rPr lang="en-US" sz="1400" dirty="0" smtClean="0">
+                  <a:rPr lang="en-US" sz="1400" dirty="0">
                     <a:solidFill>
                       <a:srgbClr val="000000"/>
                     </a:solidFill>
@@ -29057,7 +28124,7 @@
               </a:p>
               <a:p>
                 <a:r>
-                  <a:rPr lang="en-US" sz="1400" dirty="0" smtClean="0">
+                  <a:rPr lang="en-US" sz="1400" dirty="0">
                     <a:solidFill>
                       <a:srgbClr val="000000"/>
                     </a:solidFill>
@@ -29067,17 +28134,8 @@
                 </a:r>
               </a:p>
               <a:p>
-                <a:r>
-                  <a:rPr lang="en-US" sz="1400" dirty="0" smtClean="0">
-                    <a:solidFill>
-                      <a:srgbClr val="000000"/>
-                    </a:solidFill>
-                    <a:latin typeface="Consolas" panose="020B0609020204030204" pitchFamily="49" charset="0"/>
-                  </a:rPr>
-                  <a:t/>
-                </a:r>
                 <a:br>
-                  <a:rPr lang="en-US" sz="1400" dirty="0" smtClean="0">
+                  <a:rPr lang="en-US" sz="1400" dirty="0">
                     <a:solidFill>
                       <a:srgbClr val="000000"/>
                     </a:solidFill>
@@ -29085,7 +28143,7 @@
                   </a:rPr>
                 </a:br>
                 <a:r>
-                  <a:rPr lang="en-US" sz="1400" dirty="0" smtClean="0">
+                  <a:rPr lang="en-US" sz="1400" dirty="0">
                     <a:solidFill>
                       <a:srgbClr val="0000FF"/>
                     </a:solidFill>
@@ -29094,7 +28152,7 @@
                   <a:t>#</a:t>
                 </a:r>
                 <a:r>
-                  <a:rPr lang="en-US" sz="1400" dirty="0" err="1" smtClean="0">
+                  <a:rPr lang="en-US" sz="1400" dirty="0" err="1">
                     <a:solidFill>
                       <a:srgbClr val="0000FF"/>
                     </a:solidFill>
@@ -29135,11 +28193,11 @@
               <a:lstStyle/>
               <a:p>
                 <a:r>
-                  <a:rPr lang="en-US" dirty="0" err="1" smtClean="0"/>
+                  <a:rPr lang="en-US" dirty="0" err="1"/>
                   <a:t>utils.h</a:t>
                 </a:r>
                 <a:r>
-                  <a:rPr lang="en-US" dirty="0" smtClean="0"/>
+                  <a:rPr lang="en-US" dirty="0"/>
                   <a:t>:</a:t>
                 </a:r>
                 <a:endParaRPr lang="ru-RU" dirty="0"/>
@@ -29276,28 +28334,26 @@
           <a:lstStyle/>
           <a:p>
             <a:r>
-              <a:rPr lang="ru-RU" dirty="0" smtClean="0"/>
+              <a:rPr lang="ru-RU" dirty="0"/>
               <a:t>Область видимости, это понятие обозначающее некоторый префикс приставляемый к именем переменных, констант, функций и пользовательских типов, отделяемый от них </a:t>
             </a:r>
             <a:r>
-              <a:rPr lang="en-US" dirty="0" smtClean="0"/>
+              <a:rPr lang="en-US" dirty="0"/>
               <a:t>::</a:t>
             </a:r>
             <a:r>
-              <a:rPr lang="ru-RU" dirty="0" smtClean="0"/>
+              <a:rPr lang="ru-RU" dirty="0"/>
               <a:t> а их основной целью служит возможность обеспечить непересекаемость имен.</a:t>
             </a:r>
+          </a:p>
+          <a:p>
             <a:endParaRPr lang="ru-RU" dirty="0"/>
           </a:p>
           <a:p>
-            <a:endParaRPr lang="ru-RU" dirty="0" smtClean="0"/>
-          </a:p>
-          <a:p>
-            <a:r>
-              <a:rPr lang="ru-RU" dirty="0" smtClean="0"/>
+            <a:r>
+              <a:rPr lang="ru-RU" dirty="0"/>
               <a:t>Пространства имен могут быть вложенные пространства, что отражается на использовании.</a:t>
             </a:r>
-            <a:endParaRPr lang="ru-RU" dirty="0"/>
           </a:p>
         </p:txBody>
       </p:sp>
@@ -29324,7 +28380,7 @@
           <a:lstStyle/>
           <a:p>
             <a:r>
-              <a:rPr lang="ru-RU" dirty="0" smtClean="0"/>
+              <a:rPr lang="ru-RU" dirty="0"/>
               <a:t>Для использования члена пространства имен(в примере функцию) нужно полностью прописать его название с префиксом.</a:t>
             </a:r>
           </a:p>
@@ -29343,13 +28399,6 @@
   <p:clrMapOvr>
     <a:masterClrMapping/>
   </p:clrMapOvr>
-  <p:timing>
-    <p:tnLst>
-      <p:par>
-        <p:cTn id="1" dur="indefinite" restart="never" nodeType="tmRoot"/>
-      </p:par>
-    </p:tnLst>
-  </p:timing>
 </p:sld>
 </file>
 
@@ -29627,11 +28676,11 @@
           <a:lstStyle/>
           <a:p>
             <a:r>
-              <a:rPr lang="ru-RU" dirty="0" smtClean="0"/>
+              <a:rPr lang="ru-RU" dirty="0"/>
               <a:t>Директива </a:t>
             </a:r>
             <a:r>
-              <a:rPr lang="en-US" dirty="0" smtClean="0">
+              <a:rPr lang="en-US" dirty="0">
                 <a:solidFill>
                   <a:srgbClr val="0000FF"/>
                 </a:solidFill>
@@ -29640,26 +28689,26 @@
               <a:t>using</a:t>
             </a:r>
             <a:r>
-              <a:rPr lang="en-US" dirty="0" smtClean="0"/>
+              <a:rPr lang="en-US" dirty="0"/>
               <a:t> </a:t>
             </a:r>
             <a:r>
-              <a:rPr lang="ru-RU" dirty="0" smtClean="0"/>
+              <a:rPr lang="ru-RU" dirty="0"/>
               <a:t>позволяет упростить обращения к члену пространства имен, и позволяет опускать указание пространства имен. </a:t>
             </a:r>
             <a:endParaRPr lang="en-US" dirty="0"/>
           </a:p>
           <a:p>
             <a:r>
-              <a:rPr lang="ru-RU" dirty="0" smtClean="0"/>
+              <a:rPr lang="ru-RU" dirty="0"/>
               <a:t>Если ее используют с ключевым словом</a:t>
             </a:r>
             <a:r>
-              <a:rPr lang="en-US" dirty="0" smtClean="0"/>
+              <a:rPr lang="en-US" dirty="0"/>
               <a:t> </a:t>
             </a:r>
             <a:r>
-              <a:rPr lang="en-US" dirty="0" smtClean="0">
+              <a:rPr lang="en-US" dirty="0">
                 <a:solidFill>
                   <a:srgbClr val="0000FF"/>
                 </a:solidFill>
@@ -29668,18 +28717,17 @@
               <a:t>namespace</a:t>
             </a:r>
             <a:r>
-              <a:rPr lang="ru-RU" dirty="0" smtClean="0"/>
+              <a:rPr lang="ru-RU" dirty="0"/>
               <a:t>, то это означает, что в дальнейшем, все попытки вызвать какую либо функцию, после поиска по файлу и текущему пространству имен, будет производиться поиск в указанном пространстве.</a:t>
             </a:r>
-            <a:endParaRPr lang="ru-RU" dirty="0"/>
-          </a:p>
-          <a:p>
-            <a:r>
-              <a:rPr lang="ru-RU" dirty="0" smtClean="0"/>
+          </a:p>
+          <a:p>
+            <a:r>
+              <a:rPr lang="ru-RU" dirty="0"/>
               <a:t>Если ее используют без ключевого слова </a:t>
             </a:r>
             <a:r>
-              <a:rPr lang="en-US" dirty="0" smtClean="0">
+              <a:rPr lang="en-US" dirty="0">
                 <a:solidFill>
                   <a:srgbClr val="0000FF"/>
                 </a:solidFill>
@@ -29688,10 +28736,9 @@
               <a:t>namespace</a:t>
             </a:r>
             <a:r>
-              <a:rPr lang="ru-RU" dirty="0" smtClean="0"/>
+              <a:rPr lang="ru-RU" dirty="0"/>
               <a:t>, то тогда после приводят полное название какого либо члена какого либо пространства имен и в дальнейшем его можно будет использовать без префиксов.</a:t>
             </a:r>
-            <a:endParaRPr lang="ru-RU" dirty="0"/>
           </a:p>
         </p:txBody>
       </p:sp>
@@ -29745,7 +28792,7 @@
             <a:lstStyle/>
             <a:p>
               <a:r>
-                <a:rPr lang="en-US" sz="1400" dirty="0" smtClean="0">
+                <a:rPr lang="en-US" sz="1400" dirty="0">
                   <a:solidFill>
                     <a:srgbClr val="0000FF"/>
                   </a:solidFill>
@@ -29754,7 +28801,7 @@
                 <a:t>#</a:t>
               </a:r>
               <a:r>
-                <a:rPr lang="en-US" sz="1400" dirty="0" err="1" smtClean="0">
+                <a:rPr lang="en-US" sz="1400" dirty="0" err="1">
                   <a:solidFill>
                     <a:srgbClr val="0000FF"/>
                   </a:solidFill>
@@ -29763,7 +28810,7 @@
                 <a:t>ifndef</a:t>
               </a:r>
               <a:r>
-                <a:rPr lang="en-US" sz="1400" dirty="0" smtClean="0">
+                <a:rPr lang="en-US" sz="1400" dirty="0">
                   <a:solidFill>
                     <a:srgbClr val="0000FF"/>
                   </a:solidFill>
@@ -29771,7 +28818,7 @@
                 </a:rPr>
                 <a:t> UTILS_H_EXAMPLES</a:t>
               </a:r>
-              <a:endParaRPr lang="en-US" sz="1400" dirty="0" smtClean="0">
+              <a:endParaRPr lang="en-US" sz="1400" dirty="0">
                 <a:solidFill>
                   <a:srgbClr val="000000"/>
                 </a:solidFill>
@@ -29780,7 +28827,7 @@
             </a:p>
             <a:p>
               <a:r>
-                <a:rPr lang="en-US" sz="1400" dirty="0" smtClean="0">
+                <a:rPr lang="en-US" sz="1400" dirty="0">
                   <a:solidFill>
                     <a:srgbClr val="0000FF"/>
                   </a:solidFill>
@@ -29790,7 +28837,7 @@
               </a:r>
             </a:p>
             <a:p>
-              <a:endParaRPr lang="en-US" sz="1400" dirty="0" smtClean="0">
+              <a:endParaRPr lang="en-US" sz="1400" dirty="0">
                 <a:solidFill>
                   <a:srgbClr val="000000"/>
                 </a:solidFill>
@@ -29799,7 +28846,7 @@
             </a:p>
             <a:p>
               <a:r>
-                <a:rPr lang="en-US" sz="1400" dirty="0" smtClean="0">
+                <a:rPr lang="en-US" sz="1400" dirty="0">
                   <a:solidFill>
                     <a:srgbClr val="0000FF"/>
                   </a:solidFill>
@@ -29808,7 +28855,7 @@
                 <a:t>#include </a:t>
               </a:r>
               <a:r>
-                <a:rPr lang="en-US" sz="1400" dirty="0" smtClean="0">
+                <a:rPr lang="en-US" sz="1400" dirty="0">
                   <a:solidFill>
                     <a:srgbClr val="A31515"/>
                   </a:solidFill>
@@ -29816,7 +28863,7 @@
                 </a:rPr>
                 <a:t>&lt;string&gt;</a:t>
               </a:r>
-              <a:endParaRPr lang="en-US" sz="1400" dirty="0" smtClean="0">
+              <a:endParaRPr lang="en-US" sz="1400" dirty="0">
                 <a:solidFill>
                   <a:srgbClr val="000000"/>
                 </a:solidFill>
@@ -29824,17 +28871,8 @@
               </a:endParaRPr>
             </a:p>
             <a:p>
-              <a:r>
-                <a:rPr lang="en-US" sz="1400" dirty="0" smtClean="0">
-                  <a:solidFill>
-                    <a:srgbClr val="000000"/>
-                  </a:solidFill>
-                  <a:latin typeface="Consolas" panose="020B0609020204030204" pitchFamily="49" charset="0"/>
-                </a:rPr>
-                <a:t/>
-              </a:r>
               <a:br>
-                <a:rPr lang="en-US" sz="1400" dirty="0" smtClean="0">
+                <a:rPr lang="en-US" sz="1400" dirty="0">
                   <a:solidFill>
                     <a:srgbClr val="000000"/>
                   </a:solidFill>
@@ -30006,17 +29044,8 @@
               </a:r>
             </a:p>
             <a:p>
-              <a:r>
-                <a:rPr lang="en-US" sz="1400" dirty="0" smtClean="0">
-                  <a:solidFill>
-                    <a:srgbClr val="000000"/>
-                  </a:solidFill>
-                  <a:latin typeface="Consolas" panose="020B0609020204030204" pitchFamily="49" charset="0"/>
-                </a:rPr>
-                <a:t/>
-              </a:r>
               <a:br>
-                <a:rPr lang="en-US" sz="1400" dirty="0" smtClean="0">
+                <a:rPr lang="en-US" sz="1400" dirty="0">
                   <a:solidFill>
                     <a:srgbClr val="000000"/>
                   </a:solidFill>
@@ -30024,7 +29053,7 @@
                 </a:rPr>
               </a:br>
               <a:r>
-                <a:rPr lang="en-US" sz="1400" dirty="0" smtClean="0">
+                <a:rPr lang="en-US" sz="1400" dirty="0">
                   <a:solidFill>
                     <a:srgbClr val="0000FF"/>
                   </a:solidFill>
@@ -30033,7 +29062,7 @@
                 <a:t>#</a:t>
               </a:r>
               <a:r>
-                <a:rPr lang="en-US" sz="1400" dirty="0" err="1" smtClean="0">
+                <a:rPr lang="en-US" sz="1400" dirty="0" err="1">
                   <a:solidFill>
                     <a:srgbClr val="0000FF"/>
                   </a:solidFill>
@@ -30074,11 +29103,11 @@
             <a:lstStyle/>
             <a:p>
               <a:r>
-                <a:rPr lang="en-US" dirty="0" err="1" smtClean="0"/>
+                <a:rPr lang="en-US" dirty="0" err="1"/>
                 <a:t>utils.h</a:t>
               </a:r>
               <a:r>
-                <a:rPr lang="en-US" dirty="0" smtClean="0"/>
+                <a:rPr lang="en-US" dirty="0"/>
                 <a:t>:</a:t>
               </a:r>
               <a:endParaRPr lang="ru-RU" dirty="0"/>
@@ -30237,15 +29266,6 @@
                 </a:endParaRPr>
               </a:p>
               <a:p>
-                <a:r>
-                  <a:rPr lang="en-US" sz="1400" dirty="0">
-                    <a:solidFill>
-                      <a:srgbClr val="000000"/>
-                    </a:solidFill>
-                    <a:latin typeface="Consolas" panose="020B0609020204030204" pitchFamily="49" charset="0"/>
-                  </a:rPr>
-                  <a:t/>
-                </a:r>
                 <a:br>
                   <a:rPr lang="en-US" sz="1400" dirty="0">
                     <a:solidFill>
@@ -30386,15 +29406,6 @@
                 </a:r>
               </a:p>
               <a:p>
-                <a:r>
-                  <a:rPr lang="en-US" sz="1400" dirty="0">
-                    <a:solidFill>
-                      <a:srgbClr val="000000"/>
-                    </a:solidFill>
-                    <a:latin typeface="Consolas" panose="020B0609020204030204" pitchFamily="49" charset="0"/>
-                  </a:rPr>
-                  <a:t/>
-                </a:r>
                 <a:br>
                   <a:rPr lang="en-US" sz="1400" dirty="0">
                     <a:solidFill>
@@ -30606,7 +29617,7 @@
               <a:lstStyle/>
               <a:p>
                 <a:r>
-                  <a:rPr lang="en-US" dirty="0" smtClean="0"/>
+                  <a:rPr lang="en-US" dirty="0"/>
                   <a:t>main.cpp:</a:t>
                 </a:r>
                 <a:endParaRPr lang="ru-RU" dirty="0"/>
@@ -30695,13 +29706,6 @@
   <p:clrMapOvr>
     <a:masterClrMapping/>
   </p:clrMapOvr>
-  <p:timing>
-    <p:tnLst>
-      <p:par>
-        <p:cTn id="1" dur="indefinite" restart="never" nodeType="tmRoot"/>
-      </p:par>
-    </p:tnLst>
-  </p:timing>
 </p:sld>
 </file>
 
@@ -30958,7 +29962,7 @@
           <a:lstStyle/>
           <a:p>
             <a:r>
-              <a:rPr lang="ru-RU" dirty="0" smtClean="0"/>
+              <a:rPr lang="ru-RU" dirty="0"/>
               <a:t>Указатель может указывать в пустоту. Фактически пустотой является любой адрес по которому указатель не может обратиться(первый пример, указатель ни на что не указывает, и при обращении по нему выдает ошибку доступа к памяти)</a:t>
             </a:r>
           </a:p>
@@ -30967,20 +29971,20 @@
           </a:p>
           <a:p>
             <a:r>
-              <a:rPr lang="ru-RU" dirty="0" smtClean="0"/>
+              <a:rPr lang="ru-RU" dirty="0"/>
               <a:t>Но как выявить пустой указатель?</a:t>
             </a:r>
-            <a:endParaRPr lang="en-US" dirty="0" smtClean="0"/>
-          </a:p>
-          <a:p>
-            <a:r>
-              <a:rPr lang="ru-RU" dirty="0" smtClean="0"/>
+            <a:endParaRPr lang="en-US" dirty="0"/>
+          </a:p>
+          <a:p>
+            <a:r>
+              <a:rPr lang="ru-RU" dirty="0"/>
               <a:t>К примеру нам нужно в какой либо функции выяснить нужно ли генерировать число, или оно уже есть?</a:t>
             </a:r>
           </a:p>
           <a:p>
             <a:r>
-              <a:rPr lang="ru-RU" dirty="0" smtClean="0"/>
+              <a:rPr lang="ru-RU" dirty="0"/>
               <a:t>Что является пустотой для указателя?</a:t>
             </a:r>
           </a:p>
@@ -30989,15 +29993,15 @@
           </a:p>
           <a:p>
             <a:r>
-              <a:rPr lang="ru-RU" dirty="0" smtClean="0"/>
+              <a:rPr lang="ru-RU" dirty="0"/>
               <a:t>Указатель на пустоты, это указатель который указывает на </a:t>
             </a:r>
             <a:r>
-              <a:rPr lang="en-US" dirty="0" smtClean="0"/>
+              <a:rPr lang="en-US" dirty="0"/>
               <a:t>0</a:t>
             </a:r>
             <a:r>
-              <a:rPr lang="ru-RU" dirty="0" smtClean="0"/>
+              <a:rPr lang="ru-RU" dirty="0"/>
               <a:t>, синонимами которого является </a:t>
             </a:r>
             <a:r>
@@ -31010,11 +30014,11 @@
               <a:t>NULL</a:t>
             </a:r>
             <a:r>
-              <a:rPr lang="en-US" dirty="0" smtClean="0"/>
+              <a:rPr lang="en-US" dirty="0"/>
               <a:t> </a:t>
             </a:r>
             <a:r>
-              <a:rPr lang="ru-RU" dirty="0" smtClean="0"/>
+              <a:rPr lang="ru-RU" dirty="0"/>
               <a:t>или </a:t>
             </a:r>
             <a:r>
@@ -31027,7 +30031,7 @@
               <a:t>nullptr</a:t>
             </a:r>
             <a:r>
-              <a:rPr lang="ru-RU" dirty="0" smtClean="0"/>
+              <a:rPr lang="ru-RU" dirty="0"/>
               <a:t>.</a:t>
             </a:r>
           </a:p>
@@ -31045,15 +30049,15 @@
               <a:t>NULL</a:t>
             </a:r>
             <a:r>
-              <a:rPr lang="en-US" dirty="0" smtClean="0"/>
+              <a:rPr lang="en-US" dirty="0"/>
               <a:t> </a:t>
             </a:r>
             <a:r>
-              <a:rPr lang="ru-RU" dirty="0" smtClean="0"/>
+              <a:rPr lang="ru-RU" dirty="0"/>
               <a:t>является наследием С, и является макросом, а вот </a:t>
             </a:r>
             <a:r>
-              <a:rPr lang="en-US" dirty="0" err="1" smtClean="0">
+              <a:rPr lang="en-US" dirty="0" err="1">
                 <a:solidFill>
                   <a:srgbClr val="0000FF"/>
                 </a:solidFill>
@@ -31062,11 +30066,11 @@
               <a:t>nullptr</a:t>
             </a:r>
             <a:r>
-              <a:rPr lang="en-US" dirty="0" smtClean="0"/>
+              <a:rPr lang="en-US" dirty="0"/>
               <a:t> </a:t>
             </a:r>
             <a:r>
-              <a:rPr lang="ru-RU" dirty="0" smtClean="0"/>
+              <a:rPr lang="ru-RU" dirty="0"/>
               <a:t>это специальное обозначение именно нулевого указателя в С++.</a:t>
             </a:r>
           </a:p>
@@ -31313,15 +30317,6 @@
             </a:r>
           </a:p>
           <a:p>
-            <a:r>
-              <a:rPr lang="en-US" sz="1400" dirty="0">
-                <a:solidFill>
-                  <a:srgbClr val="000000"/>
-                </a:solidFill>
-                <a:latin typeface="Consolas" panose="020B0609020204030204" pitchFamily="49" charset="0"/>
-              </a:rPr>
-              <a:t/>
-            </a:r>
             <a:br>
               <a:rPr lang="en-US" sz="1400" dirty="0">
                 <a:solidFill>
@@ -31469,25 +30464,7 @@
                 </a:solidFill>
                 <a:latin typeface="Consolas" panose="020B0609020204030204" pitchFamily="49" charset="0"/>
               </a:rPr>
-              <a:t> </a:t>
-            </a:r>
-            <a:r>
-              <a:rPr lang="en-US" sz="1400" dirty="0" smtClean="0">
-                <a:solidFill>
-                  <a:srgbClr val="008000"/>
-                </a:solidFill>
-                <a:latin typeface="Consolas" panose="020B0609020204030204" pitchFamily="49" charset="0"/>
-              </a:rPr>
-              <a:t>&lt;&lt;</a:t>
-            </a:r>
-            <a:r>
-              <a:rPr lang="en-US" sz="1400" dirty="0">
-                <a:solidFill>
-                  <a:srgbClr val="008000"/>
-                </a:solidFill>
-                <a:latin typeface="Consolas" panose="020B0609020204030204" pitchFamily="49" charset="0"/>
-              </a:rPr>
-              <a:t> *pi &lt;&lt;  </a:t>
+              <a:t> &lt;&lt; *pi &lt;&lt;  </a:t>
             </a:r>
             <a:r>
               <a:rPr lang="en-US" sz="1400" dirty="0" err="1">
@@ -31802,16 +30779,7 @@
                 </a:solidFill>
                 <a:latin typeface="Consolas" panose="020B0609020204030204" pitchFamily="49" charset="0"/>
               </a:rPr>
-              <a:t> main</a:t>
-            </a:r>
-            <a:r>
-              <a:rPr lang="en-US" sz="1400" dirty="0" smtClean="0">
-                <a:solidFill>
-                  <a:srgbClr val="000000"/>
-                </a:solidFill>
-                <a:latin typeface="Consolas" panose="020B0609020204030204" pitchFamily="49" charset="0"/>
-              </a:rPr>
-              <a:t>(){</a:t>
+              <a:t> main(){</a:t>
             </a:r>
           </a:p>
           <a:p>
@@ -31840,23 +30808,8 @@
                 </a:solidFill>
                 <a:latin typeface="Consolas" panose="020B0609020204030204" pitchFamily="49" charset="0"/>
               </a:rPr>
-              <a:t>* </a:t>
-            </a:r>
-            <a:r>
-              <a:rPr lang="en-US" sz="1400" dirty="0" smtClean="0">
-                <a:solidFill>
-                  <a:srgbClr val="000000"/>
-                </a:solidFill>
-                <a:latin typeface="Consolas" panose="020B0609020204030204" pitchFamily="49" charset="0"/>
-              </a:rPr>
-              <a:t>p;</a:t>
-            </a:r>
-            <a:endParaRPr lang="en-US" sz="1400" dirty="0">
-              <a:solidFill>
-                <a:srgbClr val="000000"/>
-              </a:solidFill>
-              <a:latin typeface="Consolas" panose="020B0609020204030204" pitchFamily="49" charset="0"/>
-            </a:endParaRPr>
+              <a:t>* p;</a:t>
+            </a:r>
           </a:p>
           <a:p>
             <a:r>
@@ -31923,7 +30876,7 @@
               <a:t> &lt;&lt; *pi &lt;&lt; </a:t>
             </a:r>
             <a:r>
-              <a:rPr lang="en-US" sz="1400" dirty="0" err="1" smtClean="0">
+              <a:rPr lang="en-US" sz="1400" dirty="0" err="1">
                 <a:solidFill>
                   <a:srgbClr val="000000"/>
                 </a:solidFill>
@@ -31932,7 +30885,7 @@
               <a:t>endl</a:t>
             </a:r>
             <a:r>
-              <a:rPr lang="en-US" sz="1400" dirty="0" smtClean="0">
+              <a:rPr lang="en-US" sz="1400" dirty="0">
                 <a:solidFill>
                   <a:srgbClr val="000000"/>
                 </a:solidFill>
@@ -31941,31 +30894,13 @@
               <a:t>;</a:t>
             </a:r>
             <a:r>
-              <a:rPr lang="en-US" sz="1400" dirty="0" smtClean="0">
+              <a:rPr lang="en-US" sz="1400" dirty="0">
                 <a:solidFill>
                   <a:srgbClr val="008000"/>
                 </a:solidFill>
                 <a:latin typeface="Consolas" panose="020B0609020204030204" pitchFamily="49" charset="0"/>
               </a:rPr>
-              <a:t>//</a:t>
-            </a:r>
-            <a:r>
-              <a:rPr lang="en-US" sz="1400" dirty="0">
-                <a:solidFill>
-                  <a:srgbClr val="008000"/>
-                </a:solidFill>
-                <a:latin typeface="Consolas" panose="020B0609020204030204" pitchFamily="49" charset="0"/>
-              </a:rPr>
-              <a:t> Segmentation </a:t>
-            </a:r>
-            <a:r>
-              <a:rPr lang="en-US" sz="1400" dirty="0" smtClean="0">
-                <a:solidFill>
-                  <a:srgbClr val="008000"/>
-                </a:solidFill>
-                <a:latin typeface="Consolas" panose="020B0609020204030204" pitchFamily="49" charset="0"/>
-              </a:rPr>
-              <a:t>fault</a:t>
+              <a:t>// Segmentation fault</a:t>
             </a:r>
             <a:endParaRPr lang="en-US" sz="1400" dirty="0">
               <a:solidFill>
@@ -32051,13 +30986,6 @@
   <p:clrMapOvr>
     <a:masterClrMapping/>
   </p:clrMapOvr>
-  <p:timing>
-    <p:tnLst>
-      <p:par>
-        <p:cTn id="1" dur="indefinite" restart="never" nodeType="tmRoot"/>
-      </p:par>
-    </p:tnLst>
-  </p:timing>
 </p:sld>
 </file>
 
@@ -32314,10 +31242,10 @@
           <a:lstStyle/>
           <a:p>
             <a:r>
-              <a:rPr lang="ru-RU" dirty="0" smtClean="0"/>
+              <a:rPr lang="ru-RU" dirty="0"/>
               <a:t>Пользовательским типом данных называется любой тип который не является заранее установленным в языке. </a:t>
             </a:r>
-            <a:endParaRPr lang="en-US" dirty="0" smtClean="0"/>
+            <a:endParaRPr lang="en-US" dirty="0"/>
           </a:p>
         </p:txBody>
       </p:sp>
@@ -32358,10 +31286,9 @@
           <a:p>
             <a:pPr algn="ctr"/>
             <a:r>
-              <a:rPr lang="ru-RU" dirty="0" smtClean="0"/>
+              <a:rPr lang="ru-RU" dirty="0"/>
               <a:t>Типы</a:t>
             </a:r>
-            <a:endParaRPr lang="ru-RU" dirty="0"/>
           </a:p>
         </p:txBody>
       </p:sp>
@@ -32402,10 +31329,9 @@
           <a:p>
             <a:pPr algn="ctr"/>
             <a:r>
-              <a:rPr lang="ru-RU" dirty="0" smtClean="0"/>
+              <a:rPr lang="ru-RU" dirty="0"/>
               <a:t>Системные</a:t>
             </a:r>
-            <a:endParaRPr lang="ru-RU" dirty="0"/>
           </a:p>
         </p:txBody>
       </p:sp>
@@ -32496,10 +31422,9 @@
             <a:p>
               <a:pPr algn="ctr"/>
               <a:r>
-                <a:rPr lang="ru-RU" dirty="0" smtClean="0"/>
+                <a:rPr lang="ru-RU" dirty="0"/>
                 <a:t>Пользовательские</a:t>
               </a:r>
-              <a:endParaRPr lang="ru-RU" dirty="0"/>
             </a:p>
           </p:txBody>
         </p:sp>
@@ -32540,10 +31465,9 @@
             <a:p>
               <a:pPr algn="ctr"/>
               <a:r>
-                <a:rPr lang="ru-RU" dirty="0" smtClean="0"/>
+                <a:rPr lang="ru-RU" dirty="0"/>
                 <a:t>Перечисления</a:t>
               </a:r>
-              <a:endParaRPr lang="ru-RU" dirty="0"/>
             </a:p>
           </p:txBody>
         </p:sp>
@@ -32584,10 +31508,9 @@
             <a:p>
               <a:pPr algn="ctr"/>
               <a:r>
-                <a:rPr lang="ru-RU" dirty="0" smtClean="0"/>
+                <a:rPr lang="ru-RU" dirty="0"/>
                 <a:t>Классы</a:t>
               </a:r>
-              <a:endParaRPr lang="ru-RU" dirty="0"/>
             </a:p>
           </p:txBody>
         </p:sp>
@@ -32628,10 +31551,9 @@
             <a:p>
               <a:pPr algn="ctr"/>
               <a:r>
-                <a:rPr lang="ru-RU" dirty="0" smtClean="0"/>
+                <a:rPr lang="ru-RU" dirty="0"/>
                 <a:t>Структуры</a:t>
               </a:r>
-              <a:endParaRPr lang="ru-RU" dirty="0"/>
             </a:p>
           </p:txBody>
         </p:sp>
@@ -32672,10 +31594,9 @@
             <a:p>
               <a:pPr algn="ctr"/>
               <a:r>
-                <a:rPr lang="ru-RU" dirty="0" smtClean="0"/>
+                <a:rPr lang="ru-RU" dirty="0"/>
                 <a:t>Объединения</a:t>
               </a:r>
-              <a:endParaRPr lang="ru-RU" dirty="0"/>
             </a:p>
           </p:txBody>
         </p:sp>
@@ -32716,10 +31637,9 @@
             <a:p>
               <a:pPr algn="ctr"/>
               <a:r>
-                <a:rPr lang="ru-RU" dirty="0" smtClean="0"/>
+                <a:rPr lang="ru-RU" dirty="0"/>
                 <a:t>Поля битов</a:t>
               </a:r>
-              <a:endParaRPr lang="ru-RU" dirty="0"/>
             </a:p>
           </p:txBody>
         </p:sp>
@@ -32760,10 +31680,9 @@
             <a:p>
               <a:pPr algn="ctr"/>
               <a:r>
-                <a:rPr lang="ru-RU" dirty="0" smtClean="0"/>
+                <a:rPr lang="ru-RU" dirty="0"/>
                 <a:t>Псевдонимы</a:t>
               </a:r>
-              <a:endParaRPr lang="ru-RU" dirty="0"/>
             </a:p>
           </p:txBody>
         </p:sp>
@@ -33109,10 +32028,9 @@
             <a:p>
               <a:pPr algn="ctr"/>
               <a:r>
-                <a:rPr lang="ru-RU" dirty="0" smtClean="0"/>
+                <a:rPr lang="ru-RU" dirty="0"/>
                 <a:t>Числовые</a:t>
               </a:r>
-              <a:endParaRPr lang="ru-RU" dirty="0"/>
             </a:p>
           </p:txBody>
         </p:sp>
@@ -33153,10 +32071,9 @@
             <a:p>
               <a:pPr algn="ctr"/>
               <a:r>
-                <a:rPr lang="ru-RU" dirty="0" smtClean="0"/>
+                <a:rPr lang="ru-RU" dirty="0"/>
                 <a:t>Символьный</a:t>
               </a:r>
-              <a:endParaRPr lang="ru-RU" dirty="0"/>
             </a:p>
           </p:txBody>
         </p:sp>
@@ -33197,10 +32114,9 @@
             <a:p>
               <a:pPr algn="ctr"/>
               <a:r>
-                <a:rPr lang="ru-RU" dirty="0" smtClean="0"/>
+                <a:rPr lang="ru-RU" dirty="0"/>
                 <a:t>Логический</a:t>
               </a:r>
-              <a:endParaRPr lang="ru-RU" dirty="0"/>
             </a:p>
           </p:txBody>
         </p:sp>
@@ -33241,10 +32157,9 @@
             <a:p>
               <a:pPr algn="ctr"/>
               <a:r>
-                <a:rPr lang="ru-RU" dirty="0" smtClean="0"/>
+                <a:rPr lang="ru-RU" dirty="0"/>
                 <a:t>…</a:t>
               </a:r>
-              <a:endParaRPr lang="ru-RU" dirty="0"/>
             </a:p>
           </p:txBody>
         </p:sp>
@@ -33295,13 +32210,6 @@
   <p:clrMapOvr>
     <a:masterClrMapping/>
   </p:clrMapOvr>
-  <p:timing>
-    <p:tnLst>
-      <p:par>
-        <p:cTn id="1" dur="indefinite" restart="never" nodeType="tmRoot"/>
-      </p:par>
-    </p:tnLst>
-  </p:timing>
 </p:sld>
 </file>
 
